--- a/docs/PS Promotion and Deployment Tool for Developers- v2.0.pptx
+++ b/docs/PS Promotion and Deployment Tool for Developers- v2.0.pptx
@@ -5,37 +5,38 @@
     <p:sldMasterId id="2147483732" r:id="rId1"/>
   </p:sldMasterIdLst>
   <p:notesMasterIdLst>
-    <p:notesMasterId r:id="rId27"/>
+    <p:notesMasterId r:id="rId28"/>
   </p:notesMasterIdLst>
   <p:handoutMasterIdLst>
-    <p:handoutMasterId r:id="rId28"/>
+    <p:handoutMasterId r:id="rId29"/>
   </p:handoutMasterIdLst>
   <p:sldIdLst>
     <p:sldId id="465" r:id="rId2"/>
     <p:sldId id="466" r:id="rId3"/>
-    <p:sldId id="467" r:id="rId4"/>
-    <p:sldId id="468" r:id="rId5"/>
-    <p:sldId id="469" r:id="rId6"/>
-    <p:sldId id="470" r:id="rId7"/>
-    <p:sldId id="471" r:id="rId8"/>
-    <p:sldId id="472" r:id="rId9"/>
-    <p:sldId id="473" r:id="rId10"/>
-    <p:sldId id="474" r:id="rId11"/>
-    <p:sldId id="475" r:id="rId12"/>
-    <p:sldId id="476" r:id="rId13"/>
-    <p:sldId id="477" r:id="rId14"/>
-    <p:sldId id="478" r:id="rId15"/>
-    <p:sldId id="479" r:id="rId16"/>
-    <p:sldId id="480" r:id="rId17"/>
-    <p:sldId id="481" r:id="rId18"/>
-    <p:sldId id="482" r:id="rId19"/>
-    <p:sldId id="483" r:id="rId20"/>
-    <p:sldId id="484" r:id="rId21"/>
-    <p:sldId id="485" r:id="rId22"/>
-    <p:sldId id="486" r:id="rId23"/>
-    <p:sldId id="487" r:id="rId24"/>
-    <p:sldId id="488" r:id="rId25"/>
-    <p:sldId id="462" r:id="rId26"/>
+    <p:sldId id="489" r:id="rId4"/>
+    <p:sldId id="467" r:id="rId5"/>
+    <p:sldId id="468" r:id="rId6"/>
+    <p:sldId id="469" r:id="rId7"/>
+    <p:sldId id="470" r:id="rId8"/>
+    <p:sldId id="471" r:id="rId9"/>
+    <p:sldId id="472" r:id="rId10"/>
+    <p:sldId id="473" r:id="rId11"/>
+    <p:sldId id="474" r:id="rId12"/>
+    <p:sldId id="475" r:id="rId13"/>
+    <p:sldId id="476" r:id="rId14"/>
+    <p:sldId id="477" r:id="rId15"/>
+    <p:sldId id="478" r:id="rId16"/>
+    <p:sldId id="479" r:id="rId17"/>
+    <p:sldId id="480" r:id="rId18"/>
+    <p:sldId id="481" r:id="rId19"/>
+    <p:sldId id="482" r:id="rId20"/>
+    <p:sldId id="483" r:id="rId21"/>
+    <p:sldId id="484" r:id="rId22"/>
+    <p:sldId id="485" r:id="rId23"/>
+    <p:sldId id="486" r:id="rId24"/>
+    <p:sldId id="487" r:id="rId25"/>
+    <p:sldId id="488" r:id="rId26"/>
+    <p:sldId id="462" r:id="rId27"/>
   </p:sldIdLst>
   <p:sldSz cx="9144000" cy="6858000" type="screen4x3"/>
   <p:notesSz cx="6858000" cy="9144000"/>
@@ -219,7 +220,7 @@
           <a:p>
             <a:fld id="{8C67059E-F096-41EF-873D-C843676AB311}" type="datetimeFigureOut">
               <a:rPr lang="en-US" smtClean="0"/>
-              <a:t>9/3/2013</a:t>
+              <a:t>11/17/2014</a:t>
             </a:fld>
             <a:endParaRPr lang="en-US"/>
           </a:p>
@@ -384,7 +385,7 @@
           <a:p>
             <a:fld id="{9C2AF75A-F07E-4A91-AA44-AA4642E3BA4A}" type="datetimeFigureOut">
               <a:rPr lang="en-US" smtClean="0"/>
-              <a:t>9/3/2013</a:t>
+              <a:t>11/17/2014</a:t>
             </a:fld>
             <a:endParaRPr lang="en-US"/>
           </a:p>
@@ -834,7 +835,7 @@
         <p:nvSpPr>
           <p:cNvPr id="38915" name="Rectangle 2"/>
           <p:cNvSpPr>
-            <a:spLocks noRot="1" noChangeArrowheads="1" noTextEdit="1"/>
+            <a:spLocks noGrp="1" noRot="1" noChangeAspect="1" noChangeArrowheads="1" noTextEdit="1"/>
           </p:cNvSpPr>
           <p:nvPr>
             <p:ph type="sldImg"/>
@@ -917,7 +918,7 @@
         <p:nvSpPr>
           <p:cNvPr id="48130" name="Rectangle 2"/>
           <p:cNvSpPr>
-            <a:spLocks noRot="1" noChangeArrowheads="1" noTextEdit="1"/>
+            <a:spLocks noGrp="1" noRot="1" noChangeAspect="1" noChangeArrowheads="1" noTextEdit="1"/>
           </p:cNvSpPr>
           <p:nvPr>
             <p:ph type="sldImg"/>
@@ -1127,7 +1128,7 @@
         <p:nvSpPr>
           <p:cNvPr id="49154" name="Rectangle 2"/>
           <p:cNvSpPr>
-            <a:spLocks noRot="1" noChangeArrowheads="1" noTextEdit="1"/>
+            <a:spLocks noGrp="1" noRot="1" noChangeAspect="1" noChangeArrowheads="1" noTextEdit="1"/>
           </p:cNvSpPr>
           <p:nvPr>
             <p:ph type="sldImg"/>
@@ -1337,7 +1338,7 @@
         <p:nvSpPr>
           <p:cNvPr id="50178" name="Rectangle 2"/>
           <p:cNvSpPr>
-            <a:spLocks noRot="1" noChangeArrowheads="1" noTextEdit="1"/>
+            <a:spLocks noGrp="1" noRot="1" noChangeAspect="1" noChangeArrowheads="1" noTextEdit="1"/>
           </p:cNvSpPr>
           <p:nvPr>
             <p:ph type="sldImg"/>
@@ -1610,7 +1611,7 @@
         <p:nvSpPr>
           <p:cNvPr id="51202" name="Rectangle 2"/>
           <p:cNvSpPr>
-            <a:spLocks noRot="1" noChangeArrowheads="1" noTextEdit="1"/>
+            <a:spLocks noGrp="1" noRot="1" noChangeAspect="1" noChangeArrowheads="1" noTextEdit="1"/>
           </p:cNvSpPr>
           <p:nvPr>
             <p:ph type="sldImg"/>
@@ -2195,7 +2196,7 @@
         <p:nvSpPr>
           <p:cNvPr id="52226" name="Rectangle 2"/>
           <p:cNvSpPr>
-            <a:spLocks noRot="1" noChangeArrowheads="1" noTextEdit="1"/>
+            <a:spLocks noGrp="1" noRot="1" noChangeAspect="1" noChangeArrowheads="1" noTextEdit="1"/>
           </p:cNvSpPr>
           <p:nvPr>
             <p:ph type="sldImg"/>
@@ -2780,7 +2781,7 @@
         <p:nvSpPr>
           <p:cNvPr id="53250" name="Rectangle 2"/>
           <p:cNvSpPr>
-            <a:spLocks noRot="1" noChangeArrowheads="1" noTextEdit="1"/>
+            <a:spLocks noGrp="1" noRot="1" noChangeAspect="1" noChangeArrowheads="1" noTextEdit="1"/>
           </p:cNvSpPr>
           <p:nvPr>
             <p:ph type="sldImg"/>
@@ -2862,7 +2863,7 @@
         <p:nvSpPr>
           <p:cNvPr id="54274" name="Rectangle 2"/>
           <p:cNvSpPr>
-            <a:spLocks noRot="1" noChangeArrowheads="1" noTextEdit="1"/>
+            <a:spLocks noGrp="1" noRot="1" noChangeAspect="1" noChangeArrowheads="1" noTextEdit="1"/>
           </p:cNvSpPr>
           <p:nvPr>
             <p:ph type="sldImg"/>
@@ -2949,7 +2950,7 @@
         <p:nvSpPr>
           <p:cNvPr id="55298" name="Rectangle 2"/>
           <p:cNvSpPr>
-            <a:spLocks noRot="1" noChangeArrowheads="1" noTextEdit="1"/>
+            <a:spLocks noGrp="1" noRot="1" noChangeAspect="1" noChangeArrowheads="1" noTextEdit="1"/>
           </p:cNvSpPr>
           <p:nvPr>
             <p:ph type="sldImg"/>
@@ -3031,7 +3032,7 @@
         <p:nvSpPr>
           <p:cNvPr id="56322" name="Rectangle 2"/>
           <p:cNvSpPr>
-            <a:spLocks noRot="1" noChangeArrowheads="1" noTextEdit="1"/>
+            <a:spLocks noGrp="1" noRot="1" noChangeAspect="1" noChangeArrowheads="1" noTextEdit="1"/>
           </p:cNvSpPr>
           <p:nvPr>
             <p:ph type="sldImg"/>
@@ -3113,7 +3114,7 @@
         <p:nvSpPr>
           <p:cNvPr id="57346" name="Rectangle 2"/>
           <p:cNvSpPr>
-            <a:spLocks noRot="1" noChangeArrowheads="1" noTextEdit="1"/>
+            <a:spLocks noGrp="1" noRot="1" noChangeAspect="1" noChangeArrowheads="1" noTextEdit="1"/>
           </p:cNvSpPr>
           <p:nvPr>
             <p:ph type="sldImg"/>
@@ -3195,7 +3196,7 @@
         <p:nvSpPr>
           <p:cNvPr id="39938" name="Rectangle 2"/>
           <p:cNvSpPr>
-            <a:spLocks noRot="1" noChangeArrowheads="1" noTextEdit="1"/>
+            <a:spLocks noGrp="1" noRot="1" noChangeAspect="1" noChangeArrowheads="1" noTextEdit="1"/>
           </p:cNvSpPr>
           <p:nvPr>
             <p:ph type="sldImg"/>
@@ -3424,7 +3425,7 @@
                 </a:solidFill>
               </a:rPr>
               <a:pPr eaLnBrk="1" hangingPunct="1"/>
-              <a:t>24</a:t>
+              <a:t>25</a:t>
             </a:fld>
             <a:endParaRPr lang="en-US" sz="1200" smtClean="0">
               <a:solidFill>
@@ -3438,7 +3439,7 @@
         <p:nvSpPr>
           <p:cNvPr id="58371" name="Rectangle 2"/>
           <p:cNvSpPr>
-            <a:spLocks noRot="1" noChangeArrowheads="1" noTextEdit="1"/>
+            <a:spLocks noGrp="1" noRot="1" noChangeAspect="1" noChangeArrowheads="1" noTextEdit="1"/>
           </p:cNvSpPr>
           <p:nvPr>
             <p:ph type="sldImg"/>
@@ -3568,7 +3569,7 @@
           <a:p>
             <a:fld id="{16B2E989-731B-46F0-8385-7261A905DCAB}" type="slidenum">
               <a:rPr lang="en-US" smtClean="0"/>
-              <a:t>25</a:t>
+              <a:t>26</a:t>
             </a:fld>
             <a:endParaRPr lang="en-US"/>
           </a:p>
@@ -3608,7 +3609,7 @@
         <p:nvSpPr>
           <p:cNvPr id="40962" name="Rectangle 2"/>
           <p:cNvSpPr>
-            <a:spLocks noRot="1" noChangeArrowheads="1" noTextEdit="1"/>
+            <a:spLocks noGrp="1" noRot="1" noChangeAspect="1" noChangeArrowheads="1" noTextEdit="1"/>
           </p:cNvSpPr>
           <p:nvPr>
             <p:ph type="sldImg"/>
@@ -3690,7 +3691,7 @@
         <p:nvSpPr>
           <p:cNvPr id="41986" name="Rectangle 2"/>
           <p:cNvSpPr>
-            <a:spLocks noRot="1" noChangeArrowheads="1" noTextEdit="1"/>
+            <a:spLocks noGrp="1" noRot="1" noChangeAspect="1" noChangeArrowheads="1" noTextEdit="1"/>
           </p:cNvSpPr>
           <p:nvPr>
             <p:ph type="sldImg"/>
@@ -3772,7 +3773,7 @@
         <p:nvSpPr>
           <p:cNvPr id="43010" name="Rectangle 2"/>
           <p:cNvSpPr>
-            <a:spLocks noRot="1" noChangeArrowheads="1" noTextEdit="1"/>
+            <a:spLocks noGrp="1" noRot="1" noChangeAspect="1" noChangeArrowheads="1" noTextEdit="1"/>
           </p:cNvSpPr>
           <p:nvPr>
             <p:ph type="sldImg"/>
@@ -3854,7 +3855,7 @@
         <p:nvSpPr>
           <p:cNvPr id="44034" name="Rectangle 2"/>
           <p:cNvSpPr>
-            <a:spLocks noRot="1" noChangeArrowheads="1" noTextEdit="1"/>
+            <a:spLocks noGrp="1" noRot="1" noChangeAspect="1" noChangeArrowheads="1" noTextEdit="1"/>
           </p:cNvSpPr>
           <p:nvPr>
             <p:ph type="sldImg"/>
@@ -3936,7 +3937,7 @@
         <p:nvSpPr>
           <p:cNvPr id="45058" name="Rectangle 2"/>
           <p:cNvSpPr>
-            <a:spLocks noRot="1" noChangeArrowheads="1" noTextEdit="1"/>
+            <a:spLocks noGrp="1" noRot="1" noChangeAspect="1" noChangeArrowheads="1" noTextEdit="1"/>
           </p:cNvSpPr>
           <p:nvPr>
             <p:ph type="sldImg"/>
@@ -4018,7 +4019,7 @@
         <p:nvSpPr>
           <p:cNvPr id="46082" name="Rectangle 2"/>
           <p:cNvSpPr>
-            <a:spLocks noRot="1" noChangeArrowheads="1" noTextEdit="1"/>
+            <a:spLocks noGrp="1" noRot="1" noChangeAspect="1" noChangeArrowheads="1" noTextEdit="1"/>
           </p:cNvSpPr>
           <p:nvPr>
             <p:ph type="sldImg"/>
@@ -4100,7 +4101,7 @@
         <p:nvSpPr>
           <p:cNvPr id="47106" name="Rectangle 2"/>
           <p:cNvSpPr>
-            <a:spLocks noRot="1" noChangeArrowheads="1" noTextEdit="1"/>
+            <a:spLocks noGrp="1" noRot="1" noChangeAspect="1" noChangeArrowheads="1" noTextEdit="1"/>
           </p:cNvSpPr>
           <p:nvPr>
             <p:ph type="sldImg"/>
@@ -7667,7 +7668,7 @@
       </p:grpSpPr>
       <p:sp>
         <p:nvSpPr>
-          <p:cNvPr id="22530" name="Rectangle 2"/>
+          <p:cNvPr id="21506" name="Rectangle 2"/>
           <p:cNvSpPr>
             <a:spLocks noGrp="1"/>
           </p:cNvSpPr>
@@ -7684,14 +7685,14 @@
               <a:rPr lang="en-US" smtClean="0">
                 <a:ea typeface="ＭＳ Ｐゴシック" pitchFamily="34" charset="-128"/>
               </a:rPr>
-              <a:t>PD Tool Distribution</a:t>
+              <a:t>Design Philosophy</a:t>
             </a:r>
           </a:p>
         </p:txBody>
       </p:sp>
       <p:sp>
         <p:nvSpPr>
-          <p:cNvPr id="22531" name="Rectangle 3"/>
+          <p:cNvPr id="21507" name="Rectangle 3"/>
           <p:cNvSpPr>
             <a:spLocks noGrp="1"/>
           </p:cNvSpPr>
@@ -7701,8 +7702,8 @@
         </p:nvSpPr>
         <p:spPr>
           <a:xfrm>
-            <a:off x="304800" y="1066800"/>
-            <a:ext cx="8763000" cy="5486400"/>
+            <a:off x="457200" y="1066800"/>
+            <a:ext cx="8534400" cy="5059363"/>
           </a:xfrm>
         </p:spPr>
         <p:txBody>
@@ -7710,156 +7711,60 @@
           <a:lstStyle/>
           <a:p>
             <a:r>
-              <a:rPr lang="en-US" sz="2800" smtClean="0">
-                <a:ea typeface="ＭＳ Ｐゴシック" pitchFamily="34" charset="-128"/>
-              </a:rPr>
-              <a:t>PD Tool combined packaging - </a:t>
-            </a:r>
-            <a:r>
-              <a:rPr lang="en-US" sz="2400" smtClean="0">
-                <a:ea typeface="ＭＳ Ｐゴシック" pitchFamily="34" charset="-128"/>
-              </a:rPr>
-              <a:t>Command-Line and Ant</a:t>
+              <a:rPr lang="en-US" smtClean="0">
+                <a:ea typeface="ＭＳ Ｐゴシック" pitchFamily="34" charset="-128"/>
+              </a:rPr>
+              <a:t>Modular Approach</a:t>
             </a:r>
           </a:p>
           <a:p>
             <a:pPr lvl="1"/>
             <a:r>
-              <a:rPr lang="en-US" sz="2000" smtClean="0">
-                <a:ea typeface="ＭＳ Ｐゴシック" pitchFamily="34" charset="-128"/>
-              </a:rPr>
-              <a:t>PDTool.zip</a:t>
+              <a:rPr lang="en-US" smtClean="0">
+                <a:ea typeface="ＭＳ Ｐゴシック" pitchFamily="34" charset="-128"/>
+              </a:rPr>
+              <a:t>A module is a functional grouping of actions</a:t>
             </a:r>
           </a:p>
           <a:p>
             <a:pPr lvl="2"/>
             <a:r>
-              <a:rPr lang="en-US" sz="1800" smtClean="0">
-                <a:ea typeface="ＭＳ Ｐゴシック" pitchFamily="34" charset="-128"/>
-              </a:rPr>
-              <a:t>/bin – Shell/Batch Scripts</a:t>
-            </a:r>
-          </a:p>
-          <a:p>
-            <a:pPr lvl="2"/>
-            <a:r>
-              <a:rPr lang="en-US" sz="1800" smtClean="0">
-                <a:ea typeface="ＭＳ Ｐゴシック" pitchFamily="34" charset="-128"/>
-              </a:rPr>
-              <a:t>/docs - Documentation</a:t>
-            </a:r>
-          </a:p>
-          <a:p>
-            <a:pPr lvl="2"/>
-            <a:r>
-              <a:rPr lang="en-US" sz="1800" smtClean="0">
-                <a:ea typeface="ＭＳ Ｐゴシック" pitchFamily="34" charset="-128"/>
-              </a:rPr>
-              <a:t>/dist – CISDeployTool.jar</a:t>
-            </a:r>
-          </a:p>
-          <a:p>
-            <a:pPr lvl="2"/>
-            <a:r>
-              <a:rPr lang="en-US" sz="1800" smtClean="0">
-                <a:ea typeface="ＭＳ Ｐゴシック" pitchFamily="34" charset="-128"/>
-              </a:rPr>
-              <a:t>/lib – Required Jar libraries</a:t>
-            </a:r>
-          </a:p>
-          <a:p>
-            <a:pPr lvl="2"/>
-            <a:r>
-              <a:rPr lang="en-US" sz="1800" smtClean="0">
-                <a:ea typeface="ＭＳ Ｐゴシック" pitchFamily="34" charset="-128"/>
-              </a:rPr>
-              <a:t>/ext/ant – Ant jars and executable files</a:t>
-            </a:r>
-          </a:p>
-          <a:p>
-            <a:pPr lvl="2"/>
-            <a:r>
-              <a:rPr lang="en-US" sz="1800" smtClean="0">
-                <a:ea typeface="ＭＳ Ｐゴシック" pitchFamily="34" charset="-128"/>
-              </a:rPr>
-              <a:t>/resources/ant – Ant orchestration build files</a:t>
-            </a:r>
-          </a:p>
-          <a:p>
-            <a:pPr lvl="2"/>
-            <a:r>
-              <a:rPr lang="en-US" sz="1800" smtClean="0">
-                <a:ea typeface="ＭＳ Ｐゴシック" pitchFamily="34" charset="-128"/>
-              </a:rPr>
-              <a:t>/resources/config – Configuration property files</a:t>
-            </a:r>
-          </a:p>
-          <a:p>
-            <a:pPr lvl="2"/>
-            <a:r>
-              <a:rPr lang="en-US" sz="1800" smtClean="0">
-                <a:ea typeface="ＭＳ Ｐゴシック" pitchFamily="34" charset="-128"/>
-              </a:rPr>
-              <a:t>/resources/plans – Command line orchestration deployment plan files</a:t>
-            </a:r>
-          </a:p>
-          <a:p>
-            <a:pPr lvl="2"/>
-            <a:r>
-              <a:rPr lang="en-US" sz="1800" smtClean="0">
-                <a:ea typeface="ＭＳ Ｐゴシック" pitchFamily="34" charset="-128"/>
-              </a:rPr>
-              <a:t>/resources/modules – Module configuration property files.  Example:</a:t>
-            </a:r>
-          </a:p>
-          <a:p>
-            <a:pPr lvl="3"/>
-            <a:r>
-              <a:rPr lang="en-US" sz="1600" smtClean="0">
-                <a:ea typeface="ＭＳ Ｐゴシック" pitchFamily="34" charset="-128"/>
-              </a:rPr>
-              <a:t>servers.xml</a:t>
-            </a:r>
-          </a:p>
-          <a:p>
-            <a:pPr lvl="3"/>
-            <a:r>
-              <a:rPr lang="en-US" sz="1600" smtClean="0">
-                <a:ea typeface="ＭＳ Ｐゴシック" pitchFamily="34" charset="-128"/>
-              </a:rPr>
-              <a:t>DataSourceModule.xml</a:t>
+              <a:rPr lang="en-US" smtClean="0">
+                <a:ea typeface="ＭＳ Ｐゴシック" pitchFamily="34" charset="-128"/>
+              </a:rPr>
+              <a:t>Generate, Create, Update, Delete</a:t>
             </a:r>
           </a:p>
           <a:p>
             <a:pPr lvl="1"/>
             <a:r>
-              <a:rPr lang="en-US" sz="2000" smtClean="0">
-                <a:ea typeface="ＭＳ Ｐゴシック" pitchFamily="34" charset="-128"/>
-              </a:rPr>
-              <a:t>Environment</a:t>
-            </a:r>
-          </a:p>
-          <a:p>
-            <a:pPr lvl="2"/>
-            <a:r>
-              <a:rPr lang="en-US" sz="1800" smtClean="0">
-                <a:ea typeface="ＭＳ Ｐゴシック" pitchFamily="34" charset="-128"/>
-              </a:rPr>
-              <a:t>Requires JRE 6 (1.6) – if running command line</a:t>
-            </a:r>
-          </a:p>
-          <a:p>
-            <a:pPr lvl="2"/>
-            <a:r>
-              <a:rPr lang="en-US" sz="1800" smtClean="0">
-                <a:ea typeface="ＭＳ Ｐゴシック" pitchFamily="34" charset="-128"/>
-              </a:rPr>
-              <a:t>Requires JDK 6 (1.6) – if running Ant</a:t>
-            </a:r>
-          </a:p>
-          <a:p>
-            <a:pPr lvl="2"/>
-            <a:endParaRPr lang="en-US" sz="1800" smtClean="0">
+              <a:rPr lang="en-US" smtClean="0">
+                <a:ea typeface="ＭＳ Ｐゴシック" pitchFamily="34" charset="-128"/>
+              </a:rPr>
+              <a:t>Invoked via command line, shell script or Java program and accepts input arguments.</a:t>
+            </a:r>
+          </a:p>
+          <a:p>
+            <a:pPr lvl="1"/>
+            <a:r>
+              <a:rPr lang="en-US" smtClean="0">
+                <a:ea typeface="ＭＳ Ｐゴシック" pitchFamily="34" charset="-128"/>
+              </a:rPr>
+              <a:t>Driven by XML-based configuration files containing an iteration of CIS resources.</a:t>
+            </a:r>
+          </a:p>
+          <a:p>
+            <a:pPr lvl="1"/>
+            <a:r>
+              <a:rPr lang="en-US" smtClean="0">
+                <a:ea typeface="ＭＳ Ｐゴシック" pitchFamily="34" charset="-128"/>
+              </a:rPr>
+              <a:t>Swap in module(s) of customer’s choice using Spring for Java Modules or SQL invocations for CIS SQL Script Procedures.</a:t>
+            </a:r>
+          </a:p>
+          <a:p>
+            <a:pPr lvl="1"/>
+            <a:endParaRPr lang="en-US" smtClean="0">
               <a:ea typeface="ＭＳ Ｐゴシック" pitchFamily="34" charset="-128"/>
             </a:endParaRPr>
           </a:p>
@@ -7868,7 +7773,7 @@
     </p:spTree>
     <p:extLst>
       <p:ext uri="{BB962C8B-B14F-4D97-AF65-F5344CB8AC3E}">
-        <p14:creationId xmlns:p14="http://schemas.microsoft.com/office/powerpoint/2010/main" val="1980046309"/>
+        <p14:creationId xmlns:p14="http://schemas.microsoft.com/office/powerpoint/2010/main" val="3595641998"/>
       </p:ext>
     </p:extLst>
   </p:cSld>
@@ -7904,7 +7809,7 @@
       </p:grpSpPr>
       <p:sp>
         <p:nvSpPr>
-          <p:cNvPr id="23554" name="Rectangle 2"/>
+          <p:cNvPr id="22530" name="Rectangle 2"/>
           <p:cNvSpPr>
             <a:spLocks noGrp="1"/>
           </p:cNvSpPr>
@@ -7912,12 +7817,7 @@
             <p:ph type="title" idx="4294967295"/>
           </p:nvPr>
         </p:nvSpPr>
-        <p:spPr>
-          <a:xfrm>
-            <a:off x="457200" y="76200"/>
-            <a:ext cx="8534400" cy="685800"/>
-          </a:xfrm>
-        </p:spPr>
+        <p:spPr/>
         <p:txBody>
           <a:bodyPr/>
           <a:lstStyle/>
@@ -7926,14 +7826,14 @@
               <a:rPr lang="en-US" smtClean="0">
                 <a:ea typeface="ＭＳ Ｐゴシック" pitchFamily="34" charset="-128"/>
               </a:rPr>
-              <a:t>PD Tool Command Line Execution</a:t>
+              <a:t>PD Tool Distribution</a:t>
             </a:r>
           </a:p>
         </p:txBody>
       </p:sp>
       <p:sp>
         <p:nvSpPr>
-          <p:cNvPr id="28675" name="Rectangle 3"/>
+          <p:cNvPr id="22531" name="Rectangle 3"/>
           <p:cNvSpPr>
             <a:spLocks noGrp="1"/>
           </p:cNvSpPr>
@@ -7943,255 +7843,174 @@
         </p:nvSpPr>
         <p:spPr>
           <a:xfrm>
-            <a:off x="228600" y="1066800"/>
-            <a:ext cx="8686800" cy="5562600"/>
+            <a:off x="304800" y="1066800"/>
+            <a:ext cx="8763000" cy="5486400"/>
           </a:xfrm>
         </p:spPr>
         <p:txBody>
           <a:bodyPr/>
           <a:lstStyle/>
           <a:p>
-            <a:pPr>
-              <a:lnSpc>
-                <a:spcPct val="80000"/>
-              </a:lnSpc>
-              <a:defRPr/>
-            </a:pPr>
-            <a:r>
-              <a:rPr lang="en-US" dirty="0" smtClean="0"/>
-              <a:t>Command Line Execution</a:t>
-            </a:r>
-          </a:p>
-          <a:p>
-            <a:pPr lvl="1">
-              <a:lnSpc>
-                <a:spcPct val="80000"/>
-              </a:lnSpc>
-              <a:defRPr/>
-            </a:pPr>
-            <a:r>
-              <a:rPr lang="en-US" dirty="0" smtClean="0"/>
-              <a:t>One shell/batch script for orchestration</a:t>
-            </a:r>
-          </a:p>
-          <a:p>
-            <a:pPr lvl="2">
-              <a:lnSpc>
-                <a:spcPct val="80000"/>
-              </a:lnSpc>
-              <a:defRPr/>
-            </a:pPr>
-            <a:r>
-              <a:rPr lang="en-US" dirty="0" smtClean="0"/>
-              <a:t>ExecutePDTool.bat  or .</a:t>
-            </a:r>
-            <a:r>
-              <a:rPr lang="en-US" dirty="0" err="1" smtClean="0"/>
-              <a:t>sh</a:t>
-            </a:r>
-            <a:endParaRPr lang="en-US" dirty="0" smtClean="0"/>
-          </a:p>
-          <a:p>
-            <a:pPr lvl="3">
-              <a:lnSpc>
-                <a:spcPct val="80000"/>
-              </a:lnSpc>
-              <a:defRPr/>
-            </a:pPr>
-            <a:r>
-              <a:rPr lang="en-US" sz="1800" dirty="0" smtClean="0"/>
-              <a:t>-exec ../resources/plans/</a:t>
-            </a:r>
-            <a:r>
-              <a:rPr lang="en-US" sz="1800" dirty="0" err="1" smtClean="0"/>
-              <a:t>PDTool.dp</a:t>
-            </a:r>
-            <a:endParaRPr lang="en-US" sz="1800" dirty="0" smtClean="0"/>
-          </a:p>
-          <a:p>
-            <a:pPr lvl="3">
-              <a:lnSpc>
-                <a:spcPct val="80000"/>
-              </a:lnSpc>
-              <a:defRPr/>
-            </a:pPr>
-            <a:endParaRPr lang="en-US" sz="1800" dirty="0"/>
-          </a:p>
-          <a:p>
-            <a:pPr marL="1371600" lvl="3" indent="0">
-              <a:lnSpc>
-                <a:spcPct val="80000"/>
-              </a:lnSpc>
-              <a:buFontTx/>
-              <a:buNone/>
-              <a:defRPr/>
-            </a:pPr>
-            <a:r>
-              <a:rPr lang="en-US" sz="1800" u="sng" dirty="0" smtClean="0"/>
-              <a:t>Other capabilities</a:t>
-            </a:r>
-            <a:r>
-              <a:rPr lang="en-US" sz="1800" dirty="0" smtClean="0"/>
-              <a:t>:</a:t>
-            </a:r>
-          </a:p>
-          <a:p>
-            <a:pPr lvl="3">
-              <a:lnSpc>
-                <a:spcPct val="80000"/>
-              </a:lnSpc>
-              <a:defRPr/>
-            </a:pPr>
-            <a:r>
-              <a:rPr lang="en-US" sz="1800" dirty="0" smtClean="0"/>
-              <a:t>-</a:t>
-            </a:r>
-            <a:r>
-              <a:rPr lang="en-US" sz="1800" dirty="0" err="1" smtClean="0"/>
-              <a:t>vcsinit</a:t>
-            </a:r>
-            <a:r>
-              <a:rPr lang="en-US" sz="1800" dirty="0" smtClean="0"/>
-              <a:t> </a:t>
-            </a:r>
-            <a:r>
-              <a:rPr lang="en-US" sz="1800" dirty="0"/>
-              <a:t>-</a:t>
-            </a:r>
-            <a:r>
-              <a:rPr lang="en-US" sz="1800" dirty="0" err="1" smtClean="0"/>
-              <a:t>vcsuser</a:t>
-            </a:r>
-            <a:r>
-              <a:rPr lang="en-US" sz="1800" dirty="0" smtClean="0"/>
-              <a:t> user -</a:t>
-            </a:r>
-            <a:r>
-              <a:rPr lang="en-US" sz="1800" dirty="0" err="1" smtClean="0"/>
-              <a:t>vcspassword</a:t>
-            </a:r>
-            <a:r>
-              <a:rPr lang="en-US" sz="1800" dirty="0" smtClean="0"/>
-              <a:t> password</a:t>
-            </a:r>
-          </a:p>
-          <a:p>
-            <a:pPr lvl="3">
-              <a:lnSpc>
-                <a:spcPct val="80000"/>
-              </a:lnSpc>
-              <a:defRPr/>
-            </a:pPr>
-            <a:r>
-              <a:rPr lang="en-US" sz="1800" dirty="0" smtClean="0"/>
-              <a:t>-encrypt ../resources/modules/servers.xml</a:t>
-            </a:r>
-          </a:p>
-          <a:p>
-            <a:pPr lvl="3">
-              <a:lnSpc>
-                <a:spcPct val="80000"/>
-              </a:lnSpc>
-              <a:defRPr/>
-            </a:pPr>
-            <a:endParaRPr lang="en-US" sz="1800" dirty="0" smtClean="0"/>
-          </a:p>
-          <a:p>
-            <a:pPr lvl="2">
-              <a:lnSpc>
-                <a:spcPct val="80000"/>
-              </a:lnSpc>
-              <a:defRPr/>
-            </a:pPr>
-            <a:r>
-              <a:rPr lang="en-US" dirty="0" smtClean="0"/>
-              <a:t>Driven by a property file containing task actions</a:t>
-            </a:r>
-          </a:p>
-          <a:p>
-            <a:pPr lvl="3">
-              <a:lnSpc>
-                <a:spcPct val="80000"/>
-              </a:lnSpc>
-              <a:defRPr/>
-            </a:pPr>
-            <a:r>
-              <a:rPr lang="en-US" dirty="0" err="1" smtClean="0"/>
-              <a:t>PDTool.dp</a:t>
-            </a:r>
-            <a:endParaRPr lang="en-US" dirty="0" smtClean="0"/>
-          </a:p>
-          <a:p>
-            <a:pPr lvl="3">
-              <a:lnSpc>
-                <a:spcPct val="80000"/>
-              </a:lnSpc>
-              <a:defRPr/>
-            </a:pPr>
-            <a:r>
-              <a:rPr lang="en-US" dirty="0" smtClean="0"/>
-              <a:t>List of task actions and arguments</a:t>
-            </a:r>
-          </a:p>
-          <a:p>
-            <a:pPr lvl="3">
-              <a:lnSpc>
-                <a:spcPct val="80000"/>
-              </a:lnSpc>
-              <a:defRPr/>
-            </a:pPr>
-            <a:endParaRPr lang="en-US" dirty="0" smtClean="0"/>
-          </a:p>
-          <a:p>
-            <a:pPr lvl="1">
-              <a:lnSpc>
-                <a:spcPct val="80000"/>
-              </a:lnSpc>
-              <a:defRPr/>
-            </a:pPr>
-            <a:r>
-              <a:rPr lang="en-US" dirty="0" smtClean="0"/>
-              <a:t>Shell/Batch script invokes main program</a:t>
-            </a:r>
-          </a:p>
-          <a:p>
-            <a:pPr lvl="2">
-              <a:lnSpc>
-                <a:spcPct val="80000"/>
-              </a:lnSpc>
-              <a:defRPr/>
-            </a:pPr>
-            <a:r>
-              <a:rPr lang="en-US" dirty="0" err="1" smtClean="0"/>
-              <a:t>PDTool</a:t>
-            </a:r>
-            <a:r>
-              <a:rPr lang="en-US" dirty="0" smtClean="0"/>
-              <a:t> – Orchestration implemented in Java</a:t>
-            </a:r>
-          </a:p>
-          <a:p>
-            <a:pPr lvl="2">
-              <a:lnSpc>
-                <a:spcPct val="80000"/>
-              </a:lnSpc>
-              <a:defRPr/>
-            </a:pPr>
-            <a:r>
-              <a:rPr lang="en-US" dirty="0" err="1" smtClean="0"/>
-              <a:t>DeployManagerUtil</a:t>
-            </a:r>
-            <a:r>
-              <a:rPr lang="en-US" dirty="0" smtClean="0"/>
-              <a:t> – Common interface for command line and Ant</a:t>
-            </a:r>
+            <a:r>
+              <a:rPr lang="en-US" sz="2800" smtClean="0">
+                <a:ea typeface="ＭＳ Ｐゴシック" pitchFamily="34" charset="-128"/>
+              </a:rPr>
+              <a:t>PD Tool combined packaging - </a:t>
+            </a:r>
+            <a:r>
+              <a:rPr lang="en-US" sz="2400" smtClean="0">
+                <a:ea typeface="ＭＳ Ｐゴシック" pitchFamily="34" charset="-128"/>
+              </a:rPr>
+              <a:t>Command-Line and Ant</a:t>
+            </a:r>
+          </a:p>
+          <a:p>
+            <a:pPr lvl="1"/>
+            <a:r>
+              <a:rPr lang="en-US" sz="2000" smtClean="0">
+                <a:ea typeface="ＭＳ Ｐゴシック" pitchFamily="34" charset="-128"/>
+              </a:rPr>
+              <a:t>PDTool.zip</a:t>
+            </a:r>
+          </a:p>
+          <a:p>
+            <a:pPr lvl="2"/>
+            <a:r>
+              <a:rPr lang="en-US" sz="1800" smtClean="0">
+                <a:ea typeface="ＭＳ Ｐゴシック" pitchFamily="34" charset="-128"/>
+              </a:rPr>
+              <a:t>/bin – Shell/Batch Scripts</a:t>
+            </a:r>
+          </a:p>
+          <a:p>
+            <a:pPr lvl="2"/>
+            <a:r>
+              <a:rPr lang="en-US" sz="1800" smtClean="0">
+                <a:ea typeface="ＭＳ Ｐゴシック" pitchFamily="34" charset="-128"/>
+              </a:rPr>
+              <a:t>/docs - Documentation</a:t>
+            </a:r>
+          </a:p>
+          <a:p>
+            <a:pPr lvl="2"/>
+            <a:r>
+              <a:rPr lang="en-US" sz="1800" smtClean="0">
+                <a:ea typeface="ＭＳ Ｐゴシック" pitchFamily="34" charset="-128"/>
+              </a:rPr>
+              <a:t>/dist – CISDeployTool.jar</a:t>
+            </a:r>
+          </a:p>
+          <a:p>
+            <a:pPr lvl="2"/>
+            <a:r>
+              <a:rPr lang="en-US" sz="1800" smtClean="0">
+                <a:ea typeface="ＭＳ Ｐゴシック" pitchFamily="34" charset="-128"/>
+              </a:rPr>
+              <a:t>/lib – Required Jar libraries</a:t>
+            </a:r>
+          </a:p>
+          <a:p>
+            <a:pPr lvl="2"/>
+            <a:r>
+              <a:rPr lang="en-US" sz="1800" smtClean="0">
+                <a:ea typeface="ＭＳ Ｐゴシック" pitchFamily="34" charset="-128"/>
+              </a:rPr>
+              <a:t>/ext/ant – Ant jars and executable files</a:t>
+            </a:r>
+          </a:p>
+          <a:p>
+            <a:pPr lvl="2"/>
+            <a:r>
+              <a:rPr lang="en-US" sz="1800" smtClean="0">
+                <a:ea typeface="ＭＳ Ｐゴシック" pitchFamily="34" charset="-128"/>
+              </a:rPr>
+              <a:t>/resources/ant – Ant orchestration build files</a:t>
+            </a:r>
+          </a:p>
+          <a:p>
+            <a:pPr lvl="2"/>
+            <a:r>
+              <a:rPr lang="en-US" sz="1800" smtClean="0">
+                <a:ea typeface="ＭＳ Ｐゴシック" pitchFamily="34" charset="-128"/>
+              </a:rPr>
+              <a:t>/resources/config – Configuration property files</a:t>
+            </a:r>
+          </a:p>
+          <a:p>
+            <a:pPr lvl="2"/>
+            <a:r>
+              <a:rPr lang="en-US" sz="1800" smtClean="0">
+                <a:ea typeface="ＭＳ Ｐゴシック" pitchFamily="34" charset="-128"/>
+              </a:rPr>
+              <a:t>/resources/plans – Command line orchestration deployment plan files</a:t>
+            </a:r>
+          </a:p>
+          <a:p>
+            <a:pPr lvl="2"/>
+            <a:r>
+              <a:rPr lang="en-US" sz="1800" smtClean="0">
+                <a:ea typeface="ＭＳ Ｐゴシック" pitchFamily="34" charset="-128"/>
+              </a:rPr>
+              <a:t>/resources/modules – Module configuration property files.  Example:</a:t>
+            </a:r>
+          </a:p>
+          <a:p>
+            <a:pPr lvl="3"/>
+            <a:r>
+              <a:rPr lang="en-US" sz="1600" smtClean="0">
+                <a:ea typeface="ＭＳ Ｐゴシック" pitchFamily="34" charset="-128"/>
+              </a:rPr>
+              <a:t>servers.xml</a:t>
+            </a:r>
+          </a:p>
+          <a:p>
+            <a:pPr lvl="3"/>
+            <a:r>
+              <a:rPr lang="en-US" sz="1600" smtClean="0">
+                <a:ea typeface="ＭＳ Ｐゴシック" pitchFamily="34" charset="-128"/>
+              </a:rPr>
+              <a:t>DataSourceModule.xml</a:t>
+            </a:r>
+          </a:p>
+          <a:p>
+            <a:pPr lvl="1"/>
+            <a:r>
+              <a:rPr lang="en-US" sz="2000" smtClean="0">
+                <a:ea typeface="ＭＳ Ｐゴシック" pitchFamily="34" charset="-128"/>
+              </a:rPr>
+              <a:t>Environment</a:t>
+            </a:r>
+          </a:p>
+          <a:p>
+            <a:pPr lvl="2"/>
+            <a:r>
+              <a:rPr lang="en-US" sz="1800" smtClean="0">
+                <a:ea typeface="ＭＳ Ｐゴシック" pitchFamily="34" charset="-128"/>
+              </a:rPr>
+              <a:t>Requires JRE 6 (1.6) – if running command line</a:t>
+            </a:r>
+          </a:p>
+          <a:p>
+            <a:pPr lvl="2"/>
+            <a:r>
+              <a:rPr lang="en-US" sz="1800" smtClean="0">
+                <a:ea typeface="ＭＳ Ｐゴシック" pitchFamily="34" charset="-128"/>
+              </a:rPr>
+              <a:t>Requires JDK 6 (1.6) – if running Ant</a:t>
+            </a:r>
+          </a:p>
+          <a:p>
+            <a:pPr lvl="2"/>
+            <a:endParaRPr lang="en-US" sz="1800" smtClean="0">
+              <a:ea typeface="ＭＳ Ｐゴシック" pitchFamily="34" charset="-128"/>
+            </a:endParaRPr>
           </a:p>
         </p:txBody>
       </p:sp>
     </p:spTree>
     <p:extLst>
       <p:ext uri="{BB962C8B-B14F-4D97-AF65-F5344CB8AC3E}">
-        <p14:creationId xmlns:p14="http://schemas.microsoft.com/office/powerpoint/2010/main" val="1906105786"/>
+        <p14:creationId xmlns:p14="http://schemas.microsoft.com/office/powerpoint/2010/main" val="1980046309"/>
       </p:ext>
     </p:extLst>
   </p:cSld>
@@ -8227,7 +8046,7 @@
       </p:grpSpPr>
       <p:sp>
         <p:nvSpPr>
-          <p:cNvPr id="24578" name="Rectangle 2"/>
+          <p:cNvPr id="23554" name="Rectangle 2"/>
           <p:cNvSpPr>
             <a:spLocks noGrp="1"/>
           </p:cNvSpPr>
@@ -8235,7 +8054,12 @@
             <p:ph type="title" idx="4294967295"/>
           </p:nvPr>
         </p:nvSpPr>
-        <p:spPr/>
+        <p:spPr>
+          <a:xfrm>
+            <a:off x="457200" y="76200"/>
+            <a:ext cx="8534400" cy="685800"/>
+          </a:xfrm>
+        </p:spPr>
         <p:txBody>
           <a:bodyPr/>
           <a:lstStyle/>
@@ -8244,14 +8068,14 @@
               <a:rPr lang="en-US" smtClean="0">
                 <a:ea typeface="ＭＳ Ｐゴシック" pitchFamily="34" charset="-128"/>
               </a:rPr>
-              <a:t>PD Tool Ant Execution</a:t>
+              <a:t>PD Tool Command Line Execution</a:t>
             </a:r>
           </a:p>
         </p:txBody>
       </p:sp>
       <p:sp>
         <p:nvSpPr>
-          <p:cNvPr id="29699" name="Rectangle 3"/>
+          <p:cNvPr id="28675" name="Rectangle 3"/>
           <p:cNvSpPr>
             <a:spLocks noGrp="1"/>
           </p:cNvSpPr>
@@ -8261,8 +8085,8 @@
         </p:nvSpPr>
         <p:spPr>
           <a:xfrm>
-            <a:off x="457200" y="914400"/>
-            <a:ext cx="8458200" cy="5257800"/>
+            <a:off x="228600" y="1066800"/>
+            <a:ext cx="8686800" cy="5562600"/>
           </a:xfrm>
         </p:spPr>
         <p:txBody>
@@ -8270,15 +8094,21 @@
           <a:lstStyle/>
           <a:p>
             <a:pPr>
+              <a:lnSpc>
+                <a:spcPct val="80000"/>
+              </a:lnSpc>
               <a:defRPr/>
             </a:pPr>
             <a:r>
               <a:rPr lang="en-US" dirty="0" smtClean="0"/>
-              <a:t>Ant Execution</a:t>
+              <a:t>Command Line Execution</a:t>
             </a:r>
           </a:p>
           <a:p>
             <a:pPr lvl="1">
+              <a:lnSpc>
+                <a:spcPct val="80000"/>
+              </a:lnSpc>
               <a:defRPr/>
             </a:pPr>
             <a:r>
@@ -8312,8 +8142,13 @@
             </a:pPr>
             <a:r>
               <a:rPr lang="en-US" sz="1800" dirty="0" smtClean="0"/>
-              <a:t>-ant ../resources/ant/build.xml</a:t>
-            </a:r>
+              <a:t>-exec ../resources/plans/</a:t>
+            </a:r>
+            <a:r>
+              <a:rPr lang="en-US" sz="1800" dirty="0" err="1" smtClean="0"/>
+              <a:t>PDTool.dp</a:t>
+            </a:r>
+            <a:endParaRPr lang="en-US" sz="1800" dirty="0" smtClean="0"/>
           </a:p>
           <a:p>
             <a:pPr lvl="3">
@@ -8337,7 +8172,10 @@
               <a:rPr lang="en-US" sz="1800" u="sng" dirty="0" smtClean="0"/>
               <a:t>Other capabilities</a:t>
             </a:r>
-            <a:endParaRPr lang="en-US" sz="1800" dirty="0" smtClean="0"/>
+            <a:r>
+              <a:rPr lang="en-US" sz="1800" dirty="0" smtClean="0"/>
+              <a:t>:</a:t>
+            </a:r>
           </a:p>
           <a:p>
             <a:pPr lvl="3">
@@ -8347,31 +8185,35 @@
               <a:defRPr/>
             </a:pPr>
             <a:r>
+              <a:rPr lang="en-US" sz="1800" dirty="0" smtClean="0"/>
+              <a:t>-</a:t>
+            </a:r>
+            <a:r>
+              <a:rPr lang="en-US" sz="1800" dirty="0" err="1" smtClean="0"/>
+              <a:t>vcsinit</a:t>
+            </a:r>
+            <a:r>
+              <a:rPr lang="en-US" sz="1800" dirty="0" smtClean="0"/>
+              <a:t> </a:t>
+            </a:r>
+            <a:r>
               <a:rPr lang="en-US" sz="1800" dirty="0"/>
               <a:t>-</a:t>
             </a:r>
             <a:r>
-              <a:rPr lang="en-US" sz="1800" dirty="0" err="1"/>
-              <a:t>vcsinit</a:t>
-            </a:r>
-            <a:r>
-              <a:rPr lang="en-US" sz="1800" dirty="0"/>
-              <a:t> -</a:t>
-            </a:r>
-            <a:r>
-              <a:rPr lang="en-US" sz="1800" dirty="0" err="1"/>
+              <a:rPr lang="en-US" sz="1800" dirty="0" err="1" smtClean="0"/>
               <a:t>vcsuser</a:t>
             </a:r>
             <a:r>
-              <a:rPr lang="en-US" sz="1800" dirty="0"/>
+              <a:rPr lang="en-US" sz="1800" dirty="0" smtClean="0"/>
               <a:t> user -</a:t>
             </a:r>
             <a:r>
-              <a:rPr lang="en-US" sz="1800" dirty="0" err="1"/>
+              <a:rPr lang="en-US" sz="1800" dirty="0" err="1" smtClean="0"/>
               <a:t>vcspassword</a:t>
             </a:r>
             <a:r>
-              <a:rPr lang="en-US" sz="1800" dirty="0"/>
+              <a:rPr lang="en-US" sz="1800" dirty="0" smtClean="0"/>
               <a:t> password</a:t>
             </a:r>
           </a:p>
@@ -8405,7 +8247,7 @@
             </a:pPr>
             <a:r>
               <a:rPr lang="en-US" dirty="0" smtClean="0"/>
-              <a:t>Driven by a build file containing task actions</a:t>
+              <a:t>Driven by a property file containing task actions</a:t>
             </a:r>
           </a:p>
           <a:p>
@@ -8416,9 +8258,10 @@
               <a:defRPr/>
             </a:pPr>
             <a:r>
-              <a:rPr lang="en-US" dirty="0" smtClean="0"/>
-              <a:t>Build.xml</a:t>
-            </a:r>
+              <a:rPr lang="en-US" dirty="0" err="1" smtClean="0"/>
+              <a:t>PDTool.dp</a:t>
+            </a:r>
+            <a:endParaRPr lang="en-US" dirty="0" smtClean="0"/>
           </a:p>
           <a:p>
             <a:pPr lvl="3">
@@ -8433,12 +8276,24 @@
             </a:r>
           </a:p>
           <a:p>
-            <a:pPr lvl="1">
+            <a:pPr lvl="3">
+              <a:lnSpc>
+                <a:spcPct val="80000"/>
+              </a:lnSpc>
               <a:defRPr/>
             </a:pPr>
+            <a:endParaRPr lang="en-US" dirty="0" smtClean="0"/>
+          </a:p>
+          <a:p>
+            <a:pPr lvl="1">
+              <a:lnSpc>
+                <a:spcPct val="80000"/>
+              </a:lnSpc>
+              <a:defRPr/>
+            </a:pPr>
             <a:r>
               <a:rPr lang="en-US" dirty="0" smtClean="0"/>
-              <a:t>Ant invokes a set of Ant targets. </a:t>
+              <a:t>Shell/Batch script invokes main program</a:t>
             </a:r>
           </a:p>
           <a:p>
@@ -8450,11 +8305,11 @@
             </a:pPr>
             <a:r>
               <a:rPr lang="en-US" dirty="0" err="1" smtClean="0"/>
-              <a:t>CompositeAntTask</a:t>
+              <a:t>PDTool</a:t>
             </a:r>
             <a:r>
               <a:rPr lang="en-US" dirty="0" smtClean="0"/>
-              <a:t>– Common invocation for Ant</a:t>
+              <a:t> – Orchestration implemented in Java</a:t>
             </a:r>
           </a:p>
           <a:p>
@@ -8478,7 +8333,7 @@
     </p:spTree>
     <p:extLst>
       <p:ext uri="{BB962C8B-B14F-4D97-AF65-F5344CB8AC3E}">
-        <p14:creationId xmlns:p14="http://schemas.microsoft.com/office/powerpoint/2010/main" val="1331076353"/>
+        <p14:creationId xmlns:p14="http://schemas.microsoft.com/office/powerpoint/2010/main" val="1906105786"/>
       </p:ext>
     </p:extLst>
   </p:cSld>
@@ -8514,7 +8369,7 @@
       </p:grpSpPr>
       <p:sp>
         <p:nvSpPr>
-          <p:cNvPr id="25602" name="Rectangle 2"/>
+          <p:cNvPr id="24578" name="Rectangle 2"/>
           <p:cNvSpPr>
             <a:spLocks noGrp="1"/>
           </p:cNvSpPr>
@@ -8531,14 +8386,14 @@
               <a:rPr lang="en-US" smtClean="0">
                 <a:ea typeface="ＭＳ Ｐゴシック" pitchFamily="34" charset="-128"/>
               </a:rPr>
-              <a:t>Functional Modules</a:t>
+              <a:t>PD Tool Ant Execution</a:t>
             </a:r>
           </a:p>
         </p:txBody>
       </p:sp>
       <p:sp>
         <p:nvSpPr>
-          <p:cNvPr id="25603" name="Rectangle 3"/>
+          <p:cNvPr id="29699" name="Rectangle 3"/>
           <p:cNvSpPr>
             <a:spLocks noGrp="1"/>
           </p:cNvSpPr>
@@ -8548,8 +8403,8 @@
         </p:nvSpPr>
         <p:spPr>
           <a:xfrm>
-            <a:off x="152400" y="1066800"/>
-            <a:ext cx="6324600" cy="5410200"/>
+            <a:off x="457200" y="914400"/>
+            <a:ext cx="8458200" cy="5257800"/>
           </a:xfrm>
         </p:spPr>
         <p:txBody>
@@ -8557,99 +8412,20 @@
           <a:lstStyle/>
           <a:p>
             <a:pPr>
-              <a:lnSpc>
-                <a:spcPct val="80000"/>
-              </a:lnSpc>
+              <a:defRPr/>
             </a:pPr>
             <a:r>
-              <a:rPr lang="en-US" sz="2400" smtClean="0">
-                <a:ea typeface="ＭＳ Ｐゴシック" pitchFamily="34" charset="-128"/>
-              </a:rPr>
-              <a:t>Phase 1 Modules					</a:t>
-            </a:r>
-            <a:r>
-              <a:rPr lang="en-US" sz="2400" u="sng" smtClean="0">
-                <a:ea typeface="ＭＳ Ｐゴシック" pitchFamily="34" charset="-128"/>
-              </a:rPr>
-              <a:t>Module Name</a:t>
+              <a:rPr lang="en-US" dirty="0" smtClean="0"/>
+              <a:t>Ant Execution</a:t>
             </a:r>
           </a:p>
           <a:p>
             <a:pPr lvl="1">
-              <a:lnSpc>
-                <a:spcPct val="80000"/>
-              </a:lnSpc>
+              <a:defRPr/>
             </a:pPr>
             <a:r>
-              <a:rPr lang="en-US" sz="2000" smtClean="0">
-                <a:ea typeface="ＭＳ Ｐゴシック" pitchFamily="34" charset="-128"/>
-              </a:rPr>
-              <a:t>Server Attribute Configuration 		</a:t>
-            </a:r>
-          </a:p>
-          <a:p>
-            <a:pPr lvl="1">
-              <a:lnSpc>
-                <a:spcPct val="80000"/>
-              </a:lnSpc>
-            </a:pPr>
-            <a:r>
-              <a:rPr lang="en-US" sz="2000" smtClean="0">
-                <a:ea typeface="ＭＳ Ｐゴシック" pitchFamily="34" charset="-128"/>
-              </a:rPr>
-              <a:t>Backup Server</a:t>
-            </a:r>
-          </a:p>
-          <a:p>
-            <a:pPr lvl="1">
-              <a:lnSpc>
-                <a:spcPct val="80000"/>
-              </a:lnSpc>
-            </a:pPr>
-            <a:r>
-              <a:rPr lang="en-US" sz="2000" smtClean="0">
-                <a:ea typeface="ＭＳ Ｐゴシック" pitchFamily="34" charset="-128"/>
-              </a:rPr>
-              <a:t>Import Car files</a:t>
-            </a:r>
-          </a:p>
-          <a:p>
-            <a:pPr lvl="1">
-              <a:lnSpc>
-                <a:spcPct val="80000"/>
-              </a:lnSpc>
-            </a:pPr>
-            <a:r>
-              <a:rPr lang="en-US" sz="2000" smtClean="0">
-                <a:ea typeface="ＭＳ Ｐゴシック" pitchFamily="34" charset="-128"/>
-              </a:rPr>
-              <a:t>Restart CIS</a:t>
-            </a:r>
-          </a:p>
-          <a:p>
-            <a:pPr lvl="1">
-              <a:lnSpc>
-                <a:spcPct val="80000"/>
-              </a:lnSpc>
-            </a:pPr>
-            <a:r>
-              <a:rPr lang="en-US" sz="2000" smtClean="0">
-                <a:ea typeface="ＭＳ Ｐゴシック" pitchFamily="34" charset="-128"/>
-              </a:rPr>
-              <a:t>Group Management </a:t>
-            </a:r>
-          </a:p>
-          <a:p>
-            <a:pPr lvl="1">
-              <a:lnSpc>
-                <a:spcPct val="80000"/>
-              </a:lnSpc>
-            </a:pPr>
-            <a:r>
-              <a:rPr lang="en-US" sz="2000" smtClean="0">
-                <a:ea typeface="ＭＳ Ｐゴシック" pitchFamily="34" charset="-128"/>
-              </a:rPr>
-              <a:t>User Management</a:t>
+              <a:rPr lang="en-US" dirty="0" smtClean="0"/>
+              <a:t>One shell/batch script for orchestration</a:t>
             </a:r>
           </a:p>
           <a:p>
@@ -8657,51 +8433,154 @@
               <a:lnSpc>
                 <a:spcPct val="80000"/>
               </a:lnSpc>
+              <a:defRPr/>
             </a:pPr>
             <a:r>
-              <a:rPr lang="en-US" sz="1800" smtClean="0">
-                <a:ea typeface="ＭＳ Ｐゴシック" pitchFamily="34" charset="-128"/>
-              </a:rPr>
-              <a:t>Create/Update, Delete, Resource Owner</a:t>
-            </a:r>
-          </a:p>
-          <a:p>
-            <a:pPr lvl="1">
+              <a:rPr lang="en-US" dirty="0" smtClean="0"/>
+              <a:t>ExecutePDTool.bat  or .</a:t>
+            </a:r>
+            <a:r>
+              <a:rPr lang="en-US" dirty="0" err="1" smtClean="0"/>
+              <a:t>sh</a:t>
+            </a:r>
+            <a:endParaRPr lang="en-US" dirty="0" smtClean="0"/>
+          </a:p>
+          <a:p>
+            <a:pPr lvl="3">
               <a:lnSpc>
                 <a:spcPct val="80000"/>
               </a:lnSpc>
+              <a:defRPr/>
             </a:pPr>
             <a:r>
-              <a:rPr lang="en-US" sz="2000" smtClean="0">
-                <a:ea typeface="ＭＳ Ｐゴシック" pitchFamily="34" charset="-128"/>
-              </a:rPr>
-              <a:t>Resource Privilege Management</a:t>
-            </a:r>
-          </a:p>
-          <a:p>
-            <a:pPr lvl="1">
+              <a:rPr lang="en-US" sz="1800" dirty="0" smtClean="0"/>
+              <a:t>-ant ../resources/ant/build.xml</a:t>
+            </a:r>
+          </a:p>
+          <a:p>
+            <a:pPr lvl="3">
               <a:lnSpc>
                 <a:spcPct val="80000"/>
               </a:lnSpc>
+              <a:defRPr/>
             </a:pPr>
-            <a:r>
-              <a:rPr lang="en-US" sz="2000" smtClean="0">
-                <a:ea typeface="ＭＳ Ｐゴシック" pitchFamily="34" charset="-128"/>
-              </a:rPr>
-              <a:t>Data Source Configuration</a:t>
-            </a:r>
+            <a:endParaRPr lang="en-US" sz="1800" dirty="0"/>
+          </a:p>
+          <a:p>
+            <a:pPr marL="1371600" lvl="3" indent="0">
+              <a:lnSpc>
+                <a:spcPct val="80000"/>
+              </a:lnSpc>
+              <a:buFontTx/>
+              <a:buNone/>
+              <a:defRPr/>
+            </a:pPr>
+            <a:r>
+              <a:rPr lang="en-US" sz="1800" u="sng" dirty="0" smtClean="0"/>
+              <a:t>Other capabilities</a:t>
+            </a:r>
+            <a:endParaRPr lang="en-US" sz="1800" dirty="0" smtClean="0"/>
+          </a:p>
+          <a:p>
+            <a:pPr lvl="3">
+              <a:lnSpc>
+                <a:spcPct val="80000"/>
+              </a:lnSpc>
+              <a:defRPr/>
+            </a:pPr>
+            <a:r>
+              <a:rPr lang="en-US" sz="1800" dirty="0"/>
+              <a:t>-</a:t>
+            </a:r>
+            <a:r>
+              <a:rPr lang="en-US" sz="1800" dirty="0" err="1"/>
+              <a:t>vcsinit</a:t>
+            </a:r>
+            <a:r>
+              <a:rPr lang="en-US" sz="1800" dirty="0"/>
+              <a:t> -</a:t>
+            </a:r>
+            <a:r>
+              <a:rPr lang="en-US" sz="1800" dirty="0" err="1"/>
+              <a:t>vcsuser</a:t>
+            </a:r>
+            <a:r>
+              <a:rPr lang="en-US" sz="1800" dirty="0"/>
+              <a:t> user -</a:t>
+            </a:r>
+            <a:r>
+              <a:rPr lang="en-US" sz="1800" dirty="0" err="1"/>
+              <a:t>vcspassword</a:t>
+            </a:r>
+            <a:r>
+              <a:rPr lang="en-US" sz="1800" dirty="0"/>
+              <a:t> password</a:t>
+            </a:r>
+          </a:p>
+          <a:p>
+            <a:pPr lvl="3">
+              <a:lnSpc>
+                <a:spcPct val="80000"/>
+              </a:lnSpc>
+              <a:defRPr/>
+            </a:pPr>
+            <a:r>
+              <a:rPr lang="en-US" sz="1800" dirty="0" smtClean="0"/>
+              <a:t>-encrypt ../resources/modules/servers.xml</a:t>
+            </a:r>
+          </a:p>
+          <a:p>
+            <a:pPr lvl="3">
+              <a:lnSpc>
+                <a:spcPct val="80000"/>
+              </a:lnSpc>
+              <a:defRPr/>
+            </a:pPr>
+            <a:endParaRPr lang="en-US" sz="1800" dirty="0" smtClean="0"/>
           </a:p>
           <a:p>
             <a:pPr lvl="2">
               <a:lnSpc>
                 <a:spcPct val="80000"/>
               </a:lnSpc>
+              <a:defRPr/>
             </a:pPr>
             <a:r>
-              <a:rPr lang="en-US" sz="1800" smtClean="0">
-                <a:ea typeface="ＭＳ Ｐゴシック" pitchFamily="34" charset="-128"/>
-              </a:rPr>
-              <a:t>Configure</a:t>
+              <a:rPr lang="en-US" dirty="0" smtClean="0"/>
+              <a:t>Driven by a build file containing task actions</a:t>
+            </a:r>
+          </a:p>
+          <a:p>
+            <a:pPr lvl="3">
+              <a:lnSpc>
+                <a:spcPct val="80000"/>
+              </a:lnSpc>
+              <a:defRPr/>
+            </a:pPr>
+            <a:r>
+              <a:rPr lang="en-US" dirty="0" smtClean="0"/>
+              <a:t>Build.xml</a:t>
+            </a:r>
+          </a:p>
+          <a:p>
+            <a:pPr lvl="3">
+              <a:lnSpc>
+                <a:spcPct val="80000"/>
+              </a:lnSpc>
+              <a:defRPr/>
+            </a:pPr>
+            <a:r>
+              <a:rPr lang="en-US" dirty="0" smtClean="0"/>
+              <a:t>List of task actions and arguments</a:t>
+            </a:r>
+          </a:p>
+          <a:p>
+            <a:pPr lvl="1">
+              <a:defRPr/>
+            </a:pPr>
+            <a:r>
+              <a:rPr lang="en-US" dirty="0" smtClean="0"/>
+              <a:t>Ant invokes a set of Ant targets. </a:t>
             </a:r>
           </a:p>
           <a:p>
@@ -8709,12 +8588,15 @@
               <a:lnSpc>
                 <a:spcPct val="80000"/>
               </a:lnSpc>
+              <a:defRPr/>
             </a:pPr>
             <a:r>
-              <a:rPr lang="en-US" sz="1800" smtClean="0">
-                <a:ea typeface="ＭＳ Ｐゴシック" pitchFamily="34" charset="-128"/>
-              </a:rPr>
-              <a:t>Enable</a:t>
+              <a:rPr lang="en-US" dirty="0" err="1" smtClean="0"/>
+              <a:t>CompositeAntTask</a:t>
+            </a:r>
+            <a:r>
+              <a:rPr lang="en-US" dirty="0" smtClean="0"/>
+              <a:t>– Common invocation for Ant</a:t>
             </a:r>
           </a:p>
           <a:p>
@@ -8722,485 +8604,15 @@
               <a:lnSpc>
                 <a:spcPct val="80000"/>
               </a:lnSpc>
+              <a:defRPr/>
             </a:pPr>
             <a:r>
-              <a:rPr lang="en-US" sz="1800" smtClean="0">
-                <a:ea typeface="ＭＳ Ｐゴシック" pitchFamily="34" charset="-128"/>
-              </a:rPr>
-              <a:t>Re-introspect</a:t>
-            </a:r>
-          </a:p>
-          <a:p>
-            <a:pPr lvl="2">
-              <a:lnSpc>
-                <a:spcPct val="80000"/>
-              </a:lnSpc>
-            </a:pPr>
-            <a:r>
-              <a:rPr lang="en-US" sz="1800" smtClean="0">
-                <a:ea typeface="ＭＳ Ｐゴシック" pitchFamily="34" charset="-128"/>
-              </a:rPr>
-              <a:t>General attribute configuration interface</a:t>
-            </a:r>
-          </a:p>
-          <a:p>
-            <a:pPr lvl="1">
-              <a:lnSpc>
-                <a:spcPct val="80000"/>
-              </a:lnSpc>
-            </a:pPr>
-            <a:r>
-              <a:rPr lang="en-US" sz="2000" smtClean="0">
-                <a:ea typeface="ＭＳ Ｐゴシック" pitchFamily="34" charset="-128"/>
-              </a:rPr>
-              <a:t>Rebind Procedures and Views to new data source</a:t>
-            </a:r>
-          </a:p>
-          <a:p>
-            <a:pPr lvl="1">
-              <a:lnSpc>
-                <a:spcPct val="80000"/>
-              </a:lnSpc>
-            </a:pPr>
-            <a:r>
-              <a:rPr lang="en-US" sz="2000" smtClean="0">
-                <a:ea typeface="ＭＳ Ｐゴシック" pitchFamily="34" charset="-128"/>
-              </a:rPr>
-              <a:t>Resource Management</a:t>
-            </a:r>
-          </a:p>
-          <a:p>
-            <a:pPr lvl="2">
-              <a:lnSpc>
-                <a:spcPct val="80000"/>
-              </a:lnSpc>
-            </a:pPr>
-            <a:r>
-              <a:rPr lang="en-US" sz="1800" smtClean="0">
-                <a:ea typeface="ＭＳ Ｐゴシック" pitchFamily="34" charset="-128"/>
-              </a:rPr>
-              <a:t>Remove Resources, Validate existence</a:t>
-            </a:r>
-          </a:p>
-        </p:txBody>
-      </p:sp>
-      <p:sp>
-        <p:nvSpPr>
-          <p:cNvPr id="25604" name="Rectangle 4"/>
-          <p:cNvSpPr>
-            <a:spLocks/>
-          </p:cNvSpPr>
-          <p:nvPr/>
-        </p:nvSpPr>
-        <p:spPr bwMode="auto">
-          <a:xfrm>
-            <a:off x="6248400" y="1436688"/>
-            <a:ext cx="2819400" cy="5181600"/>
-          </a:xfrm>
-          <a:prstGeom prst="rect">
-            <a:avLst/>
-          </a:prstGeom>
-          <a:noFill/>
-          <a:ln>
-            <a:noFill/>
-          </a:ln>
-          <a:extLst>
-            <a:ext uri="{909E8E84-426E-40DD-AFC4-6F175D3DCCD1}">
-              <a14:hiddenFill xmlns:a14="http://schemas.microsoft.com/office/drawing/2010/main">
-                <a:solidFill>
-                  <a:srgbClr val="FFFFFF"/>
-                </a:solidFill>
-              </a14:hiddenFill>
-            </a:ext>
-            <a:ext uri="{91240B29-F687-4F45-9708-019B960494DF}">
-              <a14:hiddenLine xmlns:a14="http://schemas.microsoft.com/office/drawing/2010/main" w="9525">
-                <a:solidFill>
-                  <a:srgbClr val="000000"/>
-                </a:solidFill>
-                <a:miter lim="800000"/>
-                <a:headEnd/>
-                <a:tailEnd/>
-              </a14:hiddenLine>
-            </a:ext>
-          </a:extLst>
-        </p:spPr>
-        <p:txBody>
-          <a:bodyPr/>
-          <a:lstStyle/>
-          <a:p>
-            <a:pPr marL="342900" indent="-342900" eaLnBrk="0" hangingPunct="0">
-              <a:lnSpc>
-                <a:spcPct val="80000"/>
-              </a:lnSpc>
-              <a:spcBef>
-                <a:spcPct val="20000"/>
-              </a:spcBef>
-              <a:buClr>
-                <a:srgbClr val="C82228"/>
-              </a:buClr>
-              <a:buFont typeface="Wingdings" pitchFamily="2" charset="2"/>
-              <a:buNone/>
-            </a:pPr>
-            <a:r>
-              <a:rPr lang="en-US" sz="2000">
-                <a:solidFill>
-                  <a:schemeClr val="tx1"/>
-                </a:solidFill>
-              </a:rPr>
-              <a:t>ServerAttrModule</a:t>
-            </a:r>
-          </a:p>
-          <a:p>
-            <a:pPr marL="342900" indent="-342900" eaLnBrk="0" hangingPunct="0">
-              <a:lnSpc>
-                <a:spcPct val="80000"/>
-              </a:lnSpc>
-              <a:spcBef>
-                <a:spcPct val="20000"/>
-              </a:spcBef>
-              <a:buClr>
-                <a:srgbClr val="C82228"/>
-              </a:buClr>
-              <a:buFont typeface="Wingdings" pitchFamily="2" charset="2"/>
-              <a:buNone/>
-            </a:pPr>
-            <a:r>
-              <a:rPr lang="en-US" sz="2000">
-                <a:solidFill>
-                  <a:schemeClr val="tx1"/>
-                </a:solidFill>
-              </a:rPr>
-              <a:t>ArchiveModule</a:t>
-            </a:r>
-          </a:p>
-          <a:p>
-            <a:pPr marL="342900" indent="-342900" eaLnBrk="0" hangingPunct="0">
-              <a:lnSpc>
-                <a:spcPct val="80000"/>
-              </a:lnSpc>
-              <a:spcBef>
-                <a:spcPct val="20000"/>
-              </a:spcBef>
-              <a:buClr>
-                <a:srgbClr val="C82228"/>
-              </a:buClr>
-              <a:buFont typeface="Wingdings" pitchFamily="2" charset="2"/>
-              <a:buNone/>
-            </a:pPr>
-            <a:r>
-              <a:rPr lang="en-US" sz="2000">
-                <a:solidFill>
-                  <a:schemeClr val="tx1"/>
-                </a:solidFill>
-              </a:rPr>
-              <a:t>ArchiveModule</a:t>
-            </a:r>
-          </a:p>
-          <a:p>
-            <a:pPr marL="342900" indent="-342900" eaLnBrk="0" hangingPunct="0">
-              <a:lnSpc>
-                <a:spcPct val="80000"/>
-              </a:lnSpc>
-              <a:spcBef>
-                <a:spcPct val="20000"/>
-              </a:spcBef>
-              <a:buClr>
-                <a:srgbClr val="C82228"/>
-              </a:buClr>
-              <a:buFont typeface="Wingdings" pitchFamily="2" charset="2"/>
-              <a:buNone/>
-            </a:pPr>
-            <a:r>
-              <a:rPr lang="en-US" sz="2000">
-                <a:solidFill>
-                  <a:schemeClr val="tx1"/>
-                </a:solidFill>
-              </a:rPr>
-              <a:t>ServerManagerModule</a:t>
-            </a:r>
-          </a:p>
-          <a:p>
-            <a:pPr marL="342900" indent="-342900" eaLnBrk="0" hangingPunct="0">
-              <a:lnSpc>
-                <a:spcPct val="80000"/>
-              </a:lnSpc>
-              <a:spcBef>
-                <a:spcPct val="20000"/>
-              </a:spcBef>
-              <a:buClr>
-                <a:srgbClr val="C82228"/>
-              </a:buClr>
-              <a:buFont typeface="Wingdings" pitchFamily="2" charset="2"/>
-              <a:buNone/>
-            </a:pPr>
-            <a:r>
-              <a:rPr lang="en-US" sz="2000">
-                <a:solidFill>
-                  <a:schemeClr val="tx1"/>
-                </a:solidFill>
-              </a:rPr>
-              <a:t>GroupModule</a:t>
-            </a:r>
-          </a:p>
-          <a:p>
-            <a:pPr marL="342900" indent="-342900" eaLnBrk="0" hangingPunct="0">
-              <a:lnSpc>
-                <a:spcPct val="80000"/>
-              </a:lnSpc>
-              <a:spcBef>
-                <a:spcPct val="20000"/>
-              </a:spcBef>
-              <a:buClr>
-                <a:srgbClr val="C82228"/>
-              </a:buClr>
-              <a:buFont typeface="Wingdings" pitchFamily="2" charset="2"/>
-              <a:buNone/>
-            </a:pPr>
-            <a:r>
-              <a:rPr lang="en-US" sz="2000">
-                <a:solidFill>
-                  <a:schemeClr val="tx1"/>
-                </a:solidFill>
-              </a:rPr>
-              <a:t>UserModule</a:t>
-            </a:r>
-          </a:p>
-          <a:p>
-            <a:pPr marL="342900" indent="-342900" eaLnBrk="0" hangingPunct="0">
-              <a:lnSpc>
-                <a:spcPct val="80000"/>
-              </a:lnSpc>
-              <a:spcBef>
-                <a:spcPct val="20000"/>
-              </a:spcBef>
-              <a:buClr>
-                <a:srgbClr val="C82228"/>
-              </a:buClr>
-              <a:buFont typeface="Wingdings" pitchFamily="2" charset="2"/>
-              <a:buNone/>
-            </a:pPr>
-            <a:r>
-              <a:rPr lang="en-US" sz="1800">
-                <a:solidFill>
-                  <a:schemeClr val="tx1"/>
-                </a:solidFill>
-              </a:rPr>
-              <a:t> </a:t>
-            </a:r>
-          </a:p>
-          <a:p>
-            <a:pPr marL="342900" indent="-342900" eaLnBrk="0" hangingPunct="0">
-              <a:lnSpc>
-                <a:spcPct val="80000"/>
-              </a:lnSpc>
-              <a:spcBef>
-                <a:spcPct val="20000"/>
-              </a:spcBef>
-              <a:buClr>
-                <a:srgbClr val="C82228"/>
-              </a:buClr>
-              <a:buFont typeface="Wingdings" pitchFamily="2" charset="2"/>
-              <a:buNone/>
-            </a:pPr>
-            <a:r>
-              <a:rPr lang="en-US" sz="2000">
-                <a:solidFill>
-                  <a:schemeClr val="tx1"/>
-                </a:solidFill>
-              </a:rPr>
-              <a:t>PrivilegeModule</a:t>
-            </a:r>
-          </a:p>
-          <a:p>
-            <a:pPr marL="342900" indent="-342900" eaLnBrk="0" hangingPunct="0">
-              <a:lnSpc>
-                <a:spcPct val="80000"/>
-              </a:lnSpc>
-              <a:spcBef>
-                <a:spcPct val="20000"/>
-              </a:spcBef>
-              <a:buClr>
-                <a:srgbClr val="C82228"/>
-              </a:buClr>
-              <a:buFont typeface="Wingdings" pitchFamily="2" charset="2"/>
-              <a:buNone/>
-            </a:pPr>
-            <a:r>
-              <a:rPr lang="en-US" sz="2000">
-                <a:solidFill>
-                  <a:schemeClr val="tx1"/>
-                </a:solidFill>
-              </a:rPr>
-              <a:t>DataSourceModule</a:t>
-            </a:r>
-          </a:p>
-          <a:p>
-            <a:pPr marL="342900" indent="-342900" eaLnBrk="0" hangingPunct="0">
-              <a:lnSpc>
-                <a:spcPct val="80000"/>
-              </a:lnSpc>
-              <a:spcBef>
-                <a:spcPct val="20000"/>
-              </a:spcBef>
-              <a:buClr>
-                <a:srgbClr val="C82228"/>
-              </a:buClr>
-              <a:buFont typeface="Wingdings" pitchFamily="2" charset="2"/>
-              <a:buNone/>
-            </a:pPr>
-            <a:endParaRPr lang="en-US" sz="1800">
-              <a:solidFill>
-                <a:schemeClr val="tx1"/>
-              </a:solidFill>
-            </a:endParaRPr>
-          </a:p>
-          <a:p>
-            <a:pPr marL="342900" indent="-342900" eaLnBrk="0" hangingPunct="0">
-              <a:lnSpc>
-                <a:spcPct val="80000"/>
-              </a:lnSpc>
-              <a:spcBef>
-                <a:spcPct val="20000"/>
-              </a:spcBef>
-              <a:buClr>
-                <a:srgbClr val="C82228"/>
-              </a:buClr>
-              <a:buFont typeface="Wingdings" pitchFamily="2" charset="2"/>
-              <a:buNone/>
-            </a:pPr>
-            <a:endParaRPr lang="en-US" sz="1800">
-              <a:solidFill>
-                <a:schemeClr val="tx1"/>
-              </a:solidFill>
-            </a:endParaRPr>
-          </a:p>
-          <a:p>
-            <a:pPr marL="342900" indent="-342900" eaLnBrk="0" hangingPunct="0">
-              <a:lnSpc>
-                <a:spcPct val="80000"/>
-              </a:lnSpc>
-              <a:spcBef>
-                <a:spcPct val="20000"/>
-              </a:spcBef>
-              <a:buClr>
-                <a:srgbClr val="C82228"/>
-              </a:buClr>
-              <a:buFont typeface="Wingdings" pitchFamily="2" charset="2"/>
-              <a:buNone/>
-            </a:pPr>
-            <a:endParaRPr lang="en-US" sz="1800">
-              <a:solidFill>
-                <a:schemeClr val="tx1"/>
-              </a:solidFill>
-            </a:endParaRPr>
-          </a:p>
-          <a:p>
-            <a:pPr marL="342900" indent="-342900" eaLnBrk="0" hangingPunct="0">
-              <a:lnSpc>
-                <a:spcPct val="80000"/>
-              </a:lnSpc>
-              <a:spcBef>
-                <a:spcPct val="20000"/>
-              </a:spcBef>
-              <a:buClr>
-                <a:srgbClr val="C82228"/>
-              </a:buClr>
-              <a:buFont typeface="Wingdings" pitchFamily="2" charset="2"/>
-              <a:buNone/>
-            </a:pPr>
-            <a:endParaRPr lang="en-US" sz="1800">
-              <a:solidFill>
-                <a:schemeClr val="tx1"/>
-              </a:solidFill>
-            </a:endParaRPr>
-          </a:p>
-          <a:p>
-            <a:pPr marL="342900" indent="-342900" eaLnBrk="0" hangingPunct="0">
-              <a:lnSpc>
-                <a:spcPct val="80000"/>
-              </a:lnSpc>
-              <a:spcBef>
-                <a:spcPct val="20000"/>
-              </a:spcBef>
-              <a:buClr>
-                <a:srgbClr val="C82228"/>
-              </a:buClr>
-              <a:buFont typeface="Wingdings" pitchFamily="2" charset="2"/>
-              <a:buNone/>
-            </a:pPr>
-            <a:r>
-              <a:rPr lang="en-US" sz="2000">
-                <a:solidFill>
-                  <a:schemeClr val="tx1"/>
-                </a:solidFill>
-              </a:rPr>
-              <a:t>RebindModule</a:t>
-            </a:r>
-          </a:p>
-          <a:p>
-            <a:pPr marL="342900" indent="-342900" eaLnBrk="0" hangingPunct="0">
-              <a:lnSpc>
-                <a:spcPct val="80000"/>
-              </a:lnSpc>
-              <a:spcBef>
-                <a:spcPct val="20000"/>
-              </a:spcBef>
-              <a:buClr>
-                <a:srgbClr val="C82228"/>
-              </a:buClr>
-              <a:buFont typeface="Wingdings" pitchFamily="2" charset="2"/>
-              <a:buNone/>
-            </a:pPr>
-            <a:r>
-              <a:rPr lang="en-US" sz="2000">
-                <a:solidFill>
-                  <a:schemeClr val="tx1"/>
-                </a:solidFill>
-              </a:rPr>
-              <a:t>ResourceModule</a:t>
-            </a:r>
-          </a:p>
-          <a:p>
-            <a:pPr marL="342900" indent="-342900" eaLnBrk="0" hangingPunct="0">
-              <a:lnSpc>
-                <a:spcPct val="80000"/>
-              </a:lnSpc>
-              <a:spcBef>
-                <a:spcPct val="20000"/>
-              </a:spcBef>
-              <a:buClr>
-                <a:srgbClr val="C82228"/>
-              </a:buClr>
-              <a:buFont typeface="Wingdings" pitchFamily="2" charset="2"/>
-              <a:buNone/>
-            </a:pPr>
-            <a:endParaRPr lang="en-US" sz="1800">
-              <a:solidFill>
-                <a:schemeClr val="tx1"/>
-              </a:solidFill>
-            </a:endParaRPr>
-          </a:p>
-          <a:p>
-            <a:pPr marL="342900" indent="-342900" eaLnBrk="0" hangingPunct="0">
-              <a:lnSpc>
-                <a:spcPct val="80000"/>
-              </a:lnSpc>
-              <a:spcBef>
-                <a:spcPct val="20000"/>
-              </a:spcBef>
-              <a:buClr>
-                <a:srgbClr val="C82228"/>
-              </a:buClr>
-              <a:buFont typeface="Wingdings" pitchFamily="2" charset="2"/>
-              <a:buNone/>
-            </a:pPr>
-            <a:r>
-              <a:rPr lang="en-US" sz="2000">
-                <a:solidFill>
-                  <a:schemeClr val="tx1"/>
-                </a:solidFill>
-              </a:rPr>
-              <a:t>	</a:t>
+              <a:rPr lang="en-US" dirty="0" err="1" smtClean="0"/>
+              <a:t>DeployManagerUtil</a:t>
+            </a:r>
+            <a:r>
+              <a:rPr lang="en-US" dirty="0" smtClean="0"/>
+              <a:t> – Common interface for command line and Ant</a:t>
             </a:r>
           </a:p>
         </p:txBody>
@@ -9208,7 +8620,7 @@
     </p:spTree>
     <p:extLst>
       <p:ext uri="{BB962C8B-B14F-4D97-AF65-F5344CB8AC3E}">
-        <p14:creationId xmlns:p14="http://schemas.microsoft.com/office/powerpoint/2010/main" val="4233372334"/>
+        <p14:creationId xmlns:p14="http://schemas.microsoft.com/office/powerpoint/2010/main" val="1331076353"/>
       </p:ext>
     </p:extLst>
   </p:cSld>
@@ -9244,6 +8656,736 @@
       </p:grpSpPr>
       <p:sp>
         <p:nvSpPr>
+          <p:cNvPr id="25602" name="Rectangle 2"/>
+          <p:cNvSpPr>
+            <a:spLocks noGrp="1"/>
+          </p:cNvSpPr>
+          <p:nvPr>
+            <p:ph type="title" idx="4294967295"/>
+          </p:nvPr>
+        </p:nvSpPr>
+        <p:spPr/>
+        <p:txBody>
+          <a:bodyPr/>
+          <a:lstStyle/>
+          <a:p>
+            <a:r>
+              <a:rPr lang="en-US" smtClean="0">
+                <a:ea typeface="ＭＳ Ｐゴシック" pitchFamily="34" charset="-128"/>
+              </a:rPr>
+              <a:t>Functional Modules</a:t>
+            </a:r>
+          </a:p>
+        </p:txBody>
+      </p:sp>
+      <p:sp>
+        <p:nvSpPr>
+          <p:cNvPr id="25603" name="Rectangle 3"/>
+          <p:cNvSpPr>
+            <a:spLocks noGrp="1"/>
+          </p:cNvSpPr>
+          <p:nvPr>
+            <p:ph type="body" idx="4294967295"/>
+          </p:nvPr>
+        </p:nvSpPr>
+        <p:spPr>
+          <a:xfrm>
+            <a:off x="152400" y="1066800"/>
+            <a:ext cx="6324600" cy="5410200"/>
+          </a:xfrm>
+        </p:spPr>
+        <p:txBody>
+          <a:bodyPr/>
+          <a:lstStyle/>
+          <a:p>
+            <a:pPr>
+              <a:lnSpc>
+                <a:spcPct val="80000"/>
+              </a:lnSpc>
+            </a:pPr>
+            <a:r>
+              <a:rPr lang="en-US" sz="2400" smtClean="0">
+                <a:ea typeface="ＭＳ Ｐゴシック" pitchFamily="34" charset="-128"/>
+              </a:rPr>
+              <a:t>Phase 1 Modules					</a:t>
+            </a:r>
+            <a:r>
+              <a:rPr lang="en-US" sz="2400" u="sng" smtClean="0">
+                <a:ea typeface="ＭＳ Ｐゴシック" pitchFamily="34" charset="-128"/>
+              </a:rPr>
+              <a:t>Module Name</a:t>
+            </a:r>
+          </a:p>
+          <a:p>
+            <a:pPr lvl="1">
+              <a:lnSpc>
+                <a:spcPct val="80000"/>
+              </a:lnSpc>
+            </a:pPr>
+            <a:r>
+              <a:rPr lang="en-US" sz="2000" smtClean="0">
+                <a:ea typeface="ＭＳ Ｐゴシック" pitchFamily="34" charset="-128"/>
+              </a:rPr>
+              <a:t>Server Attribute Configuration 		</a:t>
+            </a:r>
+          </a:p>
+          <a:p>
+            <a:pPr lvl="1">
+              <a:lnSpc>
+                <a:spcPct val="80000"/>
+              </a:lnSpc>
+            </a:pPr>
+            <a:r>
+              <a:rPr lang="en-US" sz="2000" smtClean="0">
+                <a:ea typeface="ＭＳ Ｐゴシック" pitchFamily="34" charset="-128"/>
+              </a:rPr>
+              <a:t>Backup Server</a:t>
+            </a:r>
+          </a:p>
+          <a:p>
+            <a:pPr lvl="1">
+              <a:lnSpc>
+                <a:spcPct val="80000"/>
+              </a:lnSpc>
+            </a:pPr>
+            <a:r>
+              <a:rPr lang="en-US" sz="2000" smtClean="0">
+                <a:ea typeface="ＭＳ Ｐゴシック" pitchFamily="34" charset="-128"/>
+              </a:rPr>
+              <a:t>Import Car files</a:t>
+            </a:r>
+          </a:p>
+          <a:p>
+            <a:pPr lvl="1">
+              <a:lnSpc>
+                <a:spcPct val="80000"/>
+              </a:lnSpc>
+            </a:pPr>
+            <a:r>
+              <a:rPr lang="en-US" sz="2000" smtClean="0">
+                <a:ea typeface="ＭＳ Ｐゴシック" pitchFamily="34" charset="-128"/>
+              </a:rPr>
+              <a:t>Restart CIS</a:t>
+            </a:r>
+          </a:p>
+          <a:p>
+            <a:pPr lvl="1">
+              <a:lnSpc>
+                <a:spcPct val="80000"/>
+              </a:lnSpc>
+            </a:pPr>
+            <a:r>
+              <a:rPr lang="en-US" sz="2000" smtClean="0">
+                <a:ea typeface="ＭＳ Ｐゴシック" pitchFamily="34" charset="-128"/>
+              </a:rPr>
+              <a:t>Group Management </a:t>
+            </a:r>
+          </a:p>
+          <a:p>
+            <a:pPr lvl="1">
+              <a:lnSpc>
+                <a:spcPct val="80000"/>
+              </a:lnSpc>
+            </a:pPr>
+            <a:r>
+              <a:rPr lang="en-US" sz="2000" smtClean="0">
+                <a:ea typeface="ＭＳ Ｐゴシック" pitchFamily="34" charset="-128"/>
+              </a:rPr>
+              <a:t>User Management</a:t>
+            </a:r>
+          </a:p>
+          <a:p>
+            <a:pPr lvl="2">
+              <a:lnSpc>
+                <a:spcPct val="80000"/>
+              </a:lnSpc>
+            </a:pPr>
+            <a:r>
+              <a:rPr lang="en-US" sz="1800" smtClean="0">
+                <a:ea typeface="ＭＳ Ｐゴシック" pitchFamily="34" charset="-128"/>
+              </a:rPr>
+              <a:t>Create/Update, Delete, Resource Owner</a:t>
+            </a:r>
+          </a:p>
+          <a:p>
+            <a:pPr lvl="1">
+              <a:lnSpc>
+                <a:spcPct val="80000"/>
+              </a:lnSpc>
+            </a:pPr>
+            <a:r>
+              <a:rPr lang="en-US" sz="2000" smtClean="0">
+                <a:ea typeface="ＭＳ Ｐゴシック" pitchFamily="34" charset="-128"/>
+              </a:rPr>
+              <a:t>Resource Privilege Management</a:t>
+            </a:r>
+          </a:p>
+          <a:p>
+            <a:pPr lvl="1">
+              <a:lnSpc>
+                <a:spcPct val="80000"/>
+              </a:lnSpc>
+            </a:pPr>
+            <a:r>
+              <a:rPr lang="en-US" sz="2000" smtClean="0">
+                <a:ea typeface="ＭＳ Ｐゴシック" pitchFamily="34" charset="-128"/>
+              </a:rPr>
+              <a:t>Data Source Configuration</a:t>
+            </a:r>
+          </a:p>
+          <a:p>
+            <a:pPr lvl="2">
+              <a:lnSpc>
+                <a:spcPct val="80000"/>
+              </a:lnSpc>
+            </a:pPr>
+            <a:r>
+              <a:rPr lang="en-US" sz="1800" smtClean="0">
+                <a:ea typeface="ＭＳ Ｐゴシック" pitchFamily="34" charset="-128"/>
+              </a:rPr>
+              <a:t>Configure</a:t>
+            </a:r>
+          </a:p>
+          <a:p>
+            <a:pPr lvl="2">
+              <a:lnSpc>
+                <a:spcPct val="80000"/>
+              </a:lnSpc>
+            </a:pPr>
+            <a:r>
+              <a:rPr lang="en-US" sz="1800" smtClean="0">
+                <a:ea typeface="ＭＳ Ｐゴシック" pitchFamily="34" charset="-128"/>
+              </a:rPr>
+              <a:t>Enable</a:t>
+            </a:r>
+          </a:p>
+          <a:p>
+            <a:pPr lvl="2">
+              <a:lnSpc>
+                <a:spcPct val="80000"/>
+              </a:lnSpc>
+            </a:pPr>
+            <a:r>
+              <a:rPr lang="en-US" sz="1800" smtClean="0">
+                <a:ea typeface="ＭＳ Ｐゴシック" pitchFamily="34" charset="-128"/>
+              </a:rPr>
+              <a:t>Re-introspect</a:t>
+            </a:r>
+          </a:p>
+          <a:p>
+            <a:pPr lvl="2">
+              <a:lnSpc>
+                <a:spcPct val="80000"/>
+              </a:lnSpc>
+            </a:pPr>
+            <a:r>
+              <a:rPr lang="en-US" sz="1800" smtClean="0">
+                <a:ea typeface="ＭＳ Ｐゴシック" pitchFamily="34" charset="-128"/>
+              </a:rPr>
+              <a:t>General attribute configuration interface</a:t>
+            </a:r>
+          </a:p>
+          <a:p>
+            <a:pPr lvl="1">
+              <a:lnSpc>
+                <a:spcPct val="80000"/>
+              </a:lnSpc>
+            </a:pPr>
+            <a:r>
+              <a:rPr lang="en-US" sz="2000" smtClean="0">
+                <a:ea typeface="ＭＳ Ｐゴシック" pitchFamily="34" charset="-128"/>
+              </a:rPr>
+              <a:t>Rebind Procedures and Views to new data source</a:t>
+            </a:r>
+          </a:p>
+          <a:p>
+            <a:pPr lvl="1">
+              <a:lnSpc>
+                <a:spcPct val="80000"/>
+              </a:lnSpc>
+            </a:pPr>
+            <a:r>
+              <a:rPr lang="en-US" sz="2000" smtClean="0">
+                <a:ea typeface="ＭＳ Ｐゴシック" pitchFamily="34" charset="-128"/>
+              </a:rPr>
+              <a:t>Resource Management</a:t>
+            </a:r>
+          </a:p>
+          <a:p>
+            <a:pPr lvl="2">
+              <a:lnSpc>
+                <a:spcPct val="80000"/>
+              </a:lnSpc>
+            </a:pPr>
+            <a:r>
+              <a:rPr lang="en-US" sz="1800" smtClean="0">
+                <a:ea typeface="ＭＳ Ｐゴシック" pitchFamily="34" charset="-128"/>
+              </a:rPr>
+              <a:t>Remove Resources, Validate existence</a:t>
+            </a:r>
+          </a:p>
+        </p:txBody>
+      </p:sp>
+      <p:sp>
+        <p:nvSpPr>
+          <p:cNvPr id="25604" name="Rectangle 4"/>
+          <p:cNvSpPr>
+            <a:spLocks/>
+          </p:cNvSpPr>
+          <p:nvPr/>
+        </p:nvSpPr>
+        <p:spPr bwMode="auto">
+          <a:xfrm>
+            <a:off x="6248400" y="1436688"/>
+            <a:ext cx="2819400" cy="5181600"/>
+          </a:xfrm>
+          <a:prstGeom prst="rect">
+            <a:avLst/>
+          </a:prstGeom>
+          <a:noFill/>
+          <a:ln>
+            <a:noFill/>
+          </a:ln>
+          <a:extLst>
+            <a:ext uri="{909E8E84-426E-40DD-AFC4-6F175D3DCCD1}">
+              <a14:hiddenFill xmlns:a14="http://schemas.microsoft.com/office/drawing/2010/main">
+                <a:solidFill>
+                  <a:srgbClr val="FFFFFF"/>
+                </a:solidFill>
+              </a14:hiddenFill>
+            </a:ext>
+            <a:ext uri="{91240B29-F687-4F45-9708-019B960494DF}">
+              <a14:hiddenLine xmlns:a14="http://schemas.microsoft.com/office/drawing/2010/main" w="9525">
+                <a:solidFill>
+                  <a:srgbClr val="000000"/>
+                </a:solidFill>
+                <a:miter lim="800000"/>
+                <a:headEnd/>
+                <a:tailEnd/>
+              </a14:hiddenLine>
+            </a:ext>
+          </a:extLst>
+        </p:spPr>
+        <p:txBody>
+          <a:bodyPr/>
+          <a:lstStyle/>
+          <a:p>
+            <a:pPr marL="342900" indent="-342900" eaLnBrk="0" hangingPunct="0">
+              <a:lnSpc>
+                <a:spcPct val="80000"/>
+              </a:lnSpc>
+              <a:spcBef>
+                <a:spcPct val="20000"/>
+              </a:spcBef>
+              <a:buClr>
+                <a:srgbClr val="C82228"/>
+              </a:buClr>
+              <a:buFont typeface="Wingdings" pitchFamily="2" charset="2"/>
+              <a:buNone/>
+            </a:pPr>
+            <a:r>
+              <a:rPr lang="en-US" sz="2000">
+                <a:solidFill>
+                  <a:schemeClr val="tx1"/>
+                </a:solidFill>
+              </a:rPr>
+              <a:t>ServerAttrModule</a:t>
+            </a:r>
+          </a:p>
+          <a:p>
+            <a:pPr marL="342900" indent="-342900" eaLnBrk="0" hangingPunct="0">
+              <a:lnSpc>
+                <a:spcPct val="80000"/>
+              </a:lnSpc>
+              <a:spcBef>
+                <a:spcPct val="20000"/>
+              </a:spcBef>
+              <a:buClr>
+                <a:srgbClr val="C82228"/>
+              </a:buClr>
+              <a:buFont typeface="Wingdings" pitchFamily="2" charset="2"/>
+              <a:buNone/>
+            </a:pPr>
+            <a:r>
+              <a:rPr lang="en-US" sz="2000">
+                <a:solidFill>
+                  <a:schemeClr val="tx1"/>
+                </a:solidFill>
+              </a:rPr>
+              <a:t>ArchiveModule</a:t>
+            </a:r>
+          </a:p>
+          <a:p>
+            <a:pPr marL="342900" indent="-342900" eaLnBrk="0" hangingPunct="0">
+              <a:lnSpc>
+                <a:spcPct val="80000"/>
+              </a:lnSpc>
+              <a:spcBef>
+                <a:spcPct val="20000"/>
+              </a:spcBef>
+              <a:buClr>
+                <a:srgbClr val="C82228"/>
+              </a:buClr>
+              <a:buFont typeface="Wingdings" pitchFamily="2" charset="2"/>
+              <a:buNone/>
+            </a:pPr>
+            <a:r>
+              <a:rPr lang="en-US" sz="2000">
+                <a:solidFill>
+                  <a:schemeClr val="tx1"/>
+                </a:solidFill>
+              </a:rPr>
+              <a:t>ArchiveModule</a:t>
+            </a:r>
+          </a:p>
+          <a:p>
+            <a:pPr marL="342900" indent="-342900" eaLnBrk="0" hangingPunct="0">
+              <a:lnSpc>
+                <a:spcPct val="80000"/>
+              </a:lnSpc>
+              <a:spcBef>
+                <a:spcPct val="20000"/>
+              </a:spcBef>
+              <a:buClr>
+                <a:srgbClr val="C82228"/>
+              </a:buClr>
+              <a:buFont typeface="Wingdings" pitchFamily="2" charset="2"/>
+              <a:buNone/>
+            </a:pPr>
+            <a:r>
+              <a:rPr lang="en-US" sz="2000">
+                <a:solidFill>
+                  <a:schemeClr val="tx1"/>
+                </a:solidFill>
+              </a:rPr>
+              <a:t>ServerManagerModule</a:t>
+            </a:r>
+          </a:p>
+          <a:p>
+            <a:pPr marL="342900" indent="-342900" eaLnBrk="0" hangingPunct="0">
+              <a:lnSpc>
+                <a:spcPct val="80000"/>
+              </a:lnSpc>
+              <a:spcBef>
+                <a:spcPct val="20000"/>
+              </a:spcBef>
+              <a:buClr>
+                <a:srgbClr val="C82228"/>
+              </a:buClr>
+              <a:buFont typeface="Wingdings" pitchFamily="2" charset="2"/>
+              <a:buNone/>
+            </a:pPr>
+            <a:r>
+              <a:rPr lang="en-US" sz="2000">
+                <a:solidFill>
+                  <a:schemeClr val="tx1"/>
+                </a:solidFill>
+              </a:rPr>
+              <a:t>GroupModule</a:t>
+            </a:r>
+          </a:p>
+          <a:p>
+            <a:pPr marL="342900" indent="-342900" eaLnBrk="0" hangingPunct="0">
+              <a:lnSpc>
+                <a:spcPct val="80000"/>
+              </a:lnSpc>
+              <a:spcBef>
+                <a:spcPct val="20000"/>
+              </a:spcBef>
+              <a:buClr>
+                <a:srgbClr val="C82228"/>
+              </a:buClr>
+              <a:buFont typeface="Wingdings" pitchFamily="2" charset="2"/>
+              <a:buNone/>
+            </a:pPr>
+            <a:r>
+              <a:rPr lang="en-US" sz="2000">
+                <a:solidFill>
+                  <a:schemeClr val="tx1"/>
+                </a:solidFill>
+              </a:rPr>
+              <a:t>UserModule</a:t>
+            </a:r>
+          </a:p>
+          <a:p>
+            <a:pPr marL="342900" indent="-342900" eaLnBrk="0" hangingPunct="0">
+              <a:lnSpc>
+                <a:spcPct val="80000"/>
+              </a:lnSpc>
+              <a:spcBef>
+                <a:spcPct val="20000"/>
+              </a:spcBef>
+              <a:buClr>
+                <a:srgbClr val="C82228"/>
+              </a:buClr>
+              <a:buFont typeface="Wingdings" pitchFamily="2" charset="2"/>
+              <a:buNone/>
+            </a:pPr>
+            <a:r>
+              <a:rPr lang="en-US" sz="1800">
+                <a:solidFill>
+                  <a:schemeClr val="tx1"/>
+                </a:solidFill>
+              </a:rPr>
+              <a:t> </a:t>
+            </a:r>
+          </a:p>
+          <a:p>
+            <a:pPr marL="342900" indent="-342900" eaLnBrk="0" hangingPunct="0">
+              <a:lnSpc>
+                <a:spcPct val="80000"/>
+              </a:lnSpc>
+              <a:spcBef>
+                <a:spcPct val="20000"/>
+              </a:spcBef>
+              <a:buClr>
+                <a:srgbClr val="C82228"/>
+              </a:buClr>
+              <a:buFont typeface="Wingdings" pitchFamily="2" charset="2"/>
+              <a:buNone/>
+            </a:pPr>
+            <a:r>
+              <a:rPr lang="en-US" sz="2000">
+                <a:solidFill>
+                  <a:schemeClr val="tx1"/>
+                </a:solidFill>
+              </a:rPr>
+              <a:t>PrivilegeModule</a:t>
+            </a:r>
+          </a:p>
+          <a:p>
+            <a:pPr marL="342900" indent="-342900" eaLnBrk="0" hangingPunct="0">
+              <a:lnSpc>
+                <a:spcPct val="80000"/>
+              </a:lnSpc>
+              <a:spcBef>
+                <a:spcPct val="20000"/>
+              </a:spcBef>
+              <a:buClr>
+                <a:srgbClr val="C82228"/>
+              </a:buClr>
+              <a:buFont typeface="Wingdings" pitchFamily="2" charset="2"/>
+              <a:buNone/>
+            </a:pPr>
+            <a:r>
+              <a:rPr lang="en-US" sz="2000">
+                <a:solidFill>
+                  <a:schemeClr val="tx1"/>
+                </a:solidFill>
+              </a:rPr>
+              <a:t>DataSourceModule</a:t>
+            </a:r>
+          </a:p>
+          <a:p>
+            <a:pPr marL="342900" indent="-342900" eaLnBrk="0" hangingPunct="0">
+              <a:lnSpc>
+                <a:spcPct val="80000"/>
+              </a:lnSpc>
+              <a:spcBef>
+                <a:spcPct val="20000"/>
+              </a:spcBef>
+              <a:buClr>
+                <a:srgbClr val="C82228"/>
+              </a:buClr>
+              <a:buFont typeface="Wingdings" pitchFamily="2" charset="2"/>
+              <a:buNone/>
+            </a:pPr>
+            <a:endParaRPr lang="en-US" sz="1800">
+              <a:solidFill>
+                <a:schemeClr val="tx1"/>
+              </a:solidFill>
+            </a:endParaRPr>
+          </a:p>
+          <a:p>
+            <a:pPr marL="342900" indent="-342900" eaLnBrk="0" hangingPunct="0">
+              <a:lnSpc>
+                <a:spcPct val="80000"/>
+              </a:lnSpc>
+              <a:spcBef>
+                <a:spcPct val="20000"/>
+              </a:spcBef>
+              <a:buClr>
+                <a:srgbClr val="C82228"/>
+              </a:buClr>
+              <a:buFont typeface="Wingdings" pitchFamily="2" charset="2"/>
+              <a:buNone/>
+            </a:pPr>
+            <a:endParaRPr lang="en-US" sz="1800">
+              <a:solidFill>
+                <a:schemeClr val="tx1"/>
+              </a:solidFill>
+            </a:endParaRPr>
+          </a:p>
+          <a:p>
+            <a:pPr marL="342900" indent="-342900" eaLnBrk="0" hangingPunct="0">
+              <a:lnSpc>
+                <a:spcPct val="80000"/>
+              </a:lnSpc>
+              <a:spcBef>
+                <a:spcPct val="20000"/>
+              </a:spcBef>
+              <a:buClr>
+                <a:srgbClr val="C82228"/>
+              </a:buClr>
+              <a:buFont typeface="Wingdings" pitchFamily="2" charset="2"/>
+              <a:buNone/>
+            </a:pPr>
+            <a:endParaRPr lang="en-US" sz="1800">
+              <a:solidFill>
+                <a:schemeClr val="tx1"/>
+              </a:solidFill>
+            </a:endParaRPr>
+          </a:p>
+          <a:p>
+            <a:pPr marL="342900" indent="-342900" eaLnBrk="0" hangingPunct="0">
+              <a:lnSpc>
+                <a:spcPct val="80000"/>
+              </a:lnSpc>
+              <a:spcBef>
+                <a:spcPct val="20000"/>
+              </a:spcBef>
+              <a:buClr>
+                <a:srgbClr val="C82228"/>
+              </a:buClr>
+              <a:buFont typeface="Wingdings" pitchFamily="2" charset="2"/>
+              <a:buNone/>
+            </a:pPr>
+            <a:endParaRPr lang="en-US" sz="1800">
+              <a:solidFill>
+                <a:schemeClr val="tx1"/>
+              </a:solidFill>
+            </a:endParaRPr>
+          </a:p>
+          <a:p>
+            <a:pPr marL="342900" indent="-342900" eaLnBrk="0" hangingPunct="0">
+              <a:lnSpc>
+                <a:spcPct val="80000"/>
+              </a:lnSpc>
+              <a:spcBef>
+                <a:spcPct val="20000"/>
+              </a:spcBef>
+              <a:buClr>
+                <a:srgbClr val="C82228"/>
+              </a:buClr>
+              <a:buFont typeface="Wingdings" pitchFamily="2" charset="2"/>
+              <a:buNone/>
+            </a:pPr>
+            <a:r>
+              <a:rPr lang="en-US" sz="2000">
+                <a:solidFill>
+                  <a:schemeClr val="tx1"/>
+                </a:solidFill>
+              </a:rPr>
+              <a:t>RebindModule</a:t>
+            </a:r>
+          </a:p>
+          <a:p>
+            <a:pPr marL="342900" indent="-342900" eaLnBrk="0" hangingPunct="0">
+              <a:lnSpc>
+                <a:spcPct val="80000"/>
+              </a:lnSpc>
+              <a:spcBef>
+                <a:spcPct val="20000"/>
+              </a:spcBef>
+              <a:buClr>
+                <a:srgbClr val="C82228"/>
+              </a:buClr>
+              <a:buFont typeface="Wingdings" pitchFamily="2" charset="2"/>
+              <a:buNone/>
+            </a:pPr>
+            <a:r>
+              <a:rPr lang="en-US" sz="2000">
+                <a:solidFill>
+                  <a:schemeClr val="tx1"/>
+                </a:solidFill>
+              </a:rPr>
+              <a:t>ResourceModule</a:t>
+            </a:r>
+          </a:p>
+          <a:p>
+            <a:pPr marL="342900" indent="-342900" eaLnBrk="0" hangingPunct="0">
+              <a:lnSpc>
+                <a:spcPct val="80000"/>
+              </a:lnSpc>
+              <a:spcBef>
+                <a:spcPct val="20000"/>
+              </a:spcBef>
+              <a:buClr>
+                <a:srgbClr val="C82228"/>
+              </a:buClr>
+              <a:buFont typeface="Wingdings" pitchFamily="2" charset="2"/>
+              <a:buNone/>
+            </a:pPr>
+            <a:endParaRPr lang="en-US" sz="1800">
+              <a:solidFill>
+                <a:schemeClr val="tx1"/>
+              </a:solidFill>
+            </a:endParaRPr>
+          </a:p>
+          <a:p>
+            <a:pPr marL="342900" indent="-342900" eaLnBrk="0" hangingPunct="0">
+              <a:lnSpc>
+                <a:spcPct val="80000"/>
+              </a:lnSpc>
+              <a:spcBef>
+                <a:spcPct val="20000"/>
+              </a:spcBef>
+              <a:buClr>
+                <a:srgbClr val="C82228"/>
+              </a:buClr>
+              <a:buFont typeface="Wingdings" pitchFamily="2" charset="2"/>
+              <a:buNone/>
+            </a:pPr>
+            <a:r>
+              <a:rPr lang="en-US" sz="2000">
+                <a:solidFill>
+                  <a:schemeClr val="tx1"/>
+                </a:solidFill>
+              </a:rPr>
+              <a:t>	</a:t>
+            </a:r>
+          </a:p>
+        </p:txBody>
+      </p:sp>
+    </p:spTree>
+    <p:extLst>
+      <p:ext uri="{BB962C8B-B14F-4D97-AF65-F5344CB8AC3E}">
+        <p14:creationId xmlns:p14="http://schemas.microsoft.com/office/powerpoint/2010/main" val="4233372334"/>
+      </p:ext>
+    </p:extLst>
+  </p:cSld>
+  <p:clrMapOvr>
+    <a:masterClrMapping/>
+  </p:clrMapOvr>
+  <p:timing>
+    <p:tnLst>
+      <p:par>
+        <p:cTn id="1" dur="indefinite" restart="never" nodeType="tmRoot"/>
+      </p:par>
+    </p:tnLst>
+  </p:timing>
+</p:sld>
+</file>
+
+<file path=ppt/slides/slide15.xml><?xml version="1.0" encoding="utf-8"?>
+<p:sld xmlns:a="http://schemas.openxmlformats.org/drawingml/2006/main" xmlns:r="http://schemas.openxmlformats.org/officeDocument/2006/relationships" xmlns:p="http://schemas.openxmlformats.org/presentationml/2006/main">
+  <p:cSld>
+    <p:spTree>
+      <p:nvGrpSpPr>
+        <p:cNvPr id="1" name=""/>
+        <p:cNvGrpSpPr/>
+        <p:nvPr/>
+      </p:nvGrpSpPr>
+      <p:grpSpPr>
+        <a:xfrm>
+          <a:off x="0" y="0"/>
+          <a:ext cx="0" cy="0"/>
+          <a:chOff x="0" y="0"/>
+          <a:chExt cx="0" cy="0"/>
+        </a:xfrm>
+      </p:grpSpPr>
+      <p:sp>
+        <p:nvSpPr>
           <p:cNvPr id="26626" name="Rectangle 2"/>
           <p:cNvSpPr>
             <a:spLocks noGrp="1"/>
@@ -9675,7 +9817,7 @@
 </p:sld>
 </file>
 
-<file path=ppt/slides/slide15.xml><?xml version="1.0" encoding="utf-8"?>
+<file path=ppt/slides/slide16.xml><?xml version="1.0" encoding="utf-8"?>
 <p:sld xmlns:a="http://schemas.openxmlformats.org/drawingml/2006/main" xmlns:r="http://schemas.openxmlformats.org/officeDocument/2006/relationships" xmlns:p="http://schemas.openxmlformats.org/presentationml/2006/main">
   <p:cSld>
     <p:spTree>
@@ -15327,7 +15469,7 @@
 </p:sld>
 </file>
 
-<file path=ppt/slides/slide16.xml><?xml version="1.0" encoding="utf-8"?>
+<file path=ppt/slides/slide17.xml><?xml version="1.0" encoding="utf-8"?>
 <p:sld xmlns:a="http://schemas.openxmlformats.org/drawingml/2006/main" xmlns:r="http://schemas.openxmlformats.org/officeDocument/2006/relationships" xmlns:p="http://schemas.openxmlformats.org/presentationml/2006/main">
   <p:cSld>
     <p:spTree>
@@ -22148,7 +22290,7 @@
 </p:sld>
 </file>
 
-<file path=ppt/slides/slide17.xml><?xml version="1.0" encoding="utf-8"?>
+<file path=ppt/slides/slide18.xml><?xml version="1.0" encoding="utf-8"?>
 <p:sld xmlns:a="http://schemas.openxmlformats.org/drawingml/2006/main" xmlns:r="http://schemas.openxmlformats.org/officeDocument/2006/relationships" xmlns:p="http://schemas.openxmlformats.org/presentationml/2006/main">
   <p:cSld>
     <p:spTree>
@@ -29287,7 +29429,7 @@
 </p:sld>
 </file>
 
-<file path=ppt/slides/slide18.xml><?xml version="1.0" encoding="utf-8"?>
+<file path=ppt/slides/slide19.xml><?xml version="1.0" encoding="utf-8"?>
 <p:sld xmlns:a="http://schemas.openxmlformats.org/drawingml/2006/main" xmlns:r="http://schemas.openxmlformats.org/officeDocument/2006/relationships" xmlns:p="http://schemas.openxmlformats.org/presentationml/2006/main">
   <p:cSld>
     <p:spTree>
@@ -29473,7 +29615,170 @@
 </p:sld>
 </file>
 
-<file path=ppt/slides/slide19.xml><?xml version="1.0" encoding="utf-8"?>
+<file path=ppt/slides/slide2.xml><?xml version="1.0" encoding="utf-8"?>
+<p:sld xmlns:a="http://schemas.openxmlformats.org/drawingml/2006/main" xmlns:r="http://schemas.openxmlformats.org/officeDocument/2006/relationships" xmlns:p="http://schemas.openxmlformats.org/presentationml/2006/main">
+  <p:cSld>
+    <p:spTree>
+      <p:nvGrpSpPr>
+        <p:cNvPr id="1" name=""/>
+        <p:cNvGrpSpPr/>
+        <p:nvPr/>
+      </p:nvGrpSpPr>
+      <p:grpSpPr>
+        <a:xfrm>
+          <a:off x="0" y="0"/>
+          <a:ext cx="0" cy="0"/>
+          <a:chOff x="0" y="0"/>
+          <a:chExt cx="0" cy="0"/>
+        </a:xfrm>
+      </p:grpSpPr>
+      <p:sp>
+        <p:nvSpPr>
+          <p:cNvPr id="14338" name="Rectangle 2"/>
+          <p:cNvSpPr>
+            <a:spLocks noGrp="1"/>
+          </p:cNvSpPr>
+          <p:nvPr>
+            <p:ph type="title" idx="4294967295"/>
+          </p:nvPr>
+        </p:nvSpPr>
+        <p:spPr/>
+        <p:txBody>
+          <a:bodyPr/>
+          <a:lstStyle/>
+          <a:p>
+            <a:r>
+              <a:rPr lang="en-US" smtClean="0">
+                <a:ea typeface="ＭＳ Ｐゴシック" pitchFamily="34" charset="-128"/>
+              </a:rPr>
+              <a:t>Agenda</a:t>
+            </a:r>
+          </a:p>
+        </p:txBody>
+      </p:sp>
+      <p:sp>
+        <p:nvSpPr>
+          <p:cNvPr id="14339" name="Rectangle 3"/>
+          <p:cNvSpPr>
+            <a:spLocks noGrp="1"/>
+          </p:cNvSpPr>
+          <p:nvPr>
+            <p:ph type="body" idx="4294967295"/>
+          </p:nvPr>
+        </p:nvSpPr>
+        <p:spPr/>
+        <p:txBody>
+          <a:bodyPr>
+            <a:normAutofit fontScale="92500" lnSpcReduction="10000"/>
+          </a:bodyPr>
+          <a:lstStyle/>
+          <a:p>
+            <a:r>
+              <a:rPr lang="en-US" sz="2800" smtClean="0">
+                <a:ea typeface="ＭＳ Ｐゴシック" pitchFamily="34" charset="-128"/>
+              </a:rPr>
+              <a:t>Core Team</a:t>
+            </a:r>
+          </a:p>
+          <a:p>
+            <a:r>
+              <a:rPr lang="en-US" sz="2800" smtClean="0">
+                <a:ea typeface="ＭＳ Ｐゴシック" pitchFamily="34" charset="-128"/>
+              </a:rPr>
+              <a:t>Problem Definition</a:t>
+            </a:r>
+          </a:p>
+          <a:p>
+            <a:r>
+              <a:rPr lang="en-US" sz="2800" smtClean="0">
+                <a:ea typeface="ＭＳ Ｐゴシック" pitchFamily="34" charset="-128"/>
+              </a:rPr>
+              <a:t>Goals</a:t>
+            </a:r>
+          </a:p>
+          <a:p>
+            <a:r>
+              <a:rPr lang="en-US" sz="2800" smtClean="0">
+                <a:ea typeface="ＭＳ Ｐゴシック" pitchFamily="34" charset="-128"/>
+              </a:rPr>
+              <a:t>Design Philosophy</a:t>
+            </a:r>
+          </a:p>
+          <a:p>
+            <a:r>
+              <a:rPr lang="en-US" sz="2800" smtClean="0">
+                <a:ea typeface="ＭＳ Ｐゴシック" pitchFamily="34" charset="-128"/>
+              </a:rPr>
+              <a:t>Promotion and Deployment Tool Development </a:t>
+            </a:r>
+          </a:p>
+          <a:p>
+            <a:pPr lvl="1"/>
+            <a:r>
+              <a:rPr lang="en-US" sz="2400" smtClean="0">
+                <a:ea typeface="ＭＳ Ｐゴシック" pitchFamily="34" charset="-128"/>
+              </a:rPr>
+              <a:t>Architecture</a:t>
+            </a:r>
+          </a:p>
+          <a:p>
+            <a:pPr lvl="1"/>
+            <a:r>
+              <a:rPr lang="en-US" sz="2400" smtClean="0">
+                <a:ea typeface="ＭＳ Ｐゴシック" pitchFamily="34" charset="-128"/>
+              </a:rPr>
+              <a:t>Distribution</a:t>
+            </a:r>
+          </a:p>
+          <a:p>
+            <a:pPr lvl="1"/>
+            <a:r>
+              <a:rPr lang="en-US" sz="2400" smtClean="0">
+                <a:ea typeface="ＭＳ Ｐゴシック" pitchFamily="34" charset="-128"/>
+              </a:rPr>
+              <a:t>Execution</a:t>
+            </a:r>
+          </a:p>
+          <a:p>
+            <a:pPr lvl="1"/>
+            <a:r>
+              <a:rPr lang="en-US" sz="2400" smtClean="0">
+                <a:ea typeface="ＭＳ Ｐゴシック" pitchFamily="34" charset="-128"/>
+              </a:rPr>
+              <a:t>Development</a:t>
+            </a:r>
+          </a:p>
+          <a:p>
+            <a:r>
+              <a:rPr lang="en-US" sz="2800" smtClean="0">
+                <a:ea typeface="ＭＳ Ｐゴシック" pitchFamily="34" charset="-128"/>
+              </a:rPr>
+              <a:t>Conclusion</a:t>
+            </a:r>
+          </a:p>
+        </p:txBody>
+      </p:sp>
+    </p:spTree>
+    <p:extLst>
+      <p:ext uri="{BB962C8B-B14F-4D97-AF65-F5344CB8AC3E}">
+        <p14:creationId xmlns:p14="http://schemas.microsoft.com/office/powerpoint/2010/main" val="2110033579"/>
+      </p:ext>
+    </p:extLst>
+  </p:cSld>
+  <p:clrMapOvr>
+    <a:masterClrMapping/>
+  </p:clrMapOvr>
+  <p:timing>
+    <p:tnLst>
+      <p:par>
+        <p:cTn id="1" dur="indefinite" restart="never" nodeType="tmRoot"/>
+      </p:par>
+    </p:tnLst>
+  </p:timing>
+</p:sld>
+</file>
+
+<file path=ppt/slides/slide20.xml><?xml version="1.0" encoding="utf-8"?>
 <p:sld xmlns:a="http://schemas.openxmlformats.org/drawingml/2006/main" xmlns:r="http://schemas.openxmlformats.org/officeDocument/2006/relationships" xmlns:p="http://schemas.openxmlformats.org/presentationml/2006/main">
   <p:cSld>
     <p:spTree>
@@ -30650,170 +30955,7 @@
 </p:sld>
 </file>
 
-<file path=ppt/slides/slide2.xml><?xml version="1.0" encoding="utf-8"?>
-<p:sld xmlns:a="http://schemas.openxmlformats.org/drawingml/2006/main" xmlns:r="http://schemas.openxmlformats.org/officeDocument/2006/relationships" xmlns:p="http://schemas.openxmlformats.org/presentationml/2006/main">
-  <p:cSld>
-    <p:spTree>
-      <p:nvGrpSpPr>
-        <p:cNvPr id="1" name=""/>
-        <p:cNvGrpSpPr/>
-        <p:nvPr/>
-      </p:nvGrpSpPr>
-      <p:grpSpPr>
-        <a:xfrm>
-          <a:off x="0" y="0"/>
-          <a:ext cx="0" cy="0"/>
-          <a:chOff x="0" y="0"/>
-          <a:chExt cx="0" cy="0"/>
-        </a:xfrm>
-      </p:grpSpPr>
-      <p:sp>
-        <p:nvSpPr>
-          <p:cNvPr id="14338" name="Rectangle 2"/>
-          <p:cNvSpPr>
-            <a:spLocks noGrp="1"/>
-          </p:cNvSpPr>
-          <p:nvPr>
-            <p:ph type="title" idx="4294967295"/>
-          </p:nvPr>
-        </p:nvSpPr>
-        <p:spPr/>
-        <p:txBody>
-          <a:bodyPr/>
-          <a:lstStyle/>
-          <a:p>
-            <a:r>
-              <a:rPr lang="en-US" smtClean="0">
-                <a:ea typeface="ＭＳ Ｐゴシック" pitchFamily="34" charset="-128"/>
-              </a:rPr>
-              <a:t>Agenda</a:t>
-            </a:r>
-          </a:p>
-        </p:txBody>
-      </p:sp>
-      <p:sp>
-        <p:nvSpPr>
-          <p:cNvPr id="14339" name="Rectangle 3"/>
-          <p:cNvSpPr>
-            <a:spLocks noGrp="1"/>
-          </p:cNvSpPr>
-          <p:nvPr>
-            <p:ph type="body" idx="4294967295"/>
-          </p:nvPr>
-        </p:nvSpPr>
-        <p:spPr/>
-        <p:txBody>
-          <a:bodyPr>
-            <a:normAutofit fontScale="92500" lnSpcReduction="10000"/>
-          </a:bodyPr>
-          <a:lstStyle/>
-          <a:p>
-            <a:r>
-              <a:rPr lang="en-US" sz="2800" smtClean="0">
-                <a:ea typeface="ＭＳ Ｐゴシック" pitchFamily="34" charset="-128"/>
-              </a:rPr>
-              <a:t>Core Team</a:t>
-            </a:r>
-          </a:p>
-          <a:p>
-            <a:r>
-              <a:rPr lang="en-US" sz="2800" smtClean="0">
-                <a:ea typeface="ＭＳ Ｐゴシック" pitchFamily="34" charset="-128"/>
-              </a:rPr>
-              <a:t>Problem Definition</a:t>
-            </a:r>
-          </a:p>
-          <a:p>
-            <a:r>
-              <a:rPr lang="en-US" sz="2800" smtClean="0">
-                <a:ea typeface="ＭＳ Ｐゴシック" pitchFamily="34" charset="-128"/>
-              </a:rPr>
-              <a:t>Goals</a:t>
-            </a:r>
-          </a:p>
-          <a:p>
-            <a:r>
-              <a:rPr lang="en-US" sz="2800" smtClean="0">
-                <a:ea typeface="ＭＳ Ｐゴシック" pitchFamily="34" charset="-128"/>
-              </a:rPr>
-              <a:t>Design Philosophy</a:t>
-            </a:r>
-          </a:p>
-          <a:p>
-            <a:r>
-              <a:rPr lang="en-US" sz="2800" smtClean="0">
-                <a:ea typeface="ＭＳ Ｐゴシック" pitchFamily="34" charset="-128"/>
-              </a:rPr>
-              <a:t>Promotion and Deployment Tool Development </a:t>
-            </a:r>
-          </a:p>
-          <a:p>
-            <a:pPr lvl="1"/>
-            <a:r>
-              <a:rPr lang="en-US" sz="2400" smtClean="0">
-                <a:ea typeface="ＭＳ Ｐゴシック" pitchFamily="34" charset="-128"/>
-              </a:rPr>
-              <a:t>Architecture</a:t>
-            </a:r>
-          </a:p>
-          <a:p>
-            <a:pPr lvl="1"/>
-            <a:r>
-              <a:rPr lang="en-US" sz="2400" smtClean="0">
-                <a:ea typeface="ＭＳ Ｐゴシック" pitchFamily="34" charset="-128"/>
-              </a:rPr>
-              <a:t>Distribution</a:t>
-            </a:r>
-          </a:p>
-          <a:p>
-            <a:pPr lvl="1"/>
-            <a:r>
-              <a:rPr lang="en-US" sz="2400" smtClean="0">
-                <a:ea typeface="ＭＳ Ｐゴシック" pitchFamily="34" charset="-128"/>
-              </a:rPr>
-              <a:t>Execution</a:t>
-            </a:r>
-          </a:p>
-          <a:p>
-            <a:pPr lvl="1"/>
-            <a:r>
-              <a:rPr lang="en-US" sz="2400" smtClean="0">
-                <a:ea typeface="ＭＳ Ｐゴシック" pitchFamily="34" charset="-128"/>
-              </a:rPr>
-              <a:t>Development</a:t>
-            </a:r>
-          </a:p>
-          <a:p>
-            <a:r>
-              <a:rPr lang="en-US" sz="2800" smtClean="0">
-                <a:ea typeface="ＭＳ Ｐゴシック" pitchFamily="34" charset="-128"/>
-              </a:rPr>
-              <a:t>Conclusion</a:t>
-            </a:r>
-          </a:p>
-        </p:txBody>
-      </p:sp>
-    </p:spTree>
-    <p:extLst>
-      <p:ext uri="{BB962C8B-B14F-4D97-AF65-F5344CB8AC3E}">
-        <p14:creationId xmlns:p14="http://schemas.microsoft.com/office/powerpoint/2010/main" val="2110033579"/>
-      </p:ext>
-    </p:extLst>
-  </p:cSld>
-  <p:clrMapOvr>
-    <a:masterClrMapping/>
-  </p:clrMapOvr>
-  <p:timing>
-    <p:tnLst>
-      <p:par>
-        <p:cTn id="1" dur="indefinite" restart="never" nodeType="tmRoot"/>
-      </p:par>
-    </p:tnLst>
-  </p:timing>
-</p:sld>
-</file>
-
-<file path=ppt/slides/slide20.xml><?xml version="1.0" encoding="utf-8"?>
+<file path=ppt/slides/slide21.xml><?xml version="1.0" encoding="utf-8"?>
 <p:sld xmlns:a="http://schemas.openxmlformats.org/drawingml/2006/main" xmlns:r="http://schemas.openxmlformats.org/officeDocument/2006/relationships" xmlns:p="http://schemas.openxmlformats.org/presentationml/2006/main">
   <p:cSld>
     <p:spTree>
@@ -31015,145 +31157,6 @@
     <p:extLst>
       <p:ext uri="{BB962C8B-B14F-4D97-AF65-F5344CB8AC3E}">
         <p14:creationId xmlns:p14="http://schemas.microsoft.com/office/powerpoint/2010/main" val="1200999989"/>
-      </p:ext>
-    </p:extLst>
-  </p:cSld>
-  <p:clrMapOvr>
-    <a:masterClrMapping/>
-  </p:clrMapOvr>
-  <p:timing>
-    <p:tnLst>
-      <p:par>
-        <p:cTn id="1" dur="indefinite" restart="never" nodeType="tmRoot"/>
-      </p:par>
-    </p:tnLst>
-  </p:timing>
-</p:sld>
-</file>
-
-<file path=ppt/slides/slide21.xml><?xml version="1.0" encoding="utf-8"?>
-<p:sld xmlns:a="http://schemas.openxmlformats.org/drawingml/2006/main" xmlns:r="http://schemas.openxmlformats.org/officeDocument/2006/relationships" xmlns:p="http://schemas.openxmlformats.org/presentationml/2006/main">
-  <p:cSld>
-    <p:spTree>
-      <p:nvGrpSpPr>
-        <p:cNvPr id="1" name=""/>
-        <p:cNvGrpSpPr/>
-        <p:nvPr/>
-      </p:nvGrpSpPr>
-      <p:grpSpPr>
-        <a:xfrm>
-          <a:off x="0" y="0"/>
-          <a:ext cx="0" cy="0"/>
-          <a:chOff x="0" y="0"/>
-          <a:chExt cx="0" cy="0"/>
-        </a:xfrm>
-      </p:grpSpPr>
-      <p:sp>
-        <p:nvSpPr>
-          <p:cNvPr id="33794" name="Rectangle 2"/>
-          <p:cNvSpPr>
-            <a:spLocks noGrp="1"/>
-          </p:cNvSpPr>
-          <p:nvPr>
-            <p:ph type="title" idx="4294967295"/>
-          </p:nvPr>
-        </p:nvSpPr>
-        <p:spPr/>
-        <p:txBody>
-          <a:bodyPr/>
-          <a:lstStyle/>
-          <a:p>
-            <a:r>
-              <a:rPr lang="en-US" smtClean="0">
-                <a:ea typeface="ＭＳ Ｐゴシック" pitchFamily="34" charset="-128"/>
-              </a:rPr>
-              <a:t>PD Tool Development – Common Framework</a:t>
-            </a:r>
-          </a:p>
-        </p:txBody>
-      </p:sp>
-      <p:sp>
-        <p:nvSpPr>
-          <p:cNvPr id="33795" name="Rectangle 3"/>
-          <p:cNvSpPr>
-            <a:spLocks noGrp="1"/>
-          </p:cNvSpPr>
-          <p:nvPr>
-            <p:ph type="body" idx="4294967295"/>
-          </p:nvPr>
-        </p:nvSpPr>
-        <p:spPr/>
-        <p:txBody>
-          <a:bodyPr/>
-          <a:lstStyle/>
-          <a:p>
-            <a:r>
-              <a:rPr lang="en-US" sz="2800" b="1" i="1" smtClean="0">
-                <a:ea typeface="ＭＳ Ｐゴシック" pitchFamily="34" charset="-128"/>
-              </a:rPr>
-              <a:t>Common Framework</a:t>
-            </a:r>
-          </a:p>
-          <a:p>
-            <a:pPr lvl="1"/>
-            <a:r>
-              <a:rPr lang="en-US" sz="2400" smtClean="0">
-                <a:ea typeface="ＭＳ Ｐゴシック" pitchFamily="34" charset="-128"/>
-              </a:rPr>
-              <a:t>Logging</a:t>
-            </a:r>
-          </a:p>
-          <a:p>
-            <a:pPr lvl="1"/>
-            <a:r>
-              <a:rPr lang="en-US" sz="2400" smtClean="0">
-                <a:ea typeface="ＭＳ Ｐゴシック" pitchFamily="34" charset="-128"/>
-              </a:rPr>
-              <a:t>XML Utilities for XML Property file parsing</a:t>
-            </a:r>
-          </a:p>
-          <a:p>
-            <a:pPr lvl="1"/>
-            <a:r>
-              <a:rPr lang="en-US" sz="2400" smtClean="0">
-                <a:ea typeface="ＭＳ Ｐゴシック" pitchFamily="34" charset="-128"/>
-              </a:rPr>
-              <a:t>Password encryption/decryption</a:t>
-            </a:r>
-          </a:p>
-          <a:p>
-            <a:pPr lvl="1"/>
-            <a:r>
-              <a:rPr lang="en-US" sz="2400" smtClean="0">
-                <a:ea typeface="ＭＳ Ｐゴシック" pitchFamily="34" charset="-128"/>
-              </a:rPr>
-              <a:t>Common Utilities</a:t>
-            </a:r>
-          </a:p>
-          <a:p>
-            <a:pPr lvl="1"/>
-            <a:r>
-              <a:rPr lang="en-US" sz="2400" smtClean="0">
-                <a:ea typeface="ＭＳ Ｐゴシック" pitchFamily="34" charset="-128"/>
-              </a:rPr>
-              <a:t>Error handling</a:t>
-            </a:r>
-          </a:p>
-          <a:p>
-            <a:pPr lvl="1"/>
-            <a:r>
-              <a:rPr lang="en-US" sz="2400" smtClean="0">
-                <a:ea typeface="ＭＳ Ｐゴシック" pitchFamily="34" charset="-128"/>
-              </a:rPr>
-              <a:t>CIS 5.1 / 5.2 / 6.0 web service API generated jar for JAXB classes</a:t>
-            </a:r>
-          </a:p>
-        </p:txBody>
-      </p:sp>
-    </p:spTree>
-    <p:extLst>
-      <p:ext uri="{BB962C8B-B14F-4D97-AF65-F5344CB8AC3E}">
-        <p14:creationId xmlns:p14="http://schemas.microsoft.com/office/powerpoint/2010/main" val="4212702171"/>
       </p:ext>
     </p:extLst>
   </p:cSld>
@@ -31189,7 +31192,7 @@
       </p:grpSpPr>
       <p:sp>
         <p:nvSpPr>
-          <p:cNvPr id="34818" name="Rectangle 2"/>
+          <p:cNvPr id="33794" name="Rectangle 2"/>
           <p:cNvSpPr>
             <a:spLocks noGrp="1"/>
           </p:cNvSpPr>
@@ -31206,14 +31209,14 @@
               <a:rPr lang="en-US" smtClean="0">
                 <a:ea typeface="ＭＳ Ｐゴシック" pitchFamily="34" charset="-128"/>
               </a:rPr>
-              <a:t>PD Tool Development – Ant</a:t>
+              <a:t>PD Tool Development – Common Framework</a:t>
             </a:r>
           </a:p>
         </p:txBody>
       </p:sp>
       <p:sp>
         <p:nvSpPr>
-          <p:cNvPr id="34819" name="Rectangle 3"/>
+          <p:cNvPr id="33795" name="Rectangle 3"/>
           <p:cNvSpPr>
             <a:spLocks noGrp="1"/>
           </p:cNvSpPr>
@@ -31221,81 +31224,70 @@
             <p:ph type="body" idx="4294967295"/>
           </p:nvPr>
         </p:nvSpPr>
-        <p:spPr>
-          <a:xfrm>
-            <a:off x="381000" y="1066800"/>
-            <a:ext cx="8534400" cy="5334000"/>
-          </a:xfrm>
-        </p:spPr>
+        <p:spPr/>
         <p:txBody>
           <a:bodyPr/>
           <a:lstStyle/>
           <a:p>
-            <a:pPr>
-              <a:lnSpc>
-                <a:spcPct val="90000"/>
-              </a:lnSpc>
-            </a:pPr>
             <a:r>
               <a:rPr lang="en-US" sz="2800" b="1" i="1" smtClean="0">
                 <a:ea typeface="ＭＳ Ｐゴシック" pitchFamily="34" charset="-128"/>
               </a:rPr>
-              <a:t>ANT</a:t>
-            </a:r>
-            <a:endParaRPr lang="en-US" sz="2800" smtClean="0">
-              <a:ea typeface="ＭＳ Ｐゴシック" pitchFamily="34" charset="-128"/>
-            </a:endParaRPr>
-          </a:p>
-          <a:p>
-            <a:pPr lvl="1">
-              <a:lnSpc>
-                <a:spcPct val="90000"/>
-              </a:lnSpc>
-            </a:pPr>
+              <a:t>Common Framework</a:t>
+            </a:r>
+          </a:p>
+          <a:p>
+            <a:pPr lvl="1"/>
             <a:r>
               <a:rPr lang="en-US" sz="2400" smtClean="0">
                 <a:ea typeface="ＭＳ Ｐゴシック" pitchFamily="34" charset="-128"/>
               </a:rPr>
-              <a:t>Main objective is for orchestrating target tasks based on build.xml</a:t>
-            </a:r>
-          </a:p>
-          <a:p>
-            <a:pPr lvl="1">
-              <a:lnSpc>
-                <a:spcPct val="90000"/>
-              </a:lnSpc>
-            </a:pPr>
+              <a:t>Logging</a:t>
+            </a:r>
+          </a:p>
+          <a:p>
+            <a:pPr lvl="1"/>
             <a:r>
               <a:rPr lang="en-US" sz="2400" smtClean="0">
                 <a:ea typeface="ＭＳ Ｐゴシック" pitchFamily="34" charset="-128"/>
               </a:rPr>
-              <a:t>Code is separate from Framework code – invokes common code</a:t>
-            </a:r>
-          </a:p>
-          <a:p>
-            <a:pPr lvl="1">
-              <a:lnSpc>
-                <a:spcPct val="90000"/>
-              </a:lnSpc>
-            </a:pPr>
+              <a:t>XML Utilities for XML Property file parsing</a:t>
+            </a:r>
+          </a:p>
+          <a:p>
+            <a:pPr lvl="1"/>
             <a:r>
               <a:rPr lang="en-US" sz="2400" smtClean="0">
                 <a:ea typeface="ＭＳ Ｐゴシック" pitchFamily="34" charset="-128"/>
               </a:rPr>
-              <a:t>Invoked with a script to set environment variables</a:t>
-            </a:r>
-          </a:p>
-          <a:p>
-            <a:pPr lvl="1">
-              <a:lnSpc>
-                <a:spcPct val="90000"/>
-              </a:lnSpc>
-            </a:pPr>
+              <a:t>Password encryption/decryption</a:t>
+            </a:r>
+          </a:p>
+          <a:p>
+            <a:pPr lvl="1"/>
             <a:r>
               <a:rPr lang="en-US" sz="2400" smtClean="0">
                 <a:ea typeface="ＭＳ Ｐゴシック" pitchFamily="34" charset="-128"/>
               </a:rPr>
-              <a:t>There is no development required for Ant integration.</a:t>
+              <a:t>Common Utilities</a:t>
+            </a:r>
+          </a:p>
+          <a:p>
+            <a:pPr lvl="1"/>
+            <a:r>
+              <a:rPr lang="en-US" sz="2400" smtClean="0">
+                <a:ea typeface="ＭＳ Ｐゴシック" pitchFamily="34" charset="-128"/>
+              </a:rPr>
+              <a:t>Error handling</a:t>
+            </a:r>
+          </a:p>
+          <a:p>
+            <a:pPr lvl="1"/>
+            <a:r>
+              <a:rPr lang="en-US" sz="2400" smtClean="0">
+                <a:ea typeface="ＭＳ Ｐゴシック" pitchFamily="34" charset="-128"/>
+              </a:rPr>
+              <a:t>CIS 5.1 / 5.2 / 6.0 web service API generated jar for JAXB classes</a:t>
             </a:r>
           </a:p>
         </p:txBody>
@@ -31303,7 +31295,7 @@
     </p:spTree>
     <p:extLst>
       <p:ext uri="{BB962C8B-B14F-4D97-AF65-F5344CB8AC3E}">
-        <p14:creationId xmlns:p14="http://schemas.microsoft.com/office/powerpoint/2010/main" val="2252922951"/>
+        <p14:creationId xmlns:p14="http://schemas.microsoft.com/office/powerpoint/2010/main" val="4212702171"/>
       </p:ext>
     </p:extLst>
   </p:cSld>
@@ -31339,7 +31331,7 @@
       </p:grpSpPr>
       <p:sp>
         <p:nvSpPr>
-          <p:cNvPr id="35842" name="Rectangle 2"/>
+          <p:cNvPr id="34818" name="Rectangle 2"/>
           <p:cNvSpPr>
             <a:spLocks noGrp="1"/>
           </p:cNvSpPr>
@@ -31356,14 +31348,14 @@
               <a:rPr lang="en-US" smtClean="0">
                 <a:ea typeface="ＭＳ Ｐゴシック" pitchFamily="34" charset="-128"/>
               </a:rPr>
-              <a:t>Conclusion – Customer Perspective</a:t>
+              <a:t>PD Tool Development – Ant</a:t>
             </a:r>
           </a:p>
         </p:txBody>
       </p:sp>
       <p:sp>
         <p:nvSpPr>
-          <p:cNvPr id="35843" name="Rectangle 3"/>
+          <p:cNvPr id="34819" name="Rectangle 3"/>
           <p:cNvSpPr>
             <a:spLocks noGrp="1"/>
           </p:cNvSpPr>
@@ -31371,40 +31363,81 @@
             <p:ph type="body" idx="4294967295"/>
           </p:nvPr>
         </p:nvSpPr>
-        <p:spPr/>
+        <p:spPr>
+          <a:xfrm>
+            <a:off x="381000" y="1066800"/>
+            <a:ext cx="8534400" cy="5334000"/>
+          </a:xfrm>
+        </p:spPr>
         <p:txBody>
           <a:bodyPr/>
           <a:lstStyle/>
           <a:p>
-            <a:r>
-              <a:rPr lang="en-US" smtClean="0">
-                <a:ea typeface="ＭＳ Ｐゴシック" pitchFamily="34" charset="-128"/>
-              </a:rPr>
-              <a:t>Pre-built; very easy to deploy; turn-key</a:t>
-            </a:r>
-          </a:p>
-          <a:p>
-            <a:r>
-              <a:rPr lang="en-US" smtClean="0">
-                <a:ea typeface="ＭＳ Ｐゴシック" pitchFamily="34" charset="-128"/>
-              </a:rPr>
-              <a:t>Only requires Unix sysadmin skills to operate and support</a:t>
-            </a:r>
-          </a:p>
-          <a:p>
-            <a:r>
-              <a:rPr lang="en-US" smtClean="0">
-                <a:ea typeface="ＭＳ Ｐゴシック" pitchFamily="34" charset="-128"/>
-              </a:rPr>
-              <a:t>Code is transparent to ops engineers (better supportability)</a:t>
-            </a:r>
-          </a:p>
-          <a:p>
-            <a:r>
-              <a:rPr lang="en-US" smtClean="0">
-                <a:ea typeface="ＭＳ Ｐゴシック" pitchFamily="34" charset="-128"/>
-              </a:rPr>
-              <a:t>Easy to swap in modules of your choice, that suit your environment</a:t>
+            <a:pPr>
+              <a:lnSpc>
+                <a:spcPct val="90000"/>
+              </a:lnSpc>
+            </a:pPr>
+            <a:r>
+              <a:rPr lang="en-US" sz="2800" b="1" i="1" smtClean="0">
+                <a:ea typeface="ＭＳ Ｐゴシック" pitchFamily="34" charset="-128"/>
+              </a:rPr>
+              <a:t>ANT</a:t>
+            </a:r>
+            <a:endParaRPr lang="en-US" sz="2800" smtClean="0">
+              <a:ea typeface="ＭＳ Ｐゴシック" pitchFamily="34" charset="-128"/>
+            </a:endParaRPr>
+          </a:p>
+          <a:p>
+            <a:pPr lvl="1">
+              <a:lnSpc>
+                <a:spcPct val="90000"/>
+              </a:lnSpc>
+            </a:pPr>
+            <a:r>
+              <a:rPr lang="en-US" sz="2400" smtClean="0">
+                <a:ea typeface="ＭＳ Ｐゴシック" pitchFamily="34" charset="-128"/>
+              </a:rPr>
+              <a:t>Main objective is for orchestrating target tasks based on build.xml</a:t>
+            </a:r>
+          </a:p>
+          <a:p>
+            <a:pPr lvl="1">
+              <a:lnSpc>
+                <a:spcPct val="90000"/>
+              </a:lnSpc>
+            </a:pPr>
+            <a:r>
+              <a:rPr lang="en-US" sz="2400" smtClean="0">
+                <a:ea typeface="ＭＳ Ｐゴシック" pitchFamily="34" charset="-128"/>
+              </a:rPr>
+              <a:t>Code is separate from Framework code – invokes common code</a:t>
+            </a:r>
+          </a:p>
+          <a:p>
+            <a:pPr lvl="1">
+              <a:lnSpc>
+                <a:spcPct val="90000"/>
+              </a:lnSpc>
+            </a:pPr>
+            <a:r>
+              <a:rPr lang="en-US" sz="2400" smtClean="0">
+                <a:ea typeface="ＭＳ Ｐゴシック" pitchFamily="34" charset="-128"/>
+              </a:rPr>
+              <a:t>Invoked with a script to set environment variables</a:t>
+            </a:r>
+          </a:p>
+          <a:p>
+            <a:pPr lvl="1">
+              <a:lnSpc>
+                <a:spcPct val="90000"/>
+              </a:lnSpc>
+            </a:pPr>
+            <a:r>
+              <a:rPr lang="en-US" sz="2400" smtClean="0">
+                <a:ea typeface="ＭＳ Ｐゴシック" pitchFamily="34" charset="-128"/>
+              </a:rPr>
+              <a:t>There is no development required for Ant integration.</a:t>
             </a:r>
           </a:p>
         </p:txBody>
@@ -31412,7 +31445,7 @@
     </p:spTree>
     <p:extLst>
       <p:ext uri="{BB962C8B-B14F-4D97-AF65-F5344CB8AC3E}">
-        <p14:creationId xmlns:p14="http://schemas.microsoft.com/office/powerpoint/2010/main" val="1030875322"/>
+        <p14:creationId xmlns:p14="http://schemas.microsoft.com/office/powerpoint/2010/main" val="2252922951"/>
       </p:ext>
     </p:extLst>
   </p:cSld>
@@ -31448,6 +31481,115 @@
       </p:grpSpPr>
       <p:sp>
         <p:nvSpPr>
+          <p:cNvPr id="35842" name="Rectangle 2"/>
+          <p:cNvSpPr>
+            <a:spLocks noGrp="1"/>
+          </p:cNvSpPr>
+          <p:nvPr>
+            <p:ph type="title" idx="4294967295"/>
+          </p:nvPr>
+        </p:nvSpPr>
+        <p:spPr/>
+        <p:txBody>
+          <a:bodyPr/>
+          <a:lstStyle/>
+          <a:p>
+            <a:r>
+              <a:rPr lang="en-US" smtClean="0">
+                <a:ea typeface="ＭＳ Ｐゴシック" pitchFamily="34" charset="-128"/>
+              </a:rPr>
+              <a:t>Conclusion – Customer Perspective</a:t>
+            </a:r>
+          </a:p>
+        </p:txBody>
+      </p:sp>
+      <p:sp>
+        <p:nvSpPr>
+          <p:cNvPr id="35843" name="Rectangle 3"/>
+          <p:cNvSpPr>
+            <a:spLocks noGrp="1"/>
+          </p:cNvSpPr>
+          <p:nvPr>
+            <p:ph type="body" idx="4294967295"/>
+          </p:nvPr>
+        </p:nvSpPr>
+        <p:spPr/>
+        <p:txBody>
+          <a:bodyPr/>
+          <a:lstStyle/>
+          <a:p>
+            <a:r>
+              <a:rPr lang="en-US" smtClean="0">
+                <a:ea typeface="ＭＳ Ｐゴシック" pitchFamily="34" charset="-128"/>
+              </a:rPr>
+              <a:t>Pre-built; very easy to deploy; turn-key</a:t>
+            </a:r>
+          </a:p>
+          <a:p>
+            <a:r>
+              <a:rPr lang="en-US" smtClean="0">
+                <a:ea typeface="ＭＳ Ｐゴシック" pitchFamily="34" charset="-128"/>
+              </a:rPr>
+              <a:t>Only requires Unix sysadmin skills to operate and support</a:t>
+            </a:r>
+          </a:p>
+          <a:p>
+            <a:r>
+              <a:rPr lang="en-US" smtClean="0">
+                <a:ea typeface="ＭＳ Ｐゴシック" pitchFamily="34" charset="-128"/>
+              </a:rPr>
+              <a:t>Code is transparent to ops engineers (better supportability)</a:t>
+            </a:r>
+          </a:p>
+          <a:p>
+            <a:r>
+              <a:rPr lang="en-US" smtClean="0">
+                <a:ea typeface="ＭＳ Ｐゴシック" pitchFamily="34" charset="-128"/>
+              </a:rPr>
+              <a:t>Easy to swap in modules of your choice, that suit your environment</a:t>
+            </a:r>
+          </a:p>
+        </p:txBody>
+      </p:sp>
+    </p:spTree>
+    <p:extLst>
+      <p:ext uri="{BB962C8B-B14F-4D97-AF65-F5344CB8AC3E}">
+        <p14:creationId xmlns:p14="http://schemas.microsoft.com/office/powerpoint/2010/main" val="1030875322"/>
+      </p:ext>
+    </p:extLst>
+  </p:cSld>
+  <p:clrMapOvr>
+    <a:masterClrMapping/>
+  </p:clrMapOvr>
+  <p:timing>
+    <p:tnLst>
+      <p:par>
+        <p:cTn id="1" dur="indefinite" restart="never" nodeType="tmRoot"/>
+      </p:par>
+    </p:tnLst>
+  </p:timing>
+</p:sld>
+</file>
+
+<file path=ppt/slides/slide25.xml><?xml version="1.0" encoding="utf-8"?>
+<p:sld xmlns:a="http://schemas.openxmlformats.org/drawingml/2006/main" xmlns:r="http://schemas.openxmlformats.org/officeDocument/2006/relationships" xmlns:p="http://schemas.openxmlformats.org/presentationml/2006/main">
+  <p:cSld>
+    <p:spTree>
+      <p:nvGrpSpPr>
+        <p:cNvPr id="1" name=""/>
+        <p:cNvGrpSpPr/>
+        <p:nvPr/>
+      </p:nvGrpSpPr>
+      <p:grpSpPr>
+        <a:xfrm>
+          <a:off x="0" y="0"/>
+          <a:ext cx="0" cy="0"/>
+          <a:chOff x="0" y="0"/>
+          <a:chExt cx="0" cy="0"/>
+        </a:xfrm>
+      </p:grpSpPr>
+      <p:sp>
+        <p:nvSpPr>
           <p:cNvPr id="36866" name="Rectangle 2"/>
           <p:cNvSpPr>
             <a:spLocks noGrp="1" noChangeArrowheads="1"/>
@@ -31527,7 +31669,7 @@
 </p:sld>
 </file>
 
-<file path=ppt/slides/slide25.xml><?xml version="1.0" encoding="utf-8"?>
+<file path=ppt/slides/slide26.xml><?xml version="1.0" encoding="utf-8"?>
 <p:sld xmlns:a="http://schemas.openxmlformats.org/drawingml/2006/main" xmlns:r="http://schemas.openxmlformats.org/officeDocument/2006/relationships" xmlns:p="http://schemas.openxmlformats.org/presentationml/2006/main">
   <p:cSld>
     <p:spTree>
@@ -31583,12 +31725,93 @@
       </p:grpSpPr>
       <p:sp>
         <p:nvSpPr>
-          <p:cNvPr id="15362" name="Rectangle 2"/>
+          <p:cNvPr id="4" name="Rounded Rectangle 3"/>
+          <p:cNvSpPr/>
+          <p:nvPr/>
+        </p:nvSpPr>
+        <p:spPr>
+          <a:xfrm>
+            <a:off x="236293" y="1040524"/>
+            <a:ext cx="8658307" cy="5573636"/>
+          </a:xfrm>
+          <a:prstGeom prst="roundRect">
+            <a:avLst>
+              <a:gd name="adj" fmla="val 6836"/>
+            </a:avLst>
+          </a:prstGeom>
+          <a:solidFill>
+            <a:srgbClr val="FFFFFF">
+              <a:alpha val="10000"/>
+            </a:srgbClr>
+          </a:solidFill>
+          <a:ln w="152400" cap="flat" cmpd="sng" algn="ctr">
+            <a:noFill/>
+            <a:prstDash val="solid"/>
+            <a:round/>
+            <a:headEnd type="none" w="med" len="med"/>
+            <a:tailEnd type="none" w="med" len="med"/>
+          </a:ln>
+          <a:effectLst>
+            <a:outerShdw blurRad="127000" dist="63500" dir="5640000">
+              <a:srgbClr val="000000">
+                <a:alpha val="44000"/>
+              </a:srgbClr>
+            </a:outerShdw>
+          </a:effectLst>
+          <a:scene3d>
+            <a:camera prst="perspectiveFront" fov="0">
+              <a:rot lat="0" lon="0" rev="0"/>
+            </a:camera>
+            <a:lightRig rig="soft" dir="t">
+              <a:rot lat="0" lon="0" rev="9180000"/>
+            </a:lightRig>
+          </a:scene3d>
+          <a:sp3d prstMaterial="softEdge">
+            <a:bevelT w="311150" h="158750"/>
+          </a:sp3d>
+        </p:spPr>
+        <p:txBody>
+          <a:bodyPr anchor="ctr"/>
+          <a:lstStyle/>
+          <a:p>
+            <a:pPr algn="ctr" defTabSz="913906">
+              <a:buClr>
+                <a:srgbClr val="FFFFFF"/>
+              </a:buClr>
+              <a:tabLst>
+                <a:tab pos="0" algn="l"/>
+                <a:tab pos="1218936" algn="l"/>
+                <a:tab pos="2437872" algn="l"/>
+                <a:tab pos="3656808" algn="l"/>
+                <a:tab pos="4875744" algn="l"/>
+                <a:tab pos="6094679" algn="l"/>
+                <a:tab pos="7313615" algn="l"/>
+                <a:tab pos="8532551" algn="l"/>
+                <a:tab pos="9751487" algn="l"/>
+                <a:tab pos="10970423" algn="l"/>
+                <a:tab pos="12189357" algn="l"/>
+                <a:tab pos="13408294" algn="l"/>
+              </a:tabLst>
+              <a:defRPr/>
+            </a:pPr>
+            <a:endParaRPr lang="en-GB" sz="2800" dirty="0">
+              <a:solidFill>
+                <a:srgbClr val="FFFFFF"/>
+              </a:solidFill>
+              <a:cs typeface="Arial"/>
+              <a:sym typeface="Wingdings" pitchFamily="2" charset="2"/>
+            </a:endParaRPr>
+          </a:p>
+        </p:txBody>
+      </p:sp>
+      <p:sp>
+        <p:nvSpPr>
+          <p:cNvPr id="2" name="Title 1"/>
           <p:cNvSpPr>
             <a:spLocks noGrp="1"/>
           </p:cNvSpPr>
           <p:nvPr>
-            <p:ph type="title" idx="4294967295"/>
+            <p:ph type="title"/>
           </p:nvPr>
         </p:nvSpPr>
         <p:spPr/>
@@ -31597,142 +31820,140 @@
           <a:lstStyle/>
           <a:p>
             <a:r>
-              <a:rPr lang="en-US" smtClean="0">
-                <a:ea typeface="ＭＳ Ｐゴシック" pitchFamily="34" charset="-128"/>
-              </a:rPr>
-              <a:t>Core Team</a:t>
-            </a:r>
+              <a:rPr lang="en-US" dirty="0" err="1" smtClean="0"/>
+              <a:t>PDTool</a:t>
+            </a:r>
+            <a:r>
+              <a:rPr lang="en-US" dirty="0" smtClean="0"/>
+              <a:t> License</a:t>
+            </a:r>
+            <a:endParaRPr lang="en-US" dirty="0"/>
           </a:p>
         </p:txBody>
       </p:sp>
       <p:sp>
         <p:nvSpPr>
-          <p:cNvPr id="15363" name="Rectangle 3"/>
+          <p:cNvPr id="3" name="Content Placeholder 2"/>
           <p:cNvSpPr>
             <a:spLocks noGrp="1"/>
           </p:cNvSpPr>
           <p:nvPr>
-            <p:ph type="body" idx="4294967295"/>
+            <p:ph idx="1"/>
           </p:nvPr>
         </p:nvSpPr>
         <p:spPr>
           <a:xfrm>
-            <a:off x="457200" y="1066800"/>
-            <a:ext cx="8458200" cy="5059363"/>
+            <a:off x="236293" y="1160980"/>
+            <a:ext cx="8658307" cy="5087420"/>
           </a:xfrm>
         </p:spPr>
         <p:txBody>
-          <a:bodyPr/>
+          <a:bodyPr>
+            <a:noAutofit/>
+          </a:bodyPr>
           <a:lstStyle/>
           <a:p>
             <a:r>
-              <a:rPr lang="en-US" sz="2400" smtClean="0">
-                <a:ea typeface="ＭＳ Ｐゴシック" pitchFamily="34" charset="-128"/>
-              </a:rPr>
-              <a:t>Core Team</a:t>
-            </a:r>
-          </a:p>
-          <a:p>
-            <a:pPr lvl="1"/>
-            <a:r>
-              <a:rPr lang="en-US" sz="2000" smtClean="0">
-                <a:ea typeface="ＭＳ Ｐゴシック" pitchFamily="34" charset="-128"/>
-              </a:rPr>
-              <a:t>Gordon Rose – PS Business Development Manager</a:t>
-            </a:r>
-          </a:p>
-          <a:p>
-            <a:pPr lvl="1"/>
-            <a:r>
-              <a:rPr lang="en-US" sz="2000" smtClean="0">
-                <a:ea typeface="ＭＳ Ｐゴシック" pitchFamily="34" charset="-128"/>
-              </a:rPr>
-              <a:t>Mike Tinius – Project Manager and Framework Architect</a:t>
-            </a:r>
-          </a:p>
-          <a:p>
-            <a:pPr lvl="1"/>
-            <a:r>
-              <a:rPr lang="en-US" sz="2000" smtClean="0">
-                <a:ea typeface="ＭＳ Ｐゴシック" pitchFamily="34" charset="-128"/>
-              </a:rPr>
-              <a:t>Ravi Thummalapenta – Development Lead and Java Architecture</a:t>
-            </a:r>
-          </a:p>
-          <a:p>
-            <a:pPr lvl="1"/>
-            <a:r>
-              <a:rPr lang="en-US" sz="2000" smtClean="0">
-                <a:ea typeface="ＭＳ Ｐゴシック" pitchFamily="34" charset="-128"/>
-              </a:rPr>
-              <a:t>Mike Shen –Development Lead and Version Control Architect</a:t>
-            </a:r>
-          </a:p>
-          <a:p>
-            <a:pPr lvl="1"/>
-            <a:r>
-              <a:rPr lang="en-US" sz="2000" smtClean="0">
-                <a:ea typeface="ＭＳ Ｐゴシック" pitchFamily="34" charset="-128"/>
-              </a:rPr>
-              <a:t>Mike DeAngelo – Technical Advisor</a:t>
-            </a:r>
-          </a:p>
-          <a:p>
-            <a:pPr lvl="1"/>
-            <a:r>
-              <a:rPr lang="en-US" sz="2000" smtClean="0">
-                <a:ea typeface="ＭＳ Ｐゴシック" pitchFamily="34" charset="-128"/>
-              </a:rPr>
-              <a:t>Rob Johnson – Technical Advisor</a:t>
-            </a:r>
-          </a:p>
-          <a:p>
-            <a:pPr lvl="1"/>
-            <a:r>
-              <a:rPr lang="en-US" sz="2000" smtClean="0">
-                <a:ea typeface="ＭＳ Ｐゴシック" pitchFamily="34" charset="-128"/>
-              </a:rPr>
-              <a:t>Mike Gardner – Technical Advisor</a:t>
-            </a:r>
-          </a:p>
-          <a:p>
-            <a:pPr lvl="1"/>
-            <a:r>
-              <a:rPr lang="en-US" sz="2000" smtClean="0">
-                <a:ea typeface="ＭＳ Ｐゴシック" pitchFamily="34" charset="-128"/>
-              </a:rPr>
-              <a:t>Dale Taylor – Overseer and Omnipresent Director </a:t>
-            </a:r>
-          </a:p>
-          <a:p>
-            <a:pPr lvl="2"/>
-            <a:r>
-              <a:rPr lang="en-US" sz="1800" smtClean="0">
-                <a:ea typeface="ＭＳ Ｐゴシック" pitchFamily="34" charset="-128"/>
-              </a:rPr>
-              <a:t>Or the guy behind the curtain who lets us do things like this.</a:t>
-            </a:r>
-          </a:p>
-          <a:p>
-            <a:r>
-              <a:rPr lang="en-US" sz="2400" smtClean="0">
-                <a:ea typeface="ＭＳ Ｐゴシック" pitchFamily="34" charset="-128"/>
-              </a:rPr>
-              <a:t>Extended Team</a:t>
-            </a:r>
-          </a:p>
-          <a:p>
-            <a:pPr lvl="1"/>
-            <a:r>
-              <a:rPr lang="en-US" sz="2000" smtClean="0">
-                <a:ea typeface="ＭＳ Ｐゴシック" pitchFamily="34" charset="-128"/>
-              </a:rPr>
-              <a:t>All of PS will be commissioned to build modules</a:t>
-            </a:r>
-          </a:p>
-          <a:p>
-            <a:pPr lvl="1"/>
-            <a:endParaRPr lang="en-US" sz="2000" smtClean="0">
+              <a:rPr lang="en-US" sz="1800" dirty="0" smtClean="0"/>
+              <a:t>(</a:t>
+            </a:r>
+            <a:r>
+              <a:rPr lang="en-US" sz="1800" dirty="0"/>
+              <a:t>c) 2014 Cisco and/or its affiliates. All rights reserved.</a:t>
+            </a:r>
+          </a:p>
+          <a:p>
+            <a:r>
+              <a:rPr lang="en-US" sz="1800" dirty="0" smtClean="0"/>
+              <a:t>This </a:t>
+            </a:r>
+            <a:r>
+              <a:rPr lang="en-US" sz="1800" dirty="0"/>
+              <a:t>software is released under the Eclipse Public License. The details can be found in the file LICENSE. </a:t>
+            </a:r>
+            <a:r>
+              <a:rPr lang="en-US" sz="1800" dirty="0" smtClean="0"/>
+              <a:t> Any </a:t>
+            </a:r>
+            <a:r>
+              <a:rPr lang="en-US" sz="1800" dirty="0"/>
+              <a:t>dependent libraries supplied by third parties are provided under their own open source licenses as </a:t>
+            </a:r>
+            <a:r>
+              <a:rPr lang="en-US" sz="1800" dirty="0" smtClean="0"/>
+              <a:t>described </a:t>
+            </a:r>
+            <a:r>
+              <a:rPr lang="en-US" sz="1800" dirty="0"/>
+              <a:t>in their own LICENSE files, generally named .LICENSE.txt. The libraries supplied by Cisco as </a:t>
+            </a:r>
+            <a:r>
+              <a:rPr lang="en-US" sz="1800" dirty="0" smtClean="0"/>
+              <a:t>part </a:t>
+            </a:r>
+            <a:r>
+              <a:rPr lang="en-US" sz="1800" dirty="0"/>
+              <a:t>of the Composite Information Server/Cisco Data Virtualization Server, particularly csadmin-XXXX.jar, </a:t>
+            </a:r>
+            <a:r>
+              <a:rPr lang="en-US" sz="1800" dirty="0" smtClean="0"/>
+              <a:t>csarchive-XXXX.jar</a:t>
+            </a:r>
+            <a:r>
+              <a:rPr lang="en-US" sz="1800" dirty="0"/>
+              <a:t>, csbase-XXXX.jar, csclient-XXXX.jar, cscommon-XXXX.jar, csext-XXXX.jar, csjdbc-XXXX.jar, </a:t>
+            </a:r>
+            <a:r>
+              <a:rPr lang="en-US" sz="1800" dirty="0" smtClean="0"/>
+              <a:t>csserverutil-XXXX.jar</a:t>
+            </a:r>
+            <a:r>
+              <a:rPr lang="en-US" sz="1800" dirty="0"/>
+              <a:t>, csserver-XXXX.jar, cswebapi-XXXX.jar, and customproc-XXXX.jar (where -XXXX is an </a:t>
+            </a:r>
+            <a:r>
+              <a:rPr lang="en-US" sz="1800" dirty="0" smtClean="0"/>
+              <a:t>optional </a:t>
+            </a:r>
+            <a:r>
+              <a:rPr lang="en-US" sz="1800" dirty="0"/>
+              <a:t>version number) are provided as a convenience, but are covered under the licensing for the </a:t>
+            </a:r>
+            <a:r>
+              <a:rPr lang="en-US" sz="1800" dirty="0" smtClean="0"/>
+              <a:t>Composite </a:t>
+            </a:r>
+            <a:r>
+              <a:rPr lang="en-US" sz="1800" dirty="0"/>
+              <a:t>Information Server/Cisco Data Virtualization Server. They cannot be used in any way except </a:t>
+            </a:r>
+            <a:r>
+              <a:rPr lang="en-US" sz="1800" dirty="0" smtClean="0"/>
+              <a:t>through </a:t>
+            </a:r>
+            <a:r>
+              <a:rPr lang="en-US" sz="1800" dirty="0"/>
+              <a:t>a valid license for that product.</a:t>
+            </a:r>
+          </a:p>
+          <a:p>
+            <a:r>
+              <a:rPr lang="en-US" sz="1800" dirty="0" smtClean="0"/>
+              <a:t>This </a:t>
+            </a:r>
+            <a:r>
+              <a:rPr lang="en-US" sz="1800" dirty="0"/>
+              <a:t>software is released AS-IS!. Support for this software is not covered by standard maintenance agreements with Cisco. </a:t>
+            </a:r>
+            <a:r>
+              <a:rPr lang="en-US" sz="1800" dirty="0" smtClean="0"/>
+              <a:t> Any </a:t>
+            </a:r>
+            <a:r>
+              <a:rPr lang="en-US" sz="1800" dirty="0"/>
+              <a:t>support for this software by Cisco would be covered by paid consulting agreements, and would be billable work.</a:t>
+            </a:r>
+            <a:endParaRPr lang="en-US" sz="1800" dirty="0">
               <a:ea typeface="ＭＳ Ｐゴシック" pitchFamily="34" charset="-128"/>
             </a:endParaRPr>
           </a:p>
@@ -31741,7 +31962,7 @@
     </p:spTree>
     <p:extLst>
       <p:ext uri="{BB962C8B-B14F-4D97-AF65-F5344CB8AC3E}">
-        <p14:creationId xmlns:p14="http://schemas.microsoft.com/office/powerpoint/2010/main" val="3143488595"/>
+        <p14:creationId xmlns:p14="http://schemas.microsoft.com/office/powerpoint/2010/main" val="3677775397"/>
       </p:ext>
     </p:extLst>
   </p:cSld>
@@ -31777,7 +31998,7 @@
       </p:grpSpPr>
       <p:sp>
         <p:nvSpPr>
-          <p:cNvPr id="16386" name="Rectangle 2"/>
+          <p:cNvPr id="15362" name="Rectangle 2"/>
           <p:cNvSpPr>
             <a:spLocks noGrp="1"/>
           </p:cNvSpPr>
@@ -31794,14 +32015,14 @@
               <a:rPr lang="en-US" smtClean="0">
                 <a:ea typeface="ＭＳ Ｐゴシック" pitchFamily="34" charset="-128"/>
               </a:rPr>
-              <a:t>Problem Definition</a:t>
+              <a:t>Core Team</a:t>
             </a:r>
           </a:p>
         </p:txBody>
       </p:sp>
       <p:sp>
         <p:nvSpPr>
-          <p:cNvPr id="16387" name="Rectangle 3"/>
+          <p:cNvPr id="15363" name="Rectangle 3"/>
           <p:cNvSpPr>
             <a:spLocks noGrp="1"/>
           </p:cNvSpPr>
@@ -31811,162 +32032,131 @@
         </p:nvSpPr>
         <p:spPr>
           <a:xfrm>
-            <a:off x="304800" y="1066800"/>
-            <a:ext cx="8686800" cy="5334000"/>
+            <a:off x="457200" y="1066800"/>
+            <a:ext cx="8458200" cy="5059363"/>
           </a:xfrm>
         </p:spPr>
         <p:txBody>
           <a:bodyPr/>
           <a:lstStyle/>
           <a:p>
-            <a:pPr>
-              <a:lnSpc>
-                <a:spcPct val="90000"/>
-              </a:lnSpc>
-            </a:pPr>
-            <a:r>
-              <a:rPr lang="en-US" sz="2800" smtClean="0">
-                <a:ea typeface="ＭＳ Ｐゴシック" pitchFamily="34" charset="-128"/>
-              </a:rPr>
-              <a:t>Every CIS project must promote resources</a:t>
-            </a:r>
-          </a:p>
-          <a:p>
-            <a:pPr lvl="1">
-              <a:lnSpc>
-                <a:spcPct val="90000"/>
-              </a:lnSpc>
-            </a:pPr>
             <a:r>
               <a:rPr lang="en-US" sz="2400" smtClean="0">
                 <a:ea typeface="ＭＳ Ｐゴシック" pitchFamily="34" charset="-128"/>
               </a:rPr>
-              <a:t>Referred to as the deployment process.</a:t>
-            </a:r>
-          </a:p>
-          <a:p>
-            <a:pPr>
-              <a:lnSpc>
-                <a:spcPct val="90000"/>
-              </a:lnSpc>
-            </a:pPr>
-            <a:r>
-              <a:rPr lang="en-US" sz="2800" smtClean="0">
-                <a:ea typeface="ＭＳ Ｐゴシック" pitchFamily="34" charset="-128"/>
-              </a:rPr>
-              <a:t>Requirements</a:t>
-            </a:r>
-          </a:p>
-          <a:p>
-            <a:pPr lvl="1">
-              <a:lnSpc>
-                <a:spcPct val="90000"/>
-              </a:lnSpc>
-            </a:pPr>
+              <a:t>Core Team</a:t>
+            </a:r>
+          </a:p>
+          <a:p>
+            <a:pPr lvl="1"/>
+            <a:r>
+              <a:rPr lang="en-US" sz="2000" smtClean="0">
+                <a:ea typeface="ＭＳ Ｐゴシック" pitchFamily="34" charset="-128"/>
+              </a:rPr>
+              <a:t>Gordon Rose – PS Business Development Manager</a:t>
+            </a:r>
+          </a:p>
+          <a:p>
+            <a:pPr lvl="1"/>
+            <a:r>
+              <a:rPr lang="en-US" sz="2000" smtClean="0">
+                <a:ea typeface="ＭＳ Ｐゴシック" pitchFamily="34" charset="-128"/>
+              </a:rPr>
+              <a:t>Mike Tinius – Project Manager and Framework Architect</a:t>
+            </a:r>
+          </a:p>
+          <a:p>
+            <a:pPr lvl="1"/>
+            <a:r>
+              <a:rPr lang="en-US" sz="2000" smtClean="0">
+                <a:ea typeface="ＭＳ Ｐゴシック" pitchFamily="34" charset="-128"/>
+              </a:rPr>
+              <a:t>Ravi Thummalapenta – Development Lead and Java Architecture</a:t>
+            </a:r>
+          </a:p>
+          <a:p>
+            <a:pPr lvl="1"/>
+            <a:r>
+              <a:rPr lang="en-US" sz="2000" smtClean="0">
+                <a:ea typeface="ＭＳ Ｐゴシック" pitchFamily="34" charset="-128"/>
+              </a:rPr>
+              <a:t>Mike Shen –Development Lead and Version Control Architect</a:t>
+            </a:r>
+          </a:p>
+          <a:p>
+            <a:pPr lvl="1"/>
+            <a:r>
+              <a:rPr lang="en-US" sz="2000" smtClean="0">
+                <a:ea typeface="ＭＳ Ｐゴシック" pitchFamily="34" charset="-128"/>
+              </a:rPr>
+              <a:t>Mike DeAngelo – Technical Advisor</a:t>
+            </a:r>
+          </a:p>
+          <a:p>
+            <a:pPr lvl="1"/>
+            <a:r>
+              <a:rPr lang="en-US" sz="2000" smtClean="0">
+                <a:ea typeface="ＭＳ Ｐゴシック" pitchFamily="34" charset="-128"/>
+              </a:rPr>
+              <a:t>Rob Johnson – Technical Advisor</a:t>
+            </a:r>
+          </a:p>
+          <a:p>
+            <a:pPr lvl="1"/>
+            <a:r>
+              <a:rPr lang="en-US" sz="2000" smtClean="0">
+                <a:ea typeface="ＭＳ Ｐゴシック" pitchFamily="34" charset="-128"/>
+              </a:rPr>
+              <a:t>Mike Gardner – Technical Advisor</a:t>
+            </a:r>
+          </a:p>
+          <a:p>
+            <a:pPr lvl="1"/>
+            <a:r>
+              <a:rPr lang="en-US" sz="2000" smtClean="0">
+                <a:ea typeface="ＭＳ Ｐゴシック" pitchFamily="34" charset="-128"/>
+              </a:rPr>
+              <a:t>Dale Taylor – Overseer and Omnipresent Director </a:t>
+            </a:r>
+          </a:p>
+          <a:p>
+            <a:pPr lvl="2"/>
+            <a:r>
+              <a:rPr lang="en-US" sz="1800" smtClean="0">
+                <a:ea typeface="ＭＳ Ｐゴシック" pitchFamily="34" charset="-128"/>
+              </a:rPr>
+              <a:t>Or the guy behind the curtain who lets us do things like this.</a:t>
+            </a:r>
+          </a:p>
+          <a:p>
             <a:r>
               <a:rPr lang="en-US" sz="2400" smtClean="0">
                 <a:ea typeface="ＭＳ Ｐゴシック" pitchFamily="34" charset="-128"/>
               </a:rPr>
-              <a:t>Some customers have rigorous deployment requirements</a:t>
-            </a:r>
-          </a:p>
-          <a:p>
-            <a:pPr lvl="1">
-              <a:lnSpc>
-                <a:spcPct val="90000"/>
-              </a:lnSpc>
-            </a:pPr>
-            <a:r>
-              <a:rPr lang="en-US" sz="2400" smtClean="0">
-                <a:ea typeface="ＭＳ Ｐゴシック" pitchFamily="34" charset="-128"/>
-              </a:rPr>
-              <a:t>Some have none.</a:t>
-            </a:r>
-          </a:p>
-          <a:p>
-            <a:pPr>
-              <a:lnSpc>
-                <a:spcPct val="90000"/>
-              </a:lnSpc>
-            </a:pPr>
-            <a:r>
-              <a:rPr lang="en-US" sz="2800" smtClean="0">
-                <a:ea typeface="ＭＳ Ｐゴシック" pitchFamily="34" charset="-128"/>
-              </a:rPr>
-              <a:t>Variety of environments</a:t>
-            </a:r>
-          </a:p>
-          <a:p>
-            <a:pPr lvl="1">
-              <a:lnSpc>
-                <a:spcPct val="90000"/>
-              </a:lnSpc>
-            </a:pPr>
-            <a:r>
-              <a:rPr lang="en-US" sz="2400" smtClean="0">
-                <a:ea typeface="ＭＳ Ｐゴシック" pitchFamily="34" charset="-128"/>
-              </a:rPr>
-              <a:t>Unix based CIS (Linux, Solaris)</a:t>
-            </a:r>
-          </a:p>
-          <a:p>
-            <a:pPr lvl="1">
-              <a:lnSpc>
-                <a:spcPct val="90000"/>
-              </a:lnSpc>
-            </a:pPr>
-            <a:r>
-              <a:rPr lang="en-US" sz="2400" smtClean="0">
-                <a:ea typeface="ＭＳ Ｐゴシック" pitchFamily="34" charset="-128"/>
-              </a:rPr>
-              <a:t>Windows XP, Windows 7 (32 and 64-bit).</a:t>
-            </a:r>
-          </a:p>
-          <a:p>
-            <a:pPr>
-              <a:lnSpc>
-                <a:spcPct val="90000"/>
-              </a:lnSpc>
-            </a:pPr>
-            <a:r>
-              <a:rPr lang="en-US" sz="2800" smtClean="0">
-                <a:ea typeface="ＭＳ Ｐゴシック" pitchFamily="34" charset="-128"/>
-              </a:rPr>
-              <a:t>Paradigm</a:t>
-            </a:r>
-          </a:p>
-          <a:p>
-            <a:pPr lvl="1">
-              <a:lnSpc>
-                <a:spcPct val="90000"/>
-              </a:lnSpc>
-            </a:pPr>
-            <a:r>
-              <a:rPr lang="en-US" sz="2400" smtClean="0">
-                <a:ea typeface="ＭＳ Ｐゴシック" pitchFamily="34" charset="-128"/>
-              </a:rPr>
-              <a:t>May use Version control</a:t>
-            </a:r>
-          </a:p>
-          <a:p>
-            <a:pPr lvl="1">
-              <a:lnSpc>
-                <a:spcPct val="90000"/>
-              </a:lnSpc>
-            </a:pPr>
-            <a:r>
-              <a:rPr lang="en-US" sz="2400" smtClean="0">
-                <a:ea typeface="ＭＳ Ｐゴシック" pitchFamily="34" charset="-128"/>
-              </a:rPr>
-              <a:t>May choose CAR file import/export</a:t>
-            </a:r>
+              <a:t>Extended Team</a:t>
+            </a:r>
+          </a:p>
+          <a:p>
+            <a:pPr lvl="1"/>
+            <a:r>
+              <a:rPr lang="en-US" sz="2000" smtClean="0">
+                <a:ea typeface="ＭＳ Ｐゴシック" pitchFamily="34" charset="-128"/>
+              </a:rPr>
+              <a:t>All of PS will be commissioned to build modules</a:t>
+            </a:r>
+          </a:p>
+          <a:p>
+            <a:pPr lvl="1"/>
+            <a:endParaRPr lang="en-US" sz="2000" smtClean="0">
+              <a:ea typeface="ＭＳ Ｐゴシック" pitchFamily="34" charset="-128"/>
+            </a:endParaRPr>
           </a:p>
         </p:txBody>
       </p:sp>
     </p:spTree>
     <p:extLst>
       <p:ext uri="{BB962C8B-B14F-4D97-AF65-F5344CB8AC3E}">
-        <p14:creationId xmlns:p14="http://schemas.microsoft.com/office/powerpoint/2010/main" val="2765484255"/>
+        <p14:creationId xmlns:p14="http://schemas.microsoft.com/office/powerpoint/2010/main" val="3143488595"/>
       </p:ext>
     </p:extLst>
   </p:cSld>
@@ -32002,7 +32192,7 @@
       </p:grpSpPr>
       <p:sp>
         <p:nvSpPr>
-          <p:cNvPr id="17410" name="Rectangle 2"/>
+          <p:cNvPr id="16386" name="Rectangle 2"/>
           <p:cNvSpPr>
             <a:spLocks noGrp="1"/>
           </p:cNvSpPr>
@@ -32019,14 +32209,14 @@
               <a:rPr lang="en-US" smtClean="0">
                 <a:ea typeface="ＭＳ Ｐゴシック" pitchFamily="34" charset="-128"/>
               </a:rPr>
-              <a:t>Goals</a:t>
+              <a:t>Problem Definition</a:t>
             </a:r>
           </a:p>
         </p:txBody>
       </p:sp>
       <p:sp>
         <p:nvSpPr>
-          <p:cNvPr id="17411" name="Rectangle 3"/>
+          <p:cNvPr id="16387" name="Rectangle 3"/>
           <p:cNvSpPr>
             <a:spLocks noGrp="1"/>
           </p:cNvSpPr>
@@ -32034,7 +32224,12 @@
             <p:ph type="body" idx="4294967295"/>
           </p:nvPr>
         </p:nvSpPr>
-        <p:spPr/>
+        <p:spPr>
+          <a:xfrm>
+            <a:off x="304800" y="1066800"/>
+            <a:ext cx="8686800" cy="5334000"/>
+          </a:xfrm>
+        </p:spPr>
         <p:txBody>
           <a:bodyPr/>
           <a:lstStyle/>
@@ -32048,7 +32243,20 @@
               <a:rPr lang="en-US" sz="2800" smtClean="0">
                 <a:ea typeface="ＭＳ Ｐゴシック" pitchFamily="34" charset="-128"/>
               </a:rPr>
-              <a:t>Provide a Promotion/Deployment Tool that addresses 90% of customer base with an out-of-the-box solution.</a:t>
+              <a:t>Every CIS project must promote resources</a:t>
+            </a:r>
+          </a:p>
+          <a:p>
+            <a:pPr lvl="1">
+              <a:lnSpc>
+                <a:spcPct val="90000"/>
+              </a:lnSpc>
+            </a:pPr>
+            <a:r>
+              <a:rPr lang="en-US" sz="2400" smtClean="0">
+                <a:ea typeface="ＭＳ Ｐゴシック" pitchFamily="34" charset="-128"/>
+              </a:rPr>
+              <a:t>Referred to as the deployment process.</a:t>
             </a:r>
           </a:p>
           <a:p>
@@ -32061,7 +32269,7 @@
               <a:rPr lang="en-US" sz="2800" smtClean="0">
                 <a:ea typeface="ＭＳ Ｐゴシック" pitchFamily="34" charset="-128"/>
               </a:rPr>
-              <a:t>Provide an Extendable Framework </a:t>
+              <a:t>Requirements</a:t>
             </a:r>
           </a:p>
           <a:p>
@@ -32074,7 +32282,20 @@
               <a:rPr lang="en-US" sz="2400" smtClean="0">
                 <a:ea typeface="ＭＳ Ｐゴシック" pitchFamily="34" charset="-128"/>
               </a:rPr>
-              <a:t>For the 10% most demanding customers that have more specific deployment requirements.</a:t>
+              <a:t>Some customers have rigorous deployment requirements</a:t>
+            </a:r>
+          </a:p>
+          <a:p>
+            <a:pPr lvl="1">
+              <a:lnSpc>
+                <a:spcPct val="90000"/>
+              </a:lnSpc>
+            </a:pPr>
+            <a:r>
+              <a:rPr lang="en-US" sz="2400" smtClean="0">
+                <a:ea typeface="ＭＳ Ｐゴシック" pitchFamily="34" charset="-128"/>
+              </a:rPr>
+              <a:t>Some have none.</a:t>
             </a:r>
           </a:p>
           <a:p>
@@ -32087,27 +32308,33 @@
               <a:rPr lang="en-US" sz="2800" smtClean="0">
                 <a:ea typeface="ＭＳ Ｐゴシック" pitchFamily="34" charset="-128"/>
               </a:rPr>
-              <a:t>Provide Documentation</a:t>
-            </a:r>
-          </a:p>
-          <a:p>
-            <a:pPr marL="742950" lvl="2" indent="-342900">
+              <a:t>Variety of environments</a:t>
+            </a:r>
+          </a:p>
+          <a:p>
+            <a:pPr lvl="1">
               <a:lnSpc>
                 <a:spcPct val="90000"/>
               </a:lnSpc>
-              <a:buClr>
-                <a:srgbClr val="C82228"/>
-              </a:buClr>
-              <a:buFontTx/>
-              <a:buBlip>
-                <a:blip r:embed="rId3"/>
-              </a:buBlip>
             </a:pPr>
             <a:r>
-              <a:rPr lang="en-US" sz="2000" smtClean="0">
-                <a:ea typeface="ＭＳ Ｐゴシック" pitchFamily="34" charset="-128"/>
-              </a:rPr>
-              <a:t>Developer Guide - How to build a custom module.</a:t>
+              <a:rPr lang="en-US" sz="2400" smtClean="0">
+                <a:ea typeface="ＭＳ Ｐゴシック" pitchFamily="34" charset="-128"/>
+              </a:rPr>
+              <a:t>Unix based CIS (Linux, Solaris)</a:t>
+            </a:r>
+          </a:p>
+          <a:p>
+            <a:pPr lvl="1">
+              <a:lnSpc>
+                <a:spcPct val="90000"/>
+              </a:lnSpc>
+            </a:pPr>
+            <a:r>
+              <a:rPr lang="en-US" sz="2400" smtClean="0">
+                <a:ea typeface="ＭＳ Ｐゴシック" pitchFamily="34" charset="-128"/>
+              </a:rPr>
+              <a:t>Windows XP, Windows 7 (32 and 64-bit).</a:t>
             </a:r>
           </a:p>
           <a:p>
@@ -32120,20 +32347,33 @@
               <a:rPr lang="en-US" sz="2800" smtClean="0">
                 <a:ea typeface="ＭＳ Ｐゴシック" pitchFamily="34" charset="-128"/>
               </a:rPr>
-              <a:t>Provide Training</a:t>
-            </a:r>
-          </a:p>
-          <a:p>
-            <a:pPr>
+              <a:t>Paradigm</a:t>
+            </a:r>
+          </a:p>
+          <a:p>
+            <a:pPr lvl="1">
               <a:lnSpc>
                 <a:spcPct val="90000"/>
               </a:lnSpc>
             </a:pPr>
             <a:r>
-              <a:rPr lang="en-US" sz="2800" smtClean="0">
-                <a:ea typeface="ＭＳ Ｐゴシック" pitchFamily="34" charset="-128"/>
-              </a:rPr>
-              <a:t>Provide Examples</a:t>
+              <a:rPr lang="en-US" sz="2400" smtClean="0">
+                <a:ea typeface="ＭＳ Ｐゴシック" pitchFamily="34" charset="-128"/>
+              </a:rPr>
+              <a:t>May use Version control</a:t>
+            </a:r>
+          </a:p>
+          <a:p>
+            <a:pPr lvl="1">
+              <a:lnSpc>
+                <a:spcPct val="90000"/>
+              </a:lnSpc>
+            </a:pPr>
+            <a:r>
+              <a:rPr lang="en-US" sz="2400" smtClean="0">
+                <a:ea typeface="ＭＳ Ｐゴシック" pitchFamily="34" charset="-128"/>
+              </a:rPr>
+              <a:t>May choose CAR file import/export</a:t>
             </a:r>
           </a:p>
         </p:txBody>
@@ -32141,7 +32381,7 @@
     </p:spTree>
     <p:extLst>
       <p:ext uri="{BB962C8B-B14F-4D97-AF65-F5344CB8AC3E}">
-        <p14:creationId xmlns:p14="http://schemas.microsoft.com/office/powerpoint/2010/main" val="1500022201"/>
+        <p14:creationId xmlns:p14="http://schemas.microsoft.com/office/powerpoint/2010/main" val="2765484255"/>
       </p:ext>
     </p:extLst>
   </p:cSld>
@@ -32177,7 +32417,7 @@
       </p:grpSpPr>
       <p:sp>
         <p:nvSpPr>
-          <p:cNvPr id="18434" name="Rectangle 2"/>
+          <p:cNvPr id="17410" name="Rectangle 2"/>
           <p:cNvSpPr>
             <a:spLocks noGrp="1"/>
           </p:cNvSpPr>
@@ -32194,14 +32434,14 @@
               <a:rPr lang="en-US" smtClean="0">
                 <a:ea typeface="ＭＳ Ｐゴシック" pitchFamily="34" charset="-128"/>
               </a:rPr>
-              <a:t>Packages</a:t>
+              <a:t>Goals</a:t>
             </a:r>
           </a:p>
         </p:txBody>
       </p:sp>
       <p:sp>
         <p:nvSpPr>
-          <p:cNvPr id="18435" name="Rectangle 3"/>
+          <p:cNvPr id="17411" name="Rectangle 3"/>
           <p:cNvSpPr>
             <a:spLocks noGrp="1"/>
           </p:cNvSpPr>
@@ -32209,71 +32449,106 @@
             <p:ph type="body" idx="4294967295"/>
           </p:nvPr>
         </p:nvSpPr>
-        <p:spPr>
-          <a:xfrm>
-            <a:off x="457200" y="1066800"/>
-            <a:ext cx="8534400" cy="5059363"/>
-          </a:xfrm>
-        </p:spPr>
+        <p:spPr/>
         <p:txBody>
           <a:bodyPr/>
           <a:lstStyle/>
           <a:p>
-            <a:r>
-              <a:rPr lang="en-US" smtClean="0">
-                <a:ea typeface="ＭＳ Ｐゴシック" pitchFamily="34" charset="-128"/>
-              </a:rPr>
-              <a:t>PS Promotion and Deployment Tool </a:t>
-            </a:r>
-          </a:p>
-          <a:p>
-            <a:pPr lvl="1"/>
-            <a:r>
-              <a:rPr lang="en-US" smtClean="0">
-                <a:ea typeface="ＭＳ Ｐゴシック" pitchFamily="34" charset="-128"/>
-              </a:rPr>
-              <a:t>a.k.a. PD Tool</a:t>
-            </a:r>
-          </a:p>
-          <a:p>
-            <a:pPr lvl="1"/>
-            <a:r>
-              <a:rPr lang="en-US" smtClean="0">
-                <a:ea typeface="ＭＳ Ｐゴシック" pitchFamily="34" charset="-128"/>
-              </a:rPr>
-              <a:t>Automated Command-line or Ant deployment</a:t>
-            </a:r>
-          </a:p>
-          <a:p>
-            <a:pPr lvl="1"/>
-            <a:endParaRPr lang="en-US" smtClean="0">
-              <a:ea typeface="ＭＳ Ｐゴシック" pitchFamily="34" charset="-128"/>
-            </a:endParaRPr>
-          </a:p>
-          <a:p>
-            <a:r>
-              <a:rPr lang="en-US" smtClean="0">
-                <a:ea typeface="ＭＳ Ｐゴシック" pitchFamily="34" charset="-128"/>
-              </a:rPr>
-              <a:t>PS Promotion and Deployment Tool Studio</a:t>
-            </a:r>
-          </a:p>
-          <a:p>
-            <a:pPr lvl="1"/>
-            <a:r>
-              <a:rPr lang="en-US" smtClean="0">
-                <a:ea typeface="ＭＳ Ｐゴシック" pitchFamily="34" charset="-128"/>
-              </a:rPr>
-              <a:t>a.k.a. PD Tool Studio</a:t>
-            </a:r>
-          </a:p>
-          <a:p>
-            <a:pPr lvl="1"/>
-            <a:r>
-              <a:rPr lang="en-US" smtClean="0">
-                <a:ea typeface="ＭＳ Ｐゴシック" pitchFamily="34" charset="-128"/>
-              </a:rPr>
-              <a:t>Studio Integration with VCS</a:t>
+            <a:pPr>
+              <a:lnSpc>
+                <a:spcPct val="90000"/>
+              </a:lnSpc>
+            </a:pPr>
+            <a:r>
+              <a:rPr lang="en-US" sz="2800" smtClean="0">
+                <a:ea typeface="ＭＳ Ｐゴシック" pitchFamily="34" charset="-128"/>
+              </a:rPr>
+              <a:t>Provide a Promotion/Deployment Tool that addresses 90% of customer base with an out-of-the-box solution.</a:t>
+            </a:r>
+          </a:p>
+          <a:p>
+            <a:pPr>
+              <a:lnSpc>
+                <a:spcPct val="90000"/>
+              </a:lnSpc>
+            </a:pPr>
+            <a:r>
+              <a:rPr lang="en-US" sz="2800" smtClean="0">
+                <a:ea typeface="ＭＳ Ｐゴシック" pitchFamily="34" charset="-128"/>
+              </a:rPr>
+              <a:t>Provide an Extendable Framework </a:t>
+            </a:r>
+          </a:p>
+          <a:p>
+            <a:pPr lvl="1">
+              <a:lnSpc>
+                <a:spcPct val="90000"/>
+              </a:lnSpc>
+            </a:pPr>
+            <a:r>
+              <a:rPr lang="en-US" sz="2400" smtClean="0">
+                <a:ea typeface="ＭＳ Ｐゴシック" pitchFamily="34" charset="-128"/>
+              </a:rPr>
+              <a:t>For the 10% most demanding customers that have more specific deployment requirements.</a:t>
+            </a:r>
+          </a:p>
+          <a:p>
+            <a:pPr>
+              <a:lnSpc>
+                <a:spcPct val="90000"/>
+              </a:lnSpc>
+            </a:pPr>
+            <a:r>
+              <a:rPr lang="en-US" sz="2800" smtClean="0">
+                <a:ea typeface="ＭＳ Ｐゴシック" pitchFamily="34" charset="-128"/>
+              </a:rPr>
+              <a:t>Provide Documentation</a:t>
+            </a:r>
+          </a:p>
+          <a:p>
+            <a:pPr marL="742950" lvl="2" indent="-342900">
+              <a:lnSpc>
+                <a:spcPct val="90000"/>
+              </a:lnSpc>
+              <a:buClr>
+                <a:srgbClr val="C82228"/>
+              </a:buClr>
+              <a:buFontTx/>
+              <a:buBlip>
+                <a:blip r:embed="rId3"/>
+              </a:buBlip>
+            </a:pPr>
+            <a:r>
+              <a:rPr lang="en-US" sz="2000" smtClean="0">
+                <a:ea typeface="ＭＳ Ｐゴシック" pitchFamily="34" charset="-128"/>
+              </a:rPr>
+              <a:t>Developer Guide - How to build a custom module.</a:t>
+            </a:r>
+          </a:p>
+          <a:p>
+            <a:pPr>
+              <a:lnSpc>
+                <a:spcPct val="90000"/>
+              </a:lnSpc>
+            </a:pPr>
+            <a:r>
+              <a:rPr lang="en-US" sz="2800" smtClean="0">
+                <a:ea typeface="ＭＳ Ｐゴシック" pitchFamily="34" charset="-128"/>
+              </a:rPr>
+              <a:t>Provide Training</a:t>
+            </a:r>
+          </a:p>
+          <a:p>
+            <a:pPr>
+              <a:lnSpc>
+                <a:spcPct val="90000"/>
+              </a:lnSpc>
+            </a:pPr>
+            <a:r>
+              <a:rPr lang="en-US" sz="2800" smtClean="0">
+                <a:ea typeface="ＭＳ Ｐゴシック" pitchFamily="34" charset="-128"/>
+              </a:rPr>
+              <a:t>Provide Examples</a:t>
             </a:r>
           </a:p>
         </p:txBody>
@@ -32281,7 +32556,7 @@
     </p:spTree>
     <p:extLst>
       <p:ext uri="{BB962C8B-B14F-4D97-AF65-F5344CB8AC3E}">
-        <p14:creationId xmlns:p14="http://schemas.microsoft.com/office/powerpoint/2010/main" val="1386001189"/>
+        <p14:creationId xmlns:p14="http://schemas.microsoft.com/office/powerpoint/2010/main" val="1500022201"/>
       </p:ext>
     </p:extLst>
   </p:cSld>
@@ -32317,331 +32592,111 @@
       </p:grpSpPr>
       <p:sp>
         <p:nvSpPr>
-          <p:cNvPr id="2" name="Title 1"/>
+          <p:cNvPr id="18434" name="Rectangle 2"/>
           <p:cNvSpPr>
             <a:spLocks noGrp="1"/>
           </p:cNvSpPr>
           <p:nvPr>
-            <p:ph type="title"/>
+            <p:ph type="title" idx="4294967295"/>
+          </p:nvPr>
+        </p:nvSpPr>
+        <p:spPr/>
+        <p:txBody>
+          <a:bodyPr/>
+          <a:lstStyle/>
+          <a:p>
+            <a:r>
+              <a:rPr lang="en-US" smtClean="0">
+                <a:ea typeface="ＭＳ Ｐゴシック" pitchFamily="34" charset="-128"/>
+              </a:rPr>
+              <a:t>Packages</a:t>
+            </a:r>
+          </a:p>
+        </p:txBody>
+      </p:sp>
+      <p:sp>
+        <p:nvSpPr>
+          <p:cNvPr id="18435" name="Rectangle 3"/>
+          <p:cNvSpPr>
+            <a:spLocks noGrp="1"/>
+          </p:cNvSpPr>
+          <p:nvPr>
+            <p:ph type="body" idx="4294967295"/>
           </p:nvPr>
         </p:nvSpPr>
         <p:spPr>
           <a:xfrm>
-            <a:off x="722313" y="3581400"/>
-            <a:ext cx="7772400" cy="2362200"/>
+            <a:off x="457200" y="1066800"/>
+            <a:ext cx="8534400" cy="5059363"/>
           </a:xfrm>
         </p:spPr>
         <p:txBody>
           <a:bodyPr/>
           <a:lstStyle/>
           <a:p>
-            <a:pPr>
-              <a:defRPr/>
-            </a:pPr>
-            <a:r>
-              <a:rPr lang="en-US" sz="1800" dirty="0" smtClean="0">
-                <a:solidFill>
-                  <a:srgbClr val="4D4D4D"/>
-                </a:solidFill>
-              </a:rPr>
-              <a:t> </a:t>
-            </a:r>
-            <a:r>
-              <a:rPr lang="en-US" sz="1800" dirty="0">
-                <a:solidFill>
-                  <a:srgbClr val="4D4D4D"/>
-                </a:solidFill>
-              </a:rPr>
-              <a:t>PD Tool </a:t>
-            </a:r>
-            <a:r>
-              <a:rPr lang="en-US" sz="1800" b="0" i="1" dirty="0">
-                <a:solidFill>
-                  <a:srgbClr val="4D4D4D"/>
-                </a:solidFill>
-              </a:rPr>
-              <a:t>– PD Tool provides an out-of-the-box, automated, configurable, promotion </a:t>
-            </a:r>
-            <a:r>
-              <a:rPr lang="en-US" sz="1800" b="0" i="1" dirty="0" smtClean="0">
-                <a:solidFill>
-                  <a:srgbClr val="4D4D4D"/>
-                </a:solidFill>
-              </a:rPr>
-              <a:t>and deployment </a:t>
-            </a:r>
-            <a:r>
-              <a:rPr lang="en-US" sz="1800" b="0" i="1" dirty="0">
-                <a:solidFill>
-                  <a:srgbClr val="4D4D4D"/>
-                </a:solidFill>
-              </a:rPr>
-              <a:t>tool-kit to allow customers to promote CIS resources to target CIS </a:t>
-            </a:r>
-            <a:r>
-              <a:rPr lang="en-US" sz="1800" b="0" i="1" dirty="0" smtClean="0">
-                <a:solidFill>
-                  <a:srgbClr val="4D4D4D"/>
-                </a:solidFill>
-              </a:rPr>
-              <a:t>servers such </a:t>
-            </a:r>
-            <a:r>
-              <a:rPr lang="en-US" sz="1800" b="0" i="1" dirty="0">
-                <a:solidFill>
-                  <a:srgbClr val="4D4D4D"/>
-                </a:solidFill>
-              </a:rPr>
-              <a:t>as test and production. This capability seeks to satisfy 90% of </a:t>
-            </a:r>
-            <a:r>
-              <a:rPr lang="en-US" sz="1800" b="0" i="1" dirty="0" smtClean="0">
-                <a:solidFill>
-                  <a:srgbClr val="4D4D4D"/>
-                </a:solidFill>
-              </a:rPr>
-              <a:t>customer’s requirements </a:t>
-            </a:r>
-            <a:r>
-              <a:rPr lang="en-US" sz="1800" b="0" i="1" dirty="0">
-                <a:solidFill>
-                  <a:srgbClr val="4D4D4D"/>
-                </a:solidFill>
-              </a:rPr>
-              <a:t>for promoting CIS resources from one environment to another without </a:t>
-            </a:r>
-            <a:r>
-              <a:rPr lang="en-US" sz="1800" b="0" i="1" dirty="0" smtClean="0">
-                <a:solidFill>
-                  <a:srgbClr val="4D4D4D"/>
-                </a:solidFill>
-              </a:rPr>
-              <a:t>the customer </a:t>
-            </a:r>
-            <a:r>
-              <a:rPr lang="en-US" sz="1800" b="0" i="1" dirty="0">
-                <a:solidFill>
-                  <a:srgbClr val="4D4D4D"/>
-                </a:solidFill>
-              </a:rPr>
-              <a:t>having to write any custom scripts.</a:t>
-            </a:r>
-            <a:endParaRPr lang="en-US" sz="1800" dirty="0">
-              <a:solidFill>
-                <a:srgbClr val="4D4D4D"/>
-              </a:solidFill>
-            </a:endParaRPr>
-          </a:p>
-        </p:txBody>
-      </p:sp>
-      <p:sp>
-        <p:nvSpPr>
-          <p:cNvPr id="19459" name="Text Placeholder 2"/>
-          <p:cNvSpPr>
-            <a:spLocks noGrp="1"/>
-          </p:cNvSpPr>
-          <p:nvPr>
-            <p:ph type="body" idx="1"/>
-          </p:nvPr>
-        </p:nvSpPr>
-        <p:spPr>
-          <a:xfrm>
-            <a:off x="722313" y="2133600"/>
-            <a:ext cx="7772400" cy="1500188"/>
-          </a:xfrm>
-        </p:spPr>
-        <p:txBody>
-          <a:bodyPr/>
-          <a:lstStyle/>
-          <a:p>
-            <a:r>
-              <a:rPr lang="en-US" sz="2800" smtClean="0">
-                <a:ea typeface="ＭＳ Ｐゴシック" pitchFamily="34" charset="-128"/>
-              </a:rPr>
-              <a:t>PS Promotion and Deployment Tool  </a:t>
-            </a:r>
-          </a:p>
-          <a:p>
-            <a:r>
-              <a:rPr lang="en-US" sz="2800" smtClean="0">
-                <a:ea typeface="ＭＳ Ｐゴシック" pitchFamily="34" charset="-128"/>
-              </a:rPr>
-              <a:t>(PD Tool)</a:t>
-            </a:r>
-          </a:p>
-          <a:p>
-            <a:endParaRPr lang="en-US" sz="2800" smtClean="0">
+            <a:r>
+              <a:rPr lang="en-US" smtClean="0">
+                <a:ea typeface="ＭＳ Ｐゴシック" pitchFamily="34" charset="-128"/>
+              </a:rPr>
+              <a:t>PS Promotion and Deployment Tool </a:t>
+            </a:r>
+          </a:p>
+          <a:p>
+            <a:pPr lvl="1"/>
+            <a:r>
+              <a:rPr lang="en-US" smtClean="0">
+                <a:ea typeface="ＭＳ Ｐゴシック" pitchFamily="34" charset="-128"/>
+              </a:rPr>
+              <a:t>a.k.a. PD Tool</a:t>
+            </a:r>
+          </a:p>
+          <a:p>
+            <a:pPr lvl="1"/>
+            <a:r>
+              <a:rPr lang="en-US" smtClean="0">
+                <a:ea typeface="ＭＳ Ｐゴシック" pitchFamily="34" charset="-128"/>
+              </a:rPr>
+              <a:t>Automated Command-line or Ant deployment</a:t>
+            </a:r>
+          </a:p>
+          <a:p>
+            <a:pPr lvl="1"/>
+            <a:endParaRPr lang="en-US" smtClean="0">
               <a:ea typeface="ＭＳ Ｐゴシック" pitchFamily="34" charset="-128"/>
             </a:endParaRPr>
           </a:p>
-        </p:txBody>
-      </p:sp>
-      <p:sp>
-        <p:nvSpPr>
-          <p:cNvPr id="19460" name="Footer Placeholder 3"/>
-          <p:cNvSpPr>
-            <a:spLocks noGrp="1"/>
-          </p:cNvSpPr>
-          <p:nvPr>
-            <p:ph type="ftr" sz="quarter" idx="10"/>
-          </p:nvPr>
-        </p:nvSpPr>
-        <p:spPr bwMode="auto">
-          <a:noFill/>
-          <a:extLst>
-            <a:ext uri="{909E8E84-426E-40DD-AFC4-6F175D3DCCD1}">
-              <a14:hiddenFill xmlns:a14="http://schemas.microsoft.com/office/drawing/2010/main">
-                <a:solidFill>
-                  <a:srgbClr val="FFFFFF"/>
-                </a:solidFill>
-              </a14:hiddenFill>
-            </a:ext>
-            <a:ext uri="{91240B29-F687-4F45-9708-019B960494DF}">
-              <a14:hiddenLine xmlns:a14="http://schemas.microsoft.com/office/drawing/2010/main" w="9525">
-                <a:solidFill>
-                  <a:srgbClr val="000000"/>
-                </a:solidFill>
-                <a:miter lim="800000"/>
-                <a:headEnd/>
-                <a:tailEnd/>
-              </a14:hiddenLine>
-            </a:ext>
-          </a:extLst>
-        </p:spPr>
-        <p:txBody>
-          <a:bodyPr/>
-          <a:lstStyle>
-            <a:lvl1pPr eaLnBrk="0" hangingPunct="0">
-              <a:defRPr sz="3000">
-                <a:solidFill>
-                  <a:schemeClr val="bg1"/>
-                </a:solidFill>
-                <a:latin typeface="Arial" charset="0"/>
-                <a:ea typeface="ＭＳ Ｐゴシック" pitchFamily="34" charset="-128"/>
-              </a:defRPr>
-            </a:lvl1pPr>
-            <a:lvl2pPr marL="742950" indent="-285750" eaLnBrk="0" hangingPunct="0">
-              <a:defRPr sz="3000">
-                <a:solidFill>
-                  <a:schemeClr val="bg1"/>
-                </a:solidFill>
-                <a:latin typeface="Arial" charset="0"/>
-                <a:ea typeface="ＭＳ Ｐゴシック" pitchFamily="34" charset="-128"/>
-              </a:defRPr>
-            </a:lvl2pPr>
-            <a:lvl3pPr marL="1143000" indent="-228600" eaLnBrk="0" hangingPunct="0">
-              <a:defRPr sz="3000">
-                <a:solidFill>
-                  <a:schemeClr val="bg1"/>
-                </a:solidFill>
-                <a:latin typeface="Arial" charset="0"/>
-                <a:ea typeface="ＭＳ Ｐゴシック" pitchFamily="34" charset="-128"/>
-              </a:defRPr>
-            </a:lvl3pPr>
-            <a:lvl4pPr marL="1600200" indent="-228600" eaLnBrk="0" hangingPunct="0">
-              <a:defRPr sz="3000">
-                <a:solidFill>
-                  <a:schemeClr val="bg1"/>
-                </a:solidFill>
-                <a:latin typeface="Arial" charset="0"/>
-                <a:ea typeface="ＭＳ Ｐゴシック" pitchFamily="34" charset="-128"/>
-              </a:defRPr>
-            </a:lvl4pPr>
-            <a:lvl5pPr marL="2057400" indent="-228600" eaLnBrk="0" hangingPunct="0">
-              <a:defRPr sz="3000">
-                <a:solidFill>
-                  <a:schemeClr val="bg1"/>
-                </a:solidFill>
-                <a:latin typeface="Arial" charset="0"/>
-                <a:ea typeface="ＭＳ Ｐゴシック" pitchFamily="34" charset="-128"/>
-              </a:defRPr>
-            </a:lvl5pPr>
-            <a:lvl6pPr marL="2514600" indent="-228600" eaLnBrk="0" fontAlgn="base" hangingPunct="0">
-              <a:spcBef>
-                <a:spcPct val="0"/>
-              </a:spcBef>
-              <a:spcAft>
-                <a:spcPct val="0"/>
-              </a:spcAft>
-              <a:defRPr sz="3000">
-                <a:solidFill>
-                  <a:schemeClr val="bg1"/>
-                </a:solidFill>
-                <a:latin typeface="Arial" charset="0"/>
-                <a:ea typeface="ＭＳ Ｐゴシック" pitchFamily="34" charset="-128"/>
-              </a:defRPr>
-            </a:lvl6pPr>
-            <a:lvl7pPr marL="2971800" indent="-228600" eaLnBrk="0" fontAlgn="base" hangingPunct="0">
-              <a:spcBef>
-                <a:spcPct val="0"/>
-              </a:spcBef>
-              <a:spcAft>
-                <a:spcPct val="0"/>
-              </a:spcAft>
-              <a:defRPr sz="3000">
-                <a:solidFill>
-                  <a:schemeClr val="bg1"/>
-                </a:solidFill>
-                <a:latin typeface="Arial" charset="0"/>
-                <a:ea typeface="ＭＳ Ｐゴシック" pitchFamily="34" charset="-128"/>
-              </a:defRPr>
-            </a:lvl7pPr>
-            <a:lvl8pPr marL="3429000" indent="-228600" eaLnBrk="0" fontAlgn="base" hangingPunct="0">
-              <a:spcBef>
-                <a:spcPct val="0"/>
-              </a:spcBef>
-              <a:spcAft>
-                <a:spcPct val="0"/>
-              </a:spcAft>
-              <a:defRPr sz="3000">
-                <a:solidFill>
-                  <a:schemeClr val="bg1"/>
-                </a:solidFill>
-                <a:latin typeface="Arial" charset="0"/>
-                <a:ea typeface="ＭＳ Ｐゴシック" pitchFamily="34" charset="-128"/>
-              </a:defRPr>
-            </a:lvl8pPr>
-            <a:lvl9pPr marL="3886200" indent="-228600" eaLnBrk="0" fontAlgn="base" hangingPunct="0">
-              <a:spcBef>
-                <a:spcPct val="0"/>
-              </a:spcBef>
-              <a:spcAft>
-                <a:spcPct val="0"/>
-              </a:spcAft>
-              <a:defRPr sz="3000">
-                <a:solidFill>
-                  <a:schemeClr val="bg1"/>
-                </a:solidFill>
-                <a:latin typeface="Arial" charset="0"/>
-                <a:ea typeface="ＭＳ Ｐゴシック" pitchFamily="34" charset="-128"/>
-              </a:defRPr>
-            </a:lvl9pPr>
-          </a:lstStyle>
-          <a:p>
-            <a:pPr eaLnBrk="1" hangingPunct="1"/>
-            <a:r>
-              <a:rPr lang="en-US" sz="700" smtClean="0">
-                <a:solidFill>
-                  <a:srgbClr val="7F7F7F"/>
-                </a:solidFill>
-              </a:rPr>
-              <a:t>© 2010 Composite Software, Inc. / Composite Proprietary and Confidential</a:t>
-            </a:r>
-          </a:p>
-          <a:p>
-            <a:pPr eaLnBrk="1" hangingPunct="1"/>
-            <a:endParaRPr lang="en-US" sz="700" smtClean="0">
-              <a:solidFill>
-                <a:srgbClr val="7F7F7F"/>
-              </a:solidFill>
-            </a:endParaRPr>
+          <a:p>
+            <a:r>
+              <a:rPr lang="en-US" smtClean="0">
+                <a:ea typeface="ＭＳ Ｐゴシック" pitchFamily="34" charset="-128"/>
+              </a:rPr>
+              <a:t>PS Promotion and Deployment Tool Studio</a:t>
+            </a:r>
+          </a:p>
+          <a:p>
+            <a:pPr lvl="1"/>
+            <a:r>
+              <a:rPr lang="en-US" smtClean="0">
+                <a:ea typeface="ＭＳ Ｐゴシック" pitchFamily="34" charset="-128"/>
+              </a:rPr>
+              <a:t>a.k.a. PD Tool Studio</a:t>
+            </a:r>
+          </a:p>
+          <a:p>
+            <a:pPr lvl="1"/>
+            <a:r>
+              <a:rPr lang="en-US" smtClean="0">
+                <a:ea typeface="ＭＳ Ｐゴシック" pitchFamily="34" charset="-128"/>
+              </a:rPr>
+              <a:t>Studio Integration with VCS</a:t>
+            </a:r>
           </a:p>
         </p:txBody>
       </p:sp>
     </p:spTree>
     <p:extLst>
       <p:ext uri="{BB962C8B-B14F-4D97-AF65-F5344CB8AC3E}">
-        <p14:creationId xmlns:p14="http://schemas.microsoft.com/office/powerpoint/2010/main" val="1060524716"/>
+        <p14:creationId xmlns:p14="http://schemas.microsoft.com/office/powerpoint/2010/main" val="1386001189"/>
       </p:ext>
     </p:extLst>
   </p:cSld>
@@ -32677,121 +32732,331 @@
       </p:grpSpPr>
       <p:sp>
         <p:nvSpPr>
-          <p:cNvPr id="20482" name="Rectangle 2"/>
+          <p:cNvPr id="2" name="Title 1"/>
           <p:cNvSpPr>
             <a:spLocks noGrp="1"/>
           </p:cNvSpPr>
           <p:nvPr>
-            <p:ph type="title" idx="4294967295"/>
-          </p:nvPr>
-        </p:nvSpPr>
-        <p:spPr/>
-        <p:txBody>
-          <a:bodyPr/>
-          <a:lstStyle/>
-          <a:p>
-            <a:r>
-              <a:rPr lang="en-US" smtClean="0">
-                <a:ea typeface="ＭＳ Ｐゴシック" pitchFamily="34" charset="-128"/>
-              </a:rPr>
-              <a:t>Design Philosophy</a:t>
-            </a:r>
-          </a:p>
-        </p:txBody>
-      </p:sp>
-      <p:sp>
-        <p:nvSpPr>
-          <p:cNvPr id="20483" name="Rectangle 3"/>
-          <p:cNvSpPr>
-            <a:spLocks noGrp="1"/>
-          </p:cNvSpPr>
-          <p:nvPr>
-            <p:ph type="body" idx="4294967295"/>
+            <p:ph type="title"/>
           </p:nvPr>
         </p:nvSpPr>
         <p:spPr>
           <a:xfrm>
-            <a:off x="457200" y="1066800"/>
-            <a:ext cx="8534400" cy="5059363"/>
+            <a:off x="722313" y="3581400"/>
+            <a:ext cx="7772400" cy="2362200"/>
           </a:xfrm>
         </p:spPr>
         <p:txBody>
           <a:bodyPr/>
           <a:lstStyle/>
           <a:p>
-            <a:r>
-              <a:rPr lang="en-US" smtClean="0">
-                <a:ea typeface="ＭＳ Ｐゴシック" pitchFamily="34" charset="-128"/>
-              </a:rPr>
-              <a:t>Support Command-line and Ant deployment.</a:t>
-            </a:r>
-          </a:p>
-          <a:p>
-            <a:r>
-              <a:rPr lang="en-US" smtClean="0">
-                <a:ea typeface="ＭＳ Ｐゴシック" pitchFamily="34" charset="-128"/>
-              </a:rPr>
-              <a:t>Support for Java API</a:t>
-            </a:r>
-          </a:p>
-          <a:p>
-            <a:r>
-              <a:rPr lang="en-US" smtClean="0">
-                <a:ea typeface="ＭＳ Ｐゴシック" pitchFamily="34" charset="-128"/>
-              </a:rPr>
-              <a:t>Command-line and Ant invokes the </a:t>
-            </a:r>
-            <a:r>
-              <a:rPr lang="en-US" u="sng" smtClean="0">
-                <a:ea typeface="ＭＳ Ｐゴシック" pitchFamily="34" charset="-128"/>
-              </a:rPr>
-              <a:t>same set of modules</a:t>
-            </a:r>
-            <a:r>
-              <a:rPr lang="en-US" smtClean="0">
-                <a:ea typeface="ＭＳ Ｐゴシック" pitchFamily="34" charset="-128"/>
-              </a:rPr>
-              <a:t> to avoid duplication of code.</a:t>
-            </a:r>
-          </a:p>
-          <a:p>
-            <a:r>
-              <a:rPr lang="en-US" smtClean="0">
-                <a:ea typeface="ＭＳ Ｐゴシック" pitchFamily="34" charset="-128"/>
-              </a:rPr>
-              <a:t>Support both VCS and traditional CAR file based deployments.</a:t>
-            </a:r>
-          </a:p>
-          <a:p>
-            <a:r>
-              <a:rPr lang="en-US" smtClean="0">
-                <a:ea typeface="ＭＳ Ｐゴシック" pitchFamily="34" charset="-128"/>
-              </a:rPr>
-              <a:t>Support both local and remote deployment</a:t>
-            </a:r>
-          </a:p>
-          <a:p>
-            <a:r>
-              <a:rPr lang="en-US" smtClean="0">
-                <a:ea typeface="ＭＳ Ｐゴシック" pitchFamily="34" charset="-128"/>
-              </a:rPr>
-              <a:t>Produce a comprehensive set of log files</a:t>
-            </a:r>
-          </a:p>
-          <a:p>
-            <a:r>
-              <a:rPr lang="en-US" smtClean="0">
-                <a:ea typeface="ＭＳ Ｐゴシック" pitchFamily="34" charset="-128"/>
-              </a:rPr>
-              <a:t>Invokes CIS Web Service API</a:t>
-            </a:r>
+            <a:pPr>
+              <a:defRPr/>
+            </a:pPr>
+            <a:r>
+              <a:rPr lang="en-US" sz="1800" dirty="0" smtClean="0">
+                <a:solidFill>
+                  <a:srgbClr val="4D4D4D"/>
+                </a:solidFill>
+              </a:rPr>
+              <a:t> </a:t>
+            </a:r>
+            <a:r>
+              <a:rPr lang="en-US" sz="1800" dirty="0">
+                <a:solidFill>
+                  <a:srgbClr val="4D4D4D"/>
+                </a:solidFill>
+              </a:rPr>
+              <a:t>PD Tool </a:t>
+            </a:r>
+            <a:r>
+              <a:rPr lang="en-US" sz="1800" b="0" i="1" dirty="0">
+                <a:solidFill>
+                  <a:srgbClr val="4D4D4D"/>
+                </a:solidFill>
+              </a:rPr>
+              <a:t>– PD Tool provides an out-of-the-box, automated, configurable, promotion </a:t>
+            </a:r>
+            <a:r>
+              <a:rPr lang="en-US" sz="1800" b="0" i="1" dirty="0" smtClean="0">
+                <a:solidFill>
+                  <a:srgbClr val="4D4D4D"/>
+                </a:solidFill>
+              </a:rPr>
+              <a:t>and deployment </a:t>
+            </a:r>
+            <a:r>
+              <a:rPr lang="en-US" sz="1800" b="0" i="1" dirty="0">
+                <a:solidFill>
+                  <a:srgbClr val="4D4D4D"/>
+                </a:solidFill>
+              </a:rPr>
+              <a:t>tool-kit to allow customers to promote CIS resources to target CIS </a:t>
+            </a:r>
+            <a:r>
+              <a:rPr lang="en-US" sz="1800" b="0" i="1" dirty="0" smtClean="0">
+                <a:solidFill>
+                  <a:srgbClr val="4D4D4D"/>
+                </a:solidFill>
+              </a:rPr>
+              <a:t>servers such </a:t>
+            </a:r>
+            <a:r>
+              <a:rPr lang="en-US" sz="1800" b="0" i="1" dirty="0">
+                <a:solidFill>
+                  <a:srgbClr val="4D4D4D"/>
+                </a:solidFill>
+              </a:rPr>
+              <a:t>as test and production. This capability seeks to satisfy 90% of </a:t>
+            </a:r>
+            <a:r>
+              <a:rPr lang="en-US" sz="1800" b="0" i="1" dirty="0" smtClean="0">
+                <a:solidFill>
+                  <a:srgbClr val="4D4D4D"/>
+                </a:solidFill>
+              </a:rPr>
+              <a:t>customer’s requirements </a:t>
+            </a:r>
+            <a:r>
+              <a:rPr lang="en-US" sz="1800" b="0" i="1" dirty="0">
+                <a:solidFill>
+                  <a:srgbClr val="4D4D4D"/>
+                </a:solidFill>
+              </a:rPr>
+              <a:t>for promoting CIS resources from one environment to another without </a:t>
+            </a:r>
+            <a:r>
+              <a:rPr lang="en-US" sz="1800" b="0" i="1" dirty="0" smtClean="0">
+                <a:solidFill>
+                  <a:srgbClr val="4D4D4D"/>
+                </a:solidFill>
+              </a:rPr>
+              <a:t>the customer </a:t>
+            </a:r>
+            <a:r>
+              <a:rPr lang="en-US" sz="1800" b="0" i="1" dirty="0">
+                <a:solidFill>
+                  <a:srgbClr val="4D4D4D"/>
+                </a:solidFill>
+              </a:rPr>
+              <a:t>having to write any custom scripts.</a:t>
+            </a:r>
+            <a:endParaRPr lang="en-US" sz="1800" dirty="0">
+              <a:solidFill>
+                <a:srgbClr val="4D4D4D"/>
+              </a:solidFill>
+            </a:endParaRPr>
+          </a:p>
+        </p:txBody>
+      </p:sp>
+      <p:sp>
+        <p:nvSpPr>
+          <p:cNvPr id="19459" name="Text Placeholder 2"/>
+          <p:cNvSpPr>
+            <a:spLocks noGrp="1"/>
+          </p:cNvSpPr>
+          <p:nvPr>
+            <p:ph type="body" idx="1"/>
+          </p:nvPr>
+        </p:nvSpPr>
+        <p:spPr>
+          <a:xfrm>
+            <a:off x="722313" y="2133600"/>
+            <a:ext cx="7772400" cy="1500188"/>
+          </a:xfrm>
+        </p:spPr>
+        <p:txBody>
+          <a:bodyPr/>
+          <a:lstStyle/>
+          <a:p>
+            <a:r>
+              <a:rPr lang="en-US" sz="2800" smtClean="0">
+                <a:ea typeface="ＭＳ Ｐゴシック" pitchFamily="34" charset="-128"/>
+              </a:rPr>
+              <a:t>PS Promotion and Deployment Tool  </a:t>
+            </a:r>
+          </a:p>
+          <a:p>
+            <a:r>
+              <a:rPr lang="en-US" sz="2800" smtClean="0">
+                <a:ea typeface="ＭＳ Ｐゴシック" pitchFamily="34" charset="-128"/>
+              </a:rPr>
+              <a:t>(PD Tool)</a:t>
+            </a:r>
+          </a:p>
+          <a:p>
+            <a:endParaRPr lang="en-US" sz="2800" smtClean="0">
+              <a:ea typeface="ＭＳ Ｐゴシック" pitchFamily="34" charset="-128"/>
+            </a:endParaRPr>
+          </a:p>
+        </p:txBody>
+      </p:sp>
+      <p:sp>
+        <p:nvSpPr>
+          <p:cNvPr id="19460" name="Footer Placeholder 3"/>
+          <p:cNvSpPr>
+            <a:spLocks noGrp="1"/>
+          </p:cNvSpPr>
+          <p:nvPr>
+            <p:ph type="ftr" sz="quarter" idx="10"/>
+          </p:nvPr>
+        </p:nvSpPr>
+        <p:spPr bwMode="auto">
+          <a:noFill/>
+          <a:extLst>
+            <a:ext uri="{909E8E84-426E-40DD-AFC4-6F175D3DCCD1}">
+              <a14:hiddenFill xmlns:a14="http://schemas.microsoft.com/office/drawing/2010/main">
+                <a:solidFill>
+                  <a:srgbClr val="FFFFFF"/>
+                </a:solidFill>
+              </a14:hiddenFill>
+            </a:ext>
+            <a:ext uri="{91240B29-F687-4F45-9708-019B960494DF}">
+              <a14:hiddenLine xmlns:a14="http://schemas.microsoft.com/office/drawing/2010/main" w="9525">
+                <a:solidFill>
+                  <a:srgbClr val="000000"/>
+                </a:solidFill>
+                <a:miter lim="800000"/>
+                <a:headEnd/>
+                <a:tailEnd/>
+              </a14:hiddenLine>
+            </a:ext>
+          </a:extLst>
+        </p:spPr>
+        <p:txBody>
+          <a:bodyPr/>
+          <a:lstStyle>
+            <a:lvl1pPr eaLnBrk="0" hangingPunct="0">
+              <a:defRPr sz="3000">
+                <a:solidFill>
+                  <a:schemeClr val="bg1"/>
+                </a:solidFill>
+                <a:latin typeface="Arial" charset="0"/>
+                <a:ea typeface="ＭＳ Ｐゴシック" pitchFamily="34" charset="-128"/>
+              </a:defRPr>
+            </a:lvl1pPr>
+            <a:lvl2pPr marL="742950" indent="-285750" eaLnBrk="0" hangingPunct="0">
+              <a:defRPr sz="3000">
+                <a:solidFill>
+                  <a:schemeClr val="bg1"/>
+                </a:solidFill>
+                <a:latin typeface="Arial" charset="0"/>
+                <a:ea typeface="ＭＳ Ｐゴシック" pitchFamily="34" charset="-128"/>
+              </a:defRPr>
+            </a:lvl2pPr>
+            <a:lvl3pPr marL="1143000" indent="-228600" eaLnBrk="0" hangingPunct="0">
+              <a:defRPr sz="3000">
+                <a:solidFill>
+                  <a:schemeClr val="bg1"/>
+                </a:solidFill>
+                <a:latin typeface="Arial" charset="0"/>
+                <a:ea typeface="ＭＳ Ｐゴシック" pitchFamily="34" charset="-128"/>
+              </a:defRPr>
+            </a:lvl3pPr>
+            <a:lvl4pPr marL="1600200" indent="-228600" eaLnBrk="0" hangingPunct="0">
+              <a:defRPr sz="3000">
+                <a:solidFill>
+                  <a:schemeClr val="bg1"/>
+                </a:solidFill>
+                <a:latin typeface="Arial" charset="0"/>
+                <a:ea typeface="ＭＳ Ｐゴシック" pitchFamily="34" charset="-128"/>
+              </a:defRPr>
+            </a:lvl4pPr>
+            <a:lvl5pPr marL="2057400" indent="-228600" eaLnBrk="0" hangingPunct="0">
+              <a:defRPr sz="3000">
+                <a:solidFill>
+                  <a:schemeClr val="bg1"/>
+                </a:solidFill>
+                <a:latin typeface="Arial" charset="0"/>
+                <a:ea typeface="ＭＳ Ｐゴシック" pitchFamily="34" charset="-128"/>
+              </a:defRPr>
+            </a:lvl5pPr>
+            <a:lvl6pPr marL="2514600" indent="-228600" eaLnBrk="0" fontAlgn="base" hangingPunct="0">
+              <a:spcBef>
+                <a:spcPct val="0"/>
+              </a:spcBef>
+              <a:spcAft>
+                <a:spcPct val="0"/>
+              </a:spcAft>
+              <a:defRPr sz="3000">
+                <a:solidFill>
+                  <a:schemeClr val="bg1"/>
+                </a:solidFill>
+                <a:latin typeface="Arial" charset="0"/>
+                <a:ea typeface="ＭＳ Ｐゴシック" pitchFamily="34" charset="-128"/>
+              </a:defRPr>
+            </a:lvl6pPr>
+            <a:lvl7pPr marL="2971800" indent="-228600" eaLnBrk="0" fontAlgn="base" hangingPunct="0">
+              <a:spcBef>
+                <a:spcPct val="0"/>
+              </a:spcBef>
+              <a:spcAft>
+                <a:spcPct val="0"/>
+              </a:spcAft>
+              <a:defRPr sz="3000">
+                <a:solidFill>
+                  <a:schemeClr val="bg1"/>
+                </a:solidFill>
+                <a:latin typeface="Arial" charset="0"/>
+                <a:ea typeface="ＭＳ Ｐゴシック" pitchFamily="34" charset="-128"/>
+              </a:defRPr>
+            </a:lvl7pPr>
+            <a:lvl8pPr marL="3429000" indent="-228600" eaLnBrk="0" fontAlgn="base" hangingPunct="0">
+              <a:spcBef>
+                <a:spcPct val="0"/>
+              </a:spcBef>
+              <a:spcAft>
+                <a:spcPct val="0"/>
+              </a:spcAft>
+              <a:defRPr sz="3000">
+                <a:solidFill>
+                  <a:schemeClr val="bg1"/>
+                </a:solidFill>
+                <a:latin typeface="Arial" charset="0"/>
+                <a:ea typeface="ＭＳ Ｐゴシック" pitchFamily="34" charset="-128"/>
+              </a:defRPr>
+            </a:lvl8pPr>
+            <a:lvl9pPr marL="3886200" indent="-228600" eaLnBrk="0" fontAlgn="base" hangingPunct="0">
+              <a:spcBef>
+                <a:spcPct val="0"/>
+              </a:spcBef>
+              <a:spcAft>
+                <a:spcPct val="0"/>
+              </a:spcAft>
+              <a:defRPr sz="3000">
+                <a:solidFill>
+                  <a:schemeClr val="bg1"/>
+                </a:solidFill>
+                <a:latin typeface="Arial" charset="0"/>
+                <a:ea typeface="ＭＳ Ｐゴシック" pitchFamily="34" charset="-128"/>
+              </a:defRPr>
+            </a:lvl9pPr>
+          </a:lstStyle>
+          <a:p>
+            <a:pPr eaLnBrk="1" hangingPunct="1"/>
+            <a:r>
+              <a:rPr lang="en-US" sz="700" smtClean="0">
+                <a:solidFill>
+                  <a:srgbClr val="7F7F7F"/>
+                </a:solidFill>
+              </a:rPr>
+              <a:t>© 2010 Composite Software, Inc. / Composite Proprietary and Confidential</a:t>
+            </a:r>
+          </a:p>
+          <a:p>
+            <a:pPr eaLnBrk="1" hangingPunct="1"/>
+            <a:endParaRPr lang="en-US" sz="700" smtClean="0">
+              <a:solidFill>
+                <a:srgbClr val="7F7F7F"/>
+              </a:solidFill>
+            </a:endParaRPr>
           </a:p>
         </p:txBody>
       </p:sp>
     </p:spTree>
     <p:extLst>
       <p:ext uri="{BB962C8B-B14F-4D97-AF65-F5344CB8AC3E}">
-        <p14:creationId xmlns:p14="http://schemas.microsoft.com/office/powerpoint/2010/main" val="487499521"/>
+        <p14:creationId xmlns:p14="http://schemas.microsoft.com/office/powerpoint/2010/main" val="1060524716"/>
       </p:ext>
     </p:extLst>
   </p:cSld>
@@ -32827,7 +33092,7 @@
       </p:grpSpPr>
       <p:sp>
         <p:nvSpPr>
-          <p:cNvPr id="21506" name="Rectangle 2"/>
+          <p:cNvPr id="20482" name="Rectangle 2"/>
           <p:cNvSpPr>
             <a:spLocks noGrp="1"/>
           </p:cNvSpPr>
@@ -32851,7 +33116,7 @@
       </p:sp>
       <p:sp>
         <p:nvSpPr>
-          <p:cNvPr id="21507" name="Rectangle 3"/>
+          <p:cNvPr id="20483" name="Rectangle 3"/>
           <p:cNvSpPr>
             <a:spLocks noGrp="1"/>
           </p:cNvSpPr>
@@ -32873,66 +33138,75 @@
               <a:rPr lang="en-US" smtClean="0">
                 <a:ea typeface="ＭＳ Ｐゴシック" pitchFamily="34" charset="-128"/>
               </a:rPr>
-              <a:t>Modular Approach</a:t>
-            </a:r>
-          </a:p>
-          <a:p>
-            <a:pPr lvl="1"/>
+              <a:t>Support Command-line and Ant deployment.</a:t>
+            </a:r>
+          </a:p>
+          <a:p>
             <a:r>
               <a:rPr lang="en-US" smtClean="0">
                 <a:ea typeface="ＭＳ Ｐゴシック" pitchFamily="34" charset="-128"/>
               </a:rPr>
-              <a:t>A module is a functional grouping of actions</a:t>
-            </a:r>
-          </a:p>
-          <a:p>
-            <a:pPr lvl="2"/>
+              <a:t>Support for Java API</a:t>
+            </a:r>
+          </a:p>
+          <a:p>
             <a:r>
               <a:rPr lang="en-US" smtClean="0">
                 <a:ea typeface="ＭＳ Ｐゴシック" pitchFamily="34" charset="-128"/>
               </a:rPr>
-              <a:t>Generate, Create, Update, Delete</a:t>
-            </a:r>
-          </a:p>
-          <a:p>
-            <a:pPr lvl="1"/>
+              <a:t>Command-line and Ant invokes the </a:t>
+            </a:r>
+            <a:r>
+              <a:rPr lang="en-US" u="sng" smtClean="0">
+                <a:ea typeface="ＭＳ Ｐゴシック" pitchFamily="34" charset="-128"/>
+              </a:rPr>
+              <a:t>same set of modules</a:t>
+            </a:r>
             <a:r>
               <a:rPr lang="en-US" smtClean="0">
                 <a:ea typeface="ＭＳ Ｐゴシック" pitchFamily="34" charset="-128"/>
               </a:rPr>
-              <a:t>Invoked via command line, shell script or Java program and accepts input arguments.</a:t>
-            </a:r>
-          </a:p>
-          <a:p>
-            <a:pPr lvl="1"/>
+              <a:t> to avoid duplication of code.</a:t>
+            </a:r>
+          </a:p>
+          <a:p>
             <a:r>
               <a:rPr lang="en-US" smtClean="0">
                 <a:ea typeface="ＭＳ Ｐゴシック" pitchFamily="34" charset="-128"/>
               </a:rPr>
-              <a:t>Driven by XML-based configuration files containing an iteration of CIS resources.</a:t>
-            </a:r>
-          </a:p>
-          <a:p>
-            <a:pPr lvl="1"/>
+              <a:t>Support both VCS and traditional CAR file based deployments.</a:t>
+            </a:r>
+          </a:p>
+          <a:p>
             <a:r>
               <a:rPr lang="en-US" smtClean="0">
                 <a:ea typeface="ＭＳ Ｐゴシック" pitchFamily="34" charset="-128"/>
               </a:rPr>
-              <a:t>Swap in module(s) of customer’s choice using Spring for Java Modules or SQL invocations for CIS SQL Script Procedures.</a:t>
-            </a:r>
-          </a:p>
-          <a:p>
-            <a:pPr lvl="1"/>
-            <a:endParaRPr lang="en-US" smtClean="0">
-              <a:ea typeface="ＭＳ Ｐゴシック" pitchFamily="34" charset="-128"/>
-            </a:endParaRPr>
+              <a:t>Support both local and remote deployment</a:t>
+            </a:r>
+          </a:p>
+          <a:p>
+            <a:r>
+              <a:rPr lang="en-US" smtClean="0">
+                <a:ea typeface="ＭＳ Ｐゴシック" pitchFamily="34" charset="-128"/>
+              </a:rPr>
+              <a:t>Produce a comprehensive set of log files</a:t>
+            </a:r>
+          </a:p>
+          <a:p>
+            <a:r>
+              <a:rPr lang="en-US" smtClean="0">
+                <a:ea typeface="ＭＳ Ｐゴシック" pitchFamily="34" charset="-128"/>
+              </a:rPr>
+              <a:t>Invokes CIS Web Service API</a:t>
+            </a:r>
           </a:p>
         </p:txBody>
       </p:sp>
     </p:spTree>
     <p:extLst>
       <p:ext uri="{BB962C8B-B14F-4D97-AF65-F5344CB8AC3E}">
-        <p14:creationId xmlns:p14="http://schemas.microsoft.com/office/powerpoint/2010/main" val="3595641998"/>
+        <p14:creationId xmlns:p14="http://schemas.microsoft.com/office/powerpoint/2010/main" val="487499521"/>
       </p:ext>
     </p:extLst>
   </p:cSld>
